--- a/_book/plot/pro-survey-q15-pie-1.pptx
+++ b/_book/plot/pro-survey-q15-pie-1.pptx
@@ -3158,101 +3158,101 @@
           <p:spPr>
             <a:xfrm>
               <a:off x="4597287" y="1973107"/>
-              <a:ext cx="97202" cy="1808317"/>
+              <a:ext cx="119137" cy="1808317"/>
             </a:xfrm>
             <a:custGeom>
               <a:avLst/>
               <a:pathLst>
-                <a:path w="97202" h="1808317">
+                <a:path w="119137" h="1808317">
                   <a:moveTo>
                     <a:pt x="0" y="1808317"/>
                   </a:moveTo>
                   <a:lnTo>
-                    <a:pt x="3351" y="1746051"/>
-                  </a:lnTo>
-                  <a:lnTo>
-                    <a:pt x="6703" y="1683786"/>
-                  </a:lnTo>
-                  <a:lnTo>
-                    <a:pt x="10055" y="1621520"/>
-                  </a:lnTo>
-                  <a:lnTo>
-                    <a:pt x="13407" y="1559254"/>
-                  </a:lnTo>
-                  <a:lnTo>
-                    <a:pt x="16759" y="1496989"/>
-                  </a:lnTo>
-                  <a:lnTo>
-                    <a:pt x="20110" y="1434723"/>
-                  </a:lnTo>
-                  <a:lnTo>
-                    <a:pt x="23462" y="1372458"/>
-                  </a:lnTo>
-                  <a:lnTo>
-                    <a:pt x="26814" y="1310192"/>
-                  </a:lnTo>
-                  <a:lnTo>
-                    <a:pt x="30166" y="1247926"/>
-                  </a:lnTo>
-                  <a:lnTo>
-                    <a:pt x="33518" y="1185661"/>
-                  </a:lnTo>
-                  <a:lnTo>
-                    <a:pt x="36869" y="1123395"/>
-                  </a:lnTo>
-                  <a:lnTo>
-                    <a:pt x="40221" y="1061129"/>
-                  </a:lnTo>
-                  <a:lnTo>
-                    <a:pt x="43573" y="998864"/>
-                  </a:lnTo>
-                  <a:lnTo>
-                    <a:pt x="46925" y="936598"/>
-                  </a:lnTo>
-                  <a:lnTo>
-                    <a:pt x="50277" y="874333"/>
-                  </a:lnTo>
-                  <a:lnTo>
-                    <a:pt x="53629" y="812067"/>
-                  </a:lnTo>
-                  <a:lnTo>
-                    <a:pt x="56980" y="749801"/>
-                  </a:lnTo>
-                  <a:lnTo>
-                    <a:pt x="60332" y="687536"/>
-                  </a:lnTo>
-                  <a:lnTo>
-                    <a:pt x="63684" y="625270"/>
-                  </a:lnTo>
-                  <a:lnTo>
-                    <a:pt x="67036" y="563004"/>
-                  </a:lnTo>
-                  <a:lnTo>
-                    <a:pt x="70388" y="500739"/>
-                  </a:lnTo>
-                  <a:lnTo>
-                    <a:pt x="73739" y="438473"/>
-                  </a:lnTo>
-                  <a:lnTo>
-                    <a:pt x="77091" y="376208"/>
-                  </a:lnTo>
-                  <a:lnTo>
-                    <a:pt x="80443" y="313942"/>
-                  </a:lnTo>
-                  <a:lnTo>
-                    <a:pt x="83795" y="251676"/>
-                  </a:lnTo>
-                  <a:lnTo>
-                    <a:pt x="87147" y="189411"/>
-                  </a:lnTo>
-                  <a:lnTo>
-                    <a:pt x="90499" y="127145"/>
-                  </a:lnTo>
-                  <a:lnTo>
-                    <a:pt x="93850" y="64879"/>
-                  </a:lnTo>
-                  <a:lnTo>
-                    <a:pt x="97202" y="2614"/>
+                    <a:pt x="4108" y="1746097"/>
+                  </a:lnTo>
+                  <a:lnTo>
+                    <a:pt x="8216" y="1683876"/>
+                  </a:lnTo>
+                  <a:lnTo>
+                    <a:pt x="12324" y="1621656"/>
+                  </a:lnTo>
+                  <a:lnTo>
+                    <a:pt x="16432" y="1559436"/>
+                  </a:lnTo>
+                  <a:lnTo>
+                    <a:pt x="20540" y="1497215"/>
+                  </a:lnTo>
+                  <a:lnTo>
+                    <a:pt x="24649" y="1434995"/>
+                  </a:lnTo>
+                  <a:lnTo>
+                    <a:pt x="28757" y="1372775"/>
+                  </a:lnTo>
+                  <a:lnTo>
+                    <a:pt x="32865" y="1310555"/>
+                  </a:lnTo>
+                  <a:lnTo>
+                    <a:pt x="36973" y="1248334"/>
+                  </a:lnTo>
+                  <a:lnTo>
+                    <a:pt x="41081" y="1186114"/>
+                  </a:lnTo>
+                  <a:lnTo>
+                    <a:pt x="45189" y="1123894"/>
+                  </a:lnTo>
+                  <a:lnTo>
+                    <a:pt x="49298" y="1061673"/>
+                  </a:lnTo>
+                  <a:lnTo>
+                    <a:pt x="53406" y="999453"/>
+                  </a:lnTo>
+                  <a:lnTo>
+                    <a:pt x="57514" y="937233"/>
+                  </a:lnTo>
+                  <a:lnTo>
+                    <a:pt x="61622" y="875012"/>
+                  </a:lnTo>
+                  <a:lnTo>
+                    <a:pt x="65730" y="812792"/>
+                  </a:lnTo>
+                  <a:lnTo>
+                    <a:pt x="69838" y="750572"/>
+                  </a:lnTo>
+                  <a:lnTo>
+                    <a:pt x="73947" y="688352"/>
+                  </a:lnTo>
+                  <a:lnTo>
+                    <a:pt x="78055" y="626131"/>
+                  </a:lnTo>
+                  <a:lnTo>
+                    <a:pt x="82163" y="563911"/>
+                  </a:lnTo>
+                  <a:lnTo>
+                    <a:pt x="86271" y="501691"/>
+                  </a:lnTo>
+                  <a:lnTo>
+                    <a:pt x="90379" y="439470"/>
+                  </a:lnTo>
+                  <a:lnTo>
+                    <a:pt x="94488" y="377250"/>
+                  </a:lnTo>
+                  <a:lnTo>
+                    <a:pt x="98596" y="315030"/>
+                  </a:lnTo>
+                  <a:lnTo>
+                    <a:pt x="102704" y="252810"/>
+                  </a:lnTo>
+                  <a:lnTo>
+                    <a:pt x="106812" y="190589"/>
+                  </a:lnTo>
+                  <a:lnTo>
+                    <a:pt x="110920" y="128369"/>
+                  </a:lnTo>
+                  <a:lnTo>
+                    <a:pt x="115028" y="66149"/>
+                  </a:lnTo>
+                  <a:lnTo>
+                    <a:pt x="119137" y="3928"/>
                   </a:lnTo>
                   <a:lnTo>
                     <a:pt x="0" y="0"/>
@@ -3374,246 +3374,237 @@
           </p:nvSpPr>
           <p:spPr>
             <a:xfrm>
-              <a:off x="4597287" y="1975721"/>
-              <a:ext cx="1236459" cy="1805703"/>
+              <a:off x="4597287" y="1977036"/>
+              <a:ext cx="1126468" cy="1804388"/>
             </a:xfrm>
             <a:custGeom>
               <a:avLst/>
               <a:pathLst>
-                <a:path w="1236459" h="1805703">
+                <a:path w="1126468" h="1804388">
                   <a:moveTo>
-                    <a:pt x="0" y="1805703"/>
+                    <a:pt x="0" y="1804388"/>
                   </a:moveTo>
                   <a:lnTo>
-                    <a:pt x="42636" y="1760201"/>
-                  </a:lnTo>
-                  <a:lnTo>
-                    <a:pt x="85273" y="1714700"/>
-                  </a:lnTo>
-                  <a:lnTo>
-                    <a:pt x="127909" y="1669199"/>
-                  </a:lnTo>
-                  <a:lnTo>
-                    <a:pt x="170546" y="1623697"/>
-                  </a:lnTo>
-                  <a:lnTo>
-                    <a:pt x="213182" y="1578196"/>
-                  </a:lnTo>
-                  <a:lnTo>
-                    <a:pt x="255819" y="1532695"/>
-                  </a:lnTo>
-                  <a:lnTo>
-                    <a:pt x="298455" y="1487194"/>
-                  </a:lnTo>
-                  <a:lnTo>
-                    <a:pt x="341092" y="1441692"/>
-                  </a:lnTo>
-                  <a:lnTo>
-                    <a:pt x="383728" y="1396191"/>
-                  </a:lnTo>
-                  <a:lnTo>
-                    <a:pt x="426365" y="1350690"/>
-                  </a:lnTo>
-                  <a:lnTo>
-                    <a:pt x="469002" y="1305188"/>
-                  </a:lnTo>
-                  <a:lnTo>
-                    <a:pt x="511638" y="1259687"/>
-                  </a:lnTo>
-                  <a:lnTo>
-                    <a:pt x="554275" y="1214186"/>
-                  </a:lnTo>
-                  <a:lnTo>
-                    <a:pt x="596911" y="1168685"/>
-                  </a:lnTo>
-                  <a:lnTo>
-                    <a:pt x="639548" y="1123183"/>
-                  </a:lnTo>
-                  <a:lnTo>
-                    <a:pt x="682184" y="1077682"/>
-                  </a:lnTo>
-                  <a:lnTo>
-                    <a:pt x="724821" y="1032181"/>
-                  </a:lnTo>
-                  <a:lnTo>
-                    <a:pt x="767457" y="986679"/>
-                  </a:lnTo>
-                  <a:lnTo>
-                    <a:pt x="810094" y="941178"/>
-                  </a:lnTo>
-                  <a:lnTo>
-                    <a:pt x="852730" y="895677"/>
-                  </a:lnTo>
-                  <a:lnTo>
-                    <a:pt x="895367" y="850176"/>
-                  </a:lnTo>
-                  <a:lnTo>
-                    <a:pt x="938004" y="804674"/>
-                  </a:lnTo>
-                  <a:lnTo>
-                    <a:pt x="980640" y="759173"/>
-                  </a:lnTo>
-                  <a:lnTo>
-                    <a:pt x="1023277" y="713672"/>
-                  </a:lnTo>
-                  <a:lnTo>
-                    <a:pt x="1065913" y="668170"/>
-                  </a:lnTo>
-                  <a:lnTo>
-                    <a:pt x="1108550" y="622669"/>
-                  </a:lnTo>
-                  <a:lnTo>
-                    <a:pt x="1151186" y="577168"/>
-                  </a:lnTo>
-                  <a:lnTo>
-                    <a:pt x="1193823" y="531667"/>
-                  </a:lnTo>
-                  <a:lnTo>
-                    <a:pt x="1236459" y="486165"/>
-                  </a:lnTo>
-                  <a:lnTo>
-                    <a:pt x="1189587" y="443758"/>
-                  </a:lnTo>
-                  <a:lnTo>
-                    <a:pt x="1141261" y="403015"/>
-                  </a:lnTo>
-                  <a:lnTo>
-                    <a:pt x="1091541" y="363985"/>
-                  </a:lnTo>
-                  <a:lnTo>
-                    <a:pt x="1040488" y="326718"/>
-                  </a:lnTo>
-                  <a:lnTo>
-                    <a:pt x="988163" y="291257"/>
-                  </a:lnTo>
-                  <a:lnTo>
-                    <a:pt x="934630" y="257646"/>
-                  </a:lnTo>
-                  <a:lnTo>
-                    <a:pt x="879956" y="225928"/>
-                  </a:lnTo>
-                  <a:lnTo>
-                    <a:pt x="824206" y="196139"/>
-                  </a:lnTo>
-                  <a:lnTo>
-                    <a:pt x="767450" y="168317"/>
-                  </a:lnTo>
-                  <a:lnTo>
-                    <a:pt x="709755" y="142495"/>
-                  </a:lnTo>
-                  <a:lnTo>
-                    <a:pt x="651194" y="118706"/>
-                  </a:lnTo>
-                  <a:lnTo>
-                    <a:pt x="591837" y="96978"/>
-                  </a:lnTo>
-                  <a:lnTo>
-                    <a:pt x="531756" y="77337"/>
-                  </a:lnTo>
-                  <a:lnTo>
-                    <a:pt x="471027" y="59809"/>
-                  </a:lnTo>
-                  <a:lnTo>
-                    <a:pt x="409721" y="44413"/>
-                  </a:lnTo>
-                  <a:lnTo>
-                    <a:pt x="347915" y="31170"/>
-                  </a:lnTo>
-                  <a:lnTo>
-                    <a:pt x="285684" y="20094"/>
-                  </a:lnTo>
-                  <a:lnTo>
-                    <a:pt x="223104" y="11201"/>
-                  </a:lnTo>
-                  <a:lnTo>
-                    <a:pt x="160251" y="4500"/>
-                  </a:lnTo>
-                  <a:lnTo>
-                    <a:pt x="97202" y="0"/>
-                  </a:lnTo>
-                  <a:lnTo>
-                    <a:pt x="93850" y="62265"/>
-                  </a:lnTo>
-                  <a:lnTo>
-                    <a:pt x="90499" y="124531"/>
-                  </a:lnTo>
-                  <a:lnTo>
-                    <a:pt x="87147" y="186796"/>
-                  </a:lnTo>
-                  <a:lnTo>
-                    <a:pt x="83795" y="249062"/>
-                  </a:lnTo>
-                  <a:lnTo>
-                    <a:pt x="80443" y="311328"/>
-                  </a:lnTo>
-                  <a:lnTo>
-                    <a:pt x="77091" y="373593"/>
-                  </a:lnTo>
-                  <a:lnTo>
-                    <a:pt x="73739" y="435859"/>
-                  </a:lnTo>
-                  <a:lnTo>
-                    <a:pt x="70388" y="498124"/>
-                  </a:lnTo>
-                  <a:lnTo>
-                    <a:pt x="67036" y="560390"/>
-                  </a:lnTo>
-                  <a:lnTo>
-                    <a:pt x="63684" y="622656"/>
-                  </a:lnTo>
-                  <a:lnTo>
-                    <a:pt x="60332" y="684921"/>
-                  </a:lnTo>
-                  <a:lnTo>
-                    <a:pt x="56980" y="747187"/>
-                  </a:lnTo>
-                  <a:lnTo>
-                    <a:pt x="53629" y="809453"/>
-                  </a:lnTo>
-                  <a:lnTo>
-                    <a:pt x="50277" y="871718"/>
-                  </a:lnTo>
-                  <a:lnTo>
-                    <a:pt x="46925" y="933984"/>
-                  </a:lnTo>
-                  <a:lnTo>
-                    <a:pt x="43573" y="996249"/>
-                  </a:lnTo>
-                  <a:lnTo>
-                    <a:pt x="40221" y="1058515"/>
-                  </a:lnTo>
-                  <a:lnTo>
-                    <a:pt x="36869" y="1120781"/>
-                  </a:lnTo>
-                  <a:lnTo>
-                    <a:pt x="33518" y="1183046"/>
-                  </a:lnTo>
-                  <a:lnTo>
-                    <a:pt x="30166" y="1245312"/>
-                  </a:lnTo>
-                  <a:lnTo>
-                    <a:pt x="26814" y="1307578"/>
-                  </a:lnTo>
-                  <a:lnTo>
-                    <a:pt x="23462" y="1369843"/>
-                  </a:lnTo>
-                  <a:lnTo>
-                    <a:pt x="20110" y="1432109"/>
-                  </a:lnTo>
-                  <a:lnTo>
-                    <a:pt x="16759" y="1494374"/>
-                  </a:lnTo>
-                  <a:lnTo>
-                    <a:pt x="13407" y="1556640"/>
-                  </a:lnTo>
-                  <a:lnTo>
-                    <a:pt x="10055" y="1618906"/>
-                  </a:lnTo>
-                  <a:lnTo>
-                    <a:pt x="6703" y="1681171"/>
-                  </a:lnTo>
-                  <a:lnTo>
-                    <a:pt x="3351" y="1743437"/>
+                    <a:pt x="38843" y="1755609"/>
+                  </a:lnTo>
+                  <a:lnTo>
+                    <a:pt x="77687" y="1706830"/>
+                  </a:lnTo>
+                  <a:lnTo>
+                    <a:pt x="116531" y="1658051"/>
+                  </a:lnTo>
+                  <a:lnTo>
+                    <a:pt x="155374" y="1609271"/>
+                  </a:lnTo>
+                  <a:lnTo>
+                    <a:pt x="194218" y="1560492"/>
+                  </a:lnTo>
+                  <a:lnTo>
+                    <a:pt x="233062" y="1511713"/>
+                  </a:lnTo>
+                  <a:lnTo>
+                    <a:pt x="271906" y="1462934"/>
+                  </a:lnTo>
+                  <a:lnTo>
+                    <a:pt x="310749" y="1414155"/>
+                  </a:lnTo>
+                  <a:lnTo>
+                    <a:pt x="349593" y="1365376"/>
+                  </a:lnTo>
+                  <a:lnTo>
+                    <a:pt x="388437" y="1316597"/>
+                  </a:lnTo>
+                  <a:lnTo>
+                    <a:pt x="427281" y="1267817"/>
+                  </a:lnTo>
+                  <a:lnTo>
+                    <a:pt x="466124" y="1219038"/>
+                  </a:lnTo>
+                  <a:lnTo>
+                    <a:pt x="504968" y="1170259"/>
+                  </a:lnTo>
+                  <a:lnTo>
+                    <a:pt x="543812" y="1121480"/>
+                  </a:lnTo>
+                  <a:lnTo>
+                    <a:pt x="582656" y="1072701"/>
+                  </a:lnTo>
+                  <a:lnTo>
+                    <a:pt x="621499" y="1023922"/>
+                  </a:lnTo>
+                  <a:lnTo>
+                    <a:pt x="660343" y="975142"/>
+                  </a:lnTo>
+                  <a:lnTo>
+                    <a:pt x="699187" y="926363"/>
+                  </a:lnTo>
+                  <a:lnTo>
+                    <a:pt x="738031" y="877584"/>
+                  </a:lnTo>
+                  <a:lnTo>
+                    <a:pt x="776874" y="828805"/>
+                  </a:lnTo>
+                  <a:lnTo>
+                    <a:pt x="815718" y="780026"/>
+                  </a:lnTo>
+                  <a:lnTo>
+                    <a:pt x="854562" y="731247"/>
+                  </a:lnTo>
+                  <a:lnTo>
+                    <a:pt x="893406" y="682467"/>
+                  </a:lnTo>
+                  <a:lnTo>
+                    <a:pt x="932249" y="633688"/>
+                  </a:lnTo>
+                  <a:lnTo>
+                    <a:pt x="971093" y="584909"/>
+                  </a:lnTo>
+                  <a:lnTo>
+                    <a:pt x="1009937" y="536130"/>
+                  </a:lnTo>
+                  <a:lnTo>
+                    <a:pt x="1048781" y="487351"/>
+                  </a:lnTo>
+                  <a:lnTo>
+                    <a:pt x="1087624" y="438572"/>
+                  </a:lnTo>
+                  <a:lnTo>
+                    <a:pt x="1126468" y="389793"/>
+                  </a:lnTo>
+                  <a:lnTo>
+                    <a:pt x="1075289" y="350509"/>
+                  </a:lnTo>
+                  <a:lnTo>
+                    <a:pt x="1022741" y="313076"/>
+                  </a:lnTo>
+                  <a:lnTo>
+                    <a:pt x="968891" y="277541"/>
+                  </a:lnTo>
+                  <a:lnTo>
+                    <a:pt x="913808" y="243950"/>
+                  </a:lnTo>
+                  <a:lnTo>
+                    <a:pt x="857562" y="212346"/>
+                  </a:lnTo>
+                  <a:lnTo>
+                    <a:pt x="800224" y="182768"/>
+                  </a:lnTo>
+                  <a:lnTo>
+                    <a:pt x="741867" y="155254"/>
+                  </a:lnTo>
+                  <a:lnTo>
+                    <a:pt x="682566" y="129839"/>
+                  </a:lnTo>
+                  <a:lnTo>
+                    <a:pt x="622396" y="106556"/>
+                  </a:lnTo>
+                  <a:lnTo>
+                    <a:pt x="561434" y="85434"/>
+                  </a:lnTo>
+                  <a:lnTo>
+                    <a:pt x="499758" y="66500"/>
+                  </a:lnTo>
+                  <a:lnTo>
+                    <a:pt x="437445" y="49779"/>
+                  </a:lnTo>
+                  <a:lnTo>
+                    <a:pt x="374575" y="35291"/>
+                  </a:lnTo>
+                  <a:lnTo>
+                    <a:pt x="311228" y="23055"/>
+                  </a:lnTo>
+                  <a:lnTo>
+                    <a:pt x="247486" y="13086"/>
+                  </a:lnTo>
+                  <a:lnTo>
+                    <a:pt x="183428" y="5398"/>
+                  </a:lnTo>
+                  <a:lnTo>
+                    <a:pt x="119137" y="0"/>
+                  </a:lnTo>
+                  <a:lnTo>
+                    <a:pt x="115028" y="62220"/>
+                  </a:lnTo>
+                  <a:lnTo>
+                    <a:pt x="110920" y="124440"/>
+                  </a:lnTo>
+                  <a:lnTo>
+                    <a:pt x="106812" y="186660"/>
+                  </a:lnTo>
+                  <a:lnTo>
+                    <a:pt x="102704" y="248881"/>
+                  </a:lnTo>
+                  <a:lnTo>
+                    <a:pt x="98596" y="311101"/>
+                  </a:lnTo>
+                  <a:lnTo>
+                    <a:pt x="94488" y="373321"/>
+                  </a:lnTo>
+                  <a:lnTo>
+                    <a:pt x="90379" y="435542"/>
+                  </a:lnTo>
+                  <a:lnTo>
+                    <a:pt x="86271" y="497762"/>
+                  </a:lnTo>
+                  <a:lnTo>
+                    <a:pt x="82163" y="559982"/>
+                  </a:lnTo>
+                  <a:lnTo>
+                    <a:pt x="78055" y="622202"/>
+                  </a:lnTo>
+                  <a:lnTo>
+                    <a:pt x="73947" y="684423"/>
+                  </a:lnTo>
+                  <a:lnTo>
+                    <a:pt x="69838" y="746643"/>
+                  </a:lnTo>
+                  <a:lnTo>
+                    <a:pt x="65730" y="808863"/>
+                  </a:lnTo>
+                  <a:lnTo>
+                    <a:pt x="61622" y="871084"/>
+                  </a:lnTo>
+                  <a:lnTo>
+                    <a:pt x="57514" y="933304"/>
+                  </a:lnTo>
+                  <a:lnTo>
+                    <a:pt x="53406" y="995524"/>
+                  </a:lnTo>
+                  <a:lnTo>
+                    <a:pt x="49298" y="1057745"/>
+                  </a:lnTo>
+                  <a:lnTo>
+                    <a:pt x="45189" y="1119965"/>
+                  </a:lnTo>
+                  <a:lnTo>
+                    <a:pt x="41081" y="1182185"/>
+                  </a:lnTo>
+                  <a:lnTo>
+                    <a:pt x="36973" y="1244405"/>
+                  </a:lnTo>
+                  <a:lnTo>
+                    <a:pt x="32865" y="1306626"/>
+                  </a:lnTo>
+                  <a:lnTo>
+                    <a:pt x="28757" y="1368846"/>
+                  </a:lnTo>
+                  <a:lnTo>
+                    <a:pt x="24649" y="1431066"/>
+                  </a:lnTo>
+                  <a:lnTo>
+                    <a:pt x="20540" y="1493287"/>
+                  </a:lnTo>
+                  <a:lnTo>
+                    <a:pt x="16432" y="1555507"/>
+                  </a:lnTo>
+                  <a:lnTo>
+                    <a:pt x="12324" y="1617727"/>
+                  </a:lnTo>
+                  <a:lnTo>
+                    <a:pt x="8216" y="1679948"/>
+                  </a:lnTo>
+                  <a:lnTo>
+                    <a:pt x="4108" y="1742168"/>
                   </a:lnTo>
                   <a:close/>
                 </a:path>
@@ -3648,288 +3639,291 @@
           </p:nvSpPr>
           <p:spPr>
             <a:xfrm>
-              <a:off x="4597287" y="2461887"/>
-              <a:ext cx="1808209" cy="1950271"/>
+              <a:off x="4597287" y="2366829"/>
+              <a:ext cx="1808313" cy="1963181"/>
             </a:xfrm>
             <a:custGeom>
               <a:avLst/>
               <a:pathLst>
-                <a:path w="1808209" h="1950271">
+                <a:path w="1808313" h="1963181">
                   <a:moveTo>
-                    <a:pt x="0" y="1319537"/>
+                    <a:pt x="0" y="1414595"/>
                   </a:moveTo>
                   <a:lnTo>
-                    <a:pt x="58439" y="1341286"/>
-                  </a:lnTo>
-                  <a:lnTo>
-                    <a:pt x="116879" y="1363036"/>
-                  </a:lnTo>
-                  <a:lnTo>
-                    <a:pt x="175319" y="1384785"/>
-                  </a:lnTo>
-                  <a:lnTo>
-                    <a:pt x="233758" y="1406535"/>
-                  </a:lnTo>
-                  <a:lnTo>
-                    <a:pt x="292198" y="1428284"/>
-                  </a:lnTo>
-                  <a:lnTo>
-                    <a:pt x="350638" y="1450034"/>
-                  </a:lnTo>
-                  <a:lnTo>
-                    <a:pt x="409078" y="1471783"/>
-                  </a:lnTo>
-                  <a:lnTo>
-                    <a:pt x="467517" y="1493532"/>
-                  </a:lnTo>
-                  <a:lnTo>
-                    <a:pt x="525957" y="1515282"/>
-                  </a:lnTo>
-                  <a:lnTo>
-                    <a:pt x="584397" y="1537031"/>
-                  </a:lnTo>
-                  <a:lnTo>
-                    <a:pt x="642837" y="1558781"/>
-                  </a:lnTo>
-                  <a:lnTo>
-                    <a:pt x="701276" y="1580530"/>
-                  </a:lnTo>
-                  <a:lnTo>
-                    <a:pt x="759716" y="1602280"/>
-                  </a:lnTo>
-                  <a:lnTo>
-                    <a:pt x="818156" y="1624029"/>
-                  </a:lnTo>
-                  <a:lnTo>
-                    <a:pt x="876596" y="1645779"/>
-                  </a:lnTo>
-                  <a:lnTo>
-                    <a:pt x="935035" y="1667528"/>
-                  </a:lnTo>
-                  <a:lnTo>
-                    <a:pt x="993475" y="1689277"/>
-                  </a:lnTo>
-                  <a:lnTo>
-                    <a:pt x="1051915" y="1711027"/>
-                  </a:lnTo>
-                  <a:lnTo>
-                    <a:pt x="1110355" y="1732776"/>
-                  </a:lnTo>
-                  <a:lnTo>
-                    <a:pt x="1168794" y="1754526"/>
-                  </a:lnTo>
-                  <a:lnTo>
-                    <a:pt x="1227234" y="1776275"/>
-                  </a:lnTo>
-                  <a:lnTo>
-                    <a:pt x="1285674" y="1798025"/>
-                  </a:lnTo>
-                  <a:lnTo>
-                    <a:pt x="1344114" y="1819774"/>
-                  </a:lnTo>
-                  <a:lnTo>
-                    <a:pt x="1402553" y="1841524"/>
-                  </a:lnTo>
-                  <a:lnTo>
-                    <a:pt x="1460993" y="1863273"/>
-                  </a:lnTo>
-                  <a:lnTo>
-                    <a:pt x="1519433" y="1885023"/>
-                  </a:lnTo>
-                  <a:lnTo>
-                    <a:pt x="1577873" y="1906772"/>
-                  </a:lnTo>
-                  <a:lnTo>
-                    <a:pt x="1636312" y="1928521"/>
-                  </a:lnTo>
-                  <a:lnTo>
-                    <a:pt x="1694752" y="1950271"/>
-                  </a:lnTo>
-                  <a:lnTo>
-                    <a:pt x="1715519" y="1891379"/>
-                  </a:lnTo>
-                  <a:lnTo>
-                    <a:pt x="1734241" y="1831805"/>
-                  </a:lnTo>
-                  <a:lnTo>
-                    <a:pt x="1750894" y="1771620"/>
-                  </a:lnTo>
-                  <a:lnTo>
-                    <a:pt x="1765460" y="1710896"/>
-                  </a:lnTo>
-                  <a:lnTo>
-                    <a:pt x="1777920" y="1649705"/>
-                  </a:lnTo>
-                  <a:lnTo>
-                    <a:pt x="1788260" y="1588121"/>
-                  </a:lnTo>
-                  <a:lnTo>
-                    <a:pt x="1796467" y="1526216"/>
-                  </a:lnTo>
-                  <a:lnTo>
-                    <a:pt x="1802532" y="1464065"/>
-                  </a:lnTo>
-                  <a:lnTo>
-                    <a:pt x="1806447" y="1401742"/>
-                  </a:lnTo>
-                  <a:lnTo>
-                    <a:pt x="1808209" y="1339320"/>
-                  </a:lnTo>
-                  <a:lnTo>
-                    <a:pt x="1807814" y="1276875"/>
-                  </a:lnTo>
-                  <a:lnTo>
-                    <a:pt x="1805263" y="1214481"/>
-                  </a:lnTo>
-                  <a:lnTo>
-                    <a:pt x="1800559" y="1152212"/>
-                  </a:lnTo>
-                  <a:lnTo>
-                    <a:pt x="1793708" y="1090142"/>
-                  </a:lnTo>
-                  <a:lnTo>
-                    <a:pt x="1784718" y="1028346"/>
-                  </a:lnTo>
-                  <a:lnTo>
-                    <a:pt x="1773600" y="966898"/>
-                  </a:lnTo>
-                  <a:lnTo>
-                    <a:pt x="1760366" y="905870"/>
-                  </a:lnTo>
-                  <a:lnTo>
-                    <a:pt x="1745034" y="845335"/>
-                  </a:lnTo>
-                  <a:lnTo>
-                    <a:pt x="1727620" y="785366"/>
-                  </a:lnTo>
-                  <a:lnTo>
-                    <a:pt x="1708146" y="726033"/>
-                  </a:lnTo>
-                  <a:lnTo>
-                    <a:pt x="1686635" y="667409"/>
-                  </a:lnTo>
-                  <a:lnTo>
-                    <a:pt x="1663113" y="609562"/>
-                  </a:lnTo>
-                  <a:lnTo>
-                    <a:pt x="1637608" y="552562"/>
-                  </a:lnTo>
-                  <a:lnTo>
-                    <a:pt x="1610149" y="496476"/>
-                  </a:lnTo>
-                  <a:lnTo>
-                    <a:pt x="1580771" y="441372"/>
-                  </a:lnTo>
-                  <a:lnTo>
-                    <a:pt x="1549507" y="387315"/>
-                  </a:lnTo>
-                  <a:lnTo>
-                    <a:pt x="1516396" y="334370"/>
-                  </a:lnTo>
-                  <a:lnTo>
-                    <a:pt x="1481476" y="282600"/>
-                  </a:lnTo>
-                  <a:lnTo>
-                    <a:pt x="1444790" y="232066"/>
-                  </a:lnTo>
-                  <a:lnTo>
-                    <a:pt x="1406381" y="182829"/>
-                  </a:lnTo>
-                  <a:lnTo>
-                    <a:pt x="1366294" y="134948"/>
-                  </a:lnTo>
-                  <a:lnTo>
-                    <a:pt x="1324578" y="88479"/>
-                  </a:lnTo>
-                  <a:lnTo>
-                    <a:pt x="1281283" y="43478"/>
-                  </a:lnTo>
-                  <a:lnTo>
-                    <a:pt x="1236459" y="0"/>
-                  </a:lnTo>
-                  <a:lnTo>
-                    <a:pt x="1193823" y="45501"/>
-                  </a:lnTo>
-                  <a:lnTo>
-                    <a:pt x="1151186" y="91002"/>
-                  </a:lnTo>
-                  <a:lnTo>
-                    <a:pt x="1108550" y="136503"/>
-                  </a:lnTo>
-                  <a:lnTo>
-                    <a:pt x="1065913" y="182005"/>
-                  </a:lnTo>
-                  <a:lnTo>
-                    <a:pt x="1023277" y="227506"/>
-                  </a:lnTo>
-                  <a:lnTo>
-                    <a:pt x="980640" y="273007"/>
-                  </a:lnTo>
-                  <a:lnTo>
-                    <a:pt x="938004" y="318509"/>
-                  </a:lnTo>
-                  <a:lnTo>
-                    <a:pt x="895367" y="364010"/>
-                  </a:lnTo>
-                  <a:lnTo>
-                    <a:pt x="852730" y="409511"/>
-                  </a:lnTo>
-                  <a:lnTo>
-                    <a:pt x="810094" y="455012"/>
-                  </a:lnTo>
-                  <a:lnTo>
-                    <a:pt x="767457" y="500514"/>
-                  </a:lnTo>
-                  <a:lnTo>
-                    <a:pt x="724821" y="546015"/>
-                  </a:lnTo>
-                  <a:lnTo>
-                    <a:pt x="682184" y="591516"/>
-                  </a:lnTo>
-                  <a:lnTo>
-                    <a:pt x="639548" y="637018"/>
-                  </a:lnTo>
-                  <a:lnTo>
-                    <a:pt x="596911" y="682519"/>
-                  </a:lnTo>
-                  <a:lnTo>
-                    <a:pt x="554275" y="728020"/>
-                  </a:lnTo>
-                  <a:lnTo>
-                    <a:pt x="511638" y="773521"/>
-                  </a:lnTo>
-                  <a:lnTo>
-                    <a:pt x="469002" y="819023"/>
-                  </a:lnTo>
-                  <a:lnTo>
-                    <a:pt x="426365" y="864524"/>
-                  </a:lnTo>
-                  <a:lnTo>
-                    <a:pt x="383728" y="910025"/>
-                  </a:lnTo>
-                  <a:lnTo>
-                    <a:pt x="341092" y="955527"/>
-                  </a:lnTo>
-                  <a:lnTo>
-                    <a:pt x="298455" y="1001028"/>
-                  </a:lnTo>
-                  <a:lnTo>
-                    <a:pt x="255819" y="1046529"/>
-                  </a:lnTo>
-                  <a:lnTo>
-                    <a:pt x="213182" y="1092030"/>
-                  </a:lnTo>
-                  <a:lnTo>
-                    <a:pt x="170546" y="1137532"/>
-                  </a:lnTo>
-                  <a:lnTo>
-                    <a:pt x="127909" y="1183033"/>
-                  </a:lnTo>
-                  <a:lnTo>
-                    <a:pt x="85273" y="1228534"/>
-                  </a:lnTo>
-                  <a:lnTo>
-                    <a:pt x="42636" y="1274036"/>
+                    <a:pt x="59417" y="1433512"/>
+                  </a:lnTo>
+                  <a:lnTo>
+                    <a:pt x="118834" y="1452429"/>
+                  </a:lnTo>
+                  <a:lnTo>
+                    <a:pt x="178251" y="1471345"/>
+                  </a:lnTo>
+                  <a:lnTo>
+                    <a:pt x="237668" y="1490262"/>
+                  </a:lnTo>
+                  <a:lnTo>
+                    <a:pt x="297085" y="1509179"/>
+                  </a:lnTo>
+                  <a:lnTo>
+                    <a:pt x="356502" y="1528096"/>
+                  </a:lnTo>
+                  <a:lnTo>
+                    <a:pt x="415920" y="1547012"/>
+                  </a:lnTo>
+                  <a:lnTo>
+                    <a:pt x="475337" y="1565929"/>
+                  </a:lnTo>
+                  <a:lnTo>
+                    <a:pt x="534754" y="1584846"/>
+                  </a:lnTo>
+                  <a:lnTo>
+                    <a:pt x="594171" y="1603763"/>
+                  </a:lnTo>
+                  <a:lnTo>
+                    <a:pt x="653588" y="1622679"/>
+                  </a:lnTo>
+                  <a:lnTo>
+                    <a:pt x="713005" y="1641596"/>
+                  </a:lnTo>
+                  <a:lnTo>
+                    <a:pt x="772423" y="1660513"/>
+                  </a:lnTo>
+                  <a:lnTo>
+                    <a:pt x="831840" y="1679430"/>
+                  </a:lnTo>
+                  <a:lnTo>
+                    <a:pt x="891257" y="1698347"/>
+                  </a:lnTo>
+                  <a:lnTo>
+                    <a:pt x="950674" y="1717263"/>
+                  </a:lnTo>
+                  <a:lnTo>
+                    <a:pt x="1010091" y="1736180"/>
+                  </a:lnTo>
+                  <a:lnTo>
+                    <a:pt x="1069508" y="1755097"/>
+                  </a:lnTo>
+                  <a:lnTo>
+                    <a:pt x="1128925" y="1774014"/>
+                  </a:lnTo>
+                  <a:lnTo>
+                    <a:pt x="1188343" y="1792930"/>
+                  </a:lnTo>
+                  <a:lnTo>
+                    <a:pt x="1247760" y="1811847"/>
+                  </a:lnTo>
+                  <a:lnTo>
+                    <a:pt x="1307177" y="1830764"/>
+                  </a:lnTo>
+                  <a:lnTo>
+                    <a:pt x="1366594" y="1849681"/>
+                  </a:lnTo>
+                  <a:lnTo>
+                    <a:pt x="1426011" y="1868597"/>
+                  </a:lnTo>
+                  <a:lnTo>
+                    <a:pt x="1485428" y="1887514"/>
+                  </a:lnTo>
+                  <a:lnTo>
+                    <a:pt x="1544846" y="1906431"/>
+                  </a:lnTo>
+                  <a:lnTo>
+                    <a:pt x="1604263" y="1925348"/>
+                  </a:lnTo>
+                  <a:lnTo>
+                    <a:pt x="1663680" y="1944264"/>
+                  </a:lnTo>
+                  <a:lnTo>
+                    <a:pt x="1723097" y="1963181"/>
+                  </a:lnTo>
+                  <a:lnTo>
+                    <a:pt x="1740981" y="1903468"/>
+                  </a:lnTo>
+                  <a:lnTo>
+                    <a:pt x="1756796" y="1843174"/>
+                  </a:lnTo>
+                  <a:lnTo>
+                    <a:pt x="1770523" y="1782370"/>
+                  </a:lnTo>
+                  <a:lnTo>
+                    <a:pt x="1782147" y="1721130"/>
+                  </a:lnTo>
+                  <a:lnTo>
+                    <a:pt x="1791653" y="1659525"/>
+                  </a:lnTo>
+                  <a:lnTo>
+                    <a:pt x="1799030" y="1597630"/>
+                  </a:lnTo>
+                  <a:lnTo>
+                    <a:pt x="1804269" y="1535517"/>
+                  </a:lnTo>
+                  <a:lnTo>
+                    <a:pt x="1807365" y="1473260"/>
+                  </a:lnTo>
+                  <a:lnTo>
+                    <a:pt x="1808313" y="1410933"/>
+                  </a:lnTo>
+                  <a:lnTo>
+                    <a:pt x="1807113" y="1348611"/>
+                  </a:lnTo>
+                  <a:lnTo>
+                    <a:pt x="1803765" y="1286367"/>
+                  </a:lnTo>
+                  <a:lnTo>
+                    <a:pt x="1798274" y="1224276"/>
+                  </a:lnTo>
+                  <a:lnTo>
+                    <a:pt x="1790646" y="1162411"/>
+                  </a:lnTo>
+                  <a:lnTo>
+                    <a:pt x="1780891" y="1100845"/>
+                  </a:lnTo>
+                  <a:lnTo>
+                    <a:pt x="1769019" y="1039652"/>
+                  </a:lnTo>
+                  <a:lnTo>
+                    <a:pt x="1755045" y="978905"/>
+                  </a:lnTo>
+                  <a:lnTo>
+                    <a:pt x="1738986" y="918675"/>
+                  </a:lnTo>
+                  <a:lnTo>
+                    <a:pt x="1720861" y="859035"/>
+                  </a:lnTo>
+                  <a:lnTo>
+                    <a:pt x="1700691" y="800055"/>
+                  </a:lnTo>
+                  <a:lnTo>
+                    <a:pt x="1678500" y="741805"/>
+                  </a:lnTo>
+                  <a:lnTo>
+                    <a:pt x="1654315" y="684354"/>
+                  </a:lnTo>
+                  <a:lnTo>
+                    <a:pt x="1628164" y="627771"/>
+                  </a:lnTo>
+                  <a:lnTo>
+                    <a:pt x="1600079" y="572123"/>
+                  </a:lnTo>
+                  <a:lnTo>
+                    <a:pt x="1570092" y="517476"/>
+                  </a:lnTo>
+                  <a:lnTo>
+                    <a:pt x="1538239" y="463895"/>
+                  </a:lnTo>
+                  <a:lnTo>
+                    <a:pt x="1504559" y="411444"/>
+                  </a:lnTo>
+                  <a:lnTo>
+                    <a:pt x="1469091" y="360185"/>
+                  </a:lnTo>
+                  <a:lnTo>
+                    <a:pt x="1431878" y="310178"/>
+                  </a:lnTo>
+                  <a:lnTo>
+                    <a:pt x="1392963" y="261484"/>
+                  </a:lnTo>
+                  <a:lnTo>
+                    <a:pt x="1352393" y="214160"/>
+                  </a:lnTo>
+                  <a:lnTo>
+                    <a:pt x="1310216" y="168262"/>
+                  </a:lnTo>
+                  <a:lnTo>
+                    <a:pt x="1266482" y="123846"/>
+                  </a:lnTo>
+                  <a:lnTo>
+                    <a:pt x="1221243" y="80963"/>
+                  </a:lnTo>
+                  <a:lnTo>
+                    <a:pt x="1174553" y="39664"/>
+                  </a:lnTo>
+                  <a:lnTo>
+                    <a:pt x="1126468" y="0"/>
+                  </a:lnTo>
+                  <a:lnTo>
+                    <a:pt x="1087624" y="48779"/>
+                  </a:lnTo>
+                  <a:lnTo>
+                    <a:pt x="1048781" y="97558"/>
+                  </a:lnTo>
+                  <a:lnTo>
+                    <a:pt x="1009937" y="146337"/>
+                  </a:lnTo>
+                  <a:lnTo>
+                    <a:pt x="971093" y="195116"/>
+                  </a:lnTo>
+                  <a:lnTo>
+                    <a:pt x="932249" y="243895"/>
+                  </a:lnTo>
+                  <a:lnTo>
+                    <a:pt x="893406" y="292674"/>
+                  </a:lnTo>
+                  <a:lnTo>
+                    <a:pt x="854562" y="341454"/>
+                  </a:lnTo>
+                  <a:lnTo>
+                    <a:pt x="815718" y="390233"/>
+                  </a:lnTo>
+                  <a:lnTo>
+                    <a:pt x="776874" y="439012"/>
+                  </a:lnTo>
+                  <a:lnTo>
+                    <a:pt x="738031" y="487791"/>
+                  </a:lnTo>
+                  <a:lnTo>
+                    <a:pt x="699187" y="536570"/>
+                  </a:lnTo>
+                  <a:lnTo>
+                    <a:pt x="660343" y="585349"/>
+                  </a:lnTo>
+                  <a:lnTo>
+                    <a:pt x="621499" y="634129"/>
+                  </a:lnTo>
+                  <a:lnTo>
+                    <a:pt x="582656" y="682908"/>
+                  </a:lnTo>
+                  <a:lnTo>
+                    <a:pt x="543812" y="731687"/>
+                  </a:lnTo>
+                  <a:lnTo>
+                    <a:pt x="504968" y="780466"/>
+                  </a:lnTo>
+                  <a:lnTo>
+                    <a:pt x="466124" y="829245"/>
+                  </a:lnTo>
+                  <a:lnTo>
+                    <a:pt x="427281" y="878024"/>
+                  </a:lnTo>
+                  <a:lnTo>
+                    <a:pt x="388437" y="926804"/>
+                  </a:lnTo>
+                  <a:lnTo>
+                    <a:pt x="349593" y="975583"/>
+                  </a:lnTo>
+                  <a:lnTo>
+                    <a:pt x="310749" y="1024362"/>
+                  </a:lnTo>
+                  <a:lnTo>
+                    <a:pt x="271906" y="1073141"/>
+                  </a:lnTo>
+                  <a:lnTo>
+                    <a:pt x="233062" y="1121920"/>
+                  </a:lnTo>
+                  <a:lnTo>
+                    <a:pt x="194218" y="1170699"/>
+                  </a:lnTo>
+                  <a:lnTo>
+                    <a:pt x="155374" y="1219478"/>
+                  </a:lnTo>
+                  <a:lnTo>
+                    <a:pt x="116531" y="1268258"/>
+                  </a:lnTo>
+                  <a:lnTo>
+                    <a:pt x="77687" y="1317037"/>
+                  </a:lnTo>
+                  <a:lnTo>
+                    <a:pt x="38843" y="1365816"/>
                   </a:lnTo>
                   <a:close/>
                 </a:path>
@@ -3964,321 +3958,333 @@
           </p:nvSpPr>
           <p:spPr>
             <a:xfrm>
-              <a:off x="4031554" y="3781425"/>
-              <a:ext cx="2260485" cy="1808194"/>
+              <a:off x="3873050" y="3781425"/>
+              <a:ext cx="2447334" cy="1808313"/>
             </a:xfrm>
             <a:custGeom>
               <a:avLst/>
               <a:pathLst>
-                <a:path w="2260485" h="1808194">
+                <a:path w="2447334" h="1808313">
                   <a:moveTo>
-                    <a:pt x="565732" y="0"/>
+                    <a:pt x="724237" y="0"/>
                   </a:moveTo>
                   <a:lnTo>
-                    <a:pt x="546224" y="59225"/>
-                  </a:lnTo>
-                  <a:lnTo>
-                    <a:pt x="526716" y="118451"/>
-                  </a:lnTo>
-                  <a:lnTo>
-                    <a:pt x="507208" y="177676"/>
-                  </a:lnTo>
-                  <a:lnTo>
-                    <a:pt x="487700" y="236902"/>
-                  </a:lnTo>
-                  <a:lnTo>
-                    <a:pt x="468192" y="296128"/>
-                  </a:lnTo>
-                  <a:lnTo>
-                    <a:pt x="448684" y="355353"/>
-                  </a:lnTo>
-                  <a:lnTo>
-                    <a:pt x="429176" y="414579"/>
-                  </a:lnTo>
-                  <a:lnTo>
-                    <a:pt x="409668" y="473805"/>
-                  </a:lnTo>
-                  <a:lnTo>
-                    <a:pt x="390160" y="533030"/>
-                  </a:lnTo>
-                  <a:lnTo>
-                    <a:pt x="370652" y="592256"/>
-                  </a:lnTo>
-                  <a:lnTo>
-                    <a:pt x="351144" y="651482"/>
-                  </a:lnTo>
-                  <a:lnTo>
-                    <a:pt x="331636" y="710707"/>
-                  </a:lnTo>
-                  <a:lnTo>
-                    <a:pt x="312128" y="769933"/>
-                  </a:lnTo>
-                  <a:lnTo>
-                    <a:pt x="292620" y="829159"/>
-                  </a:lnTo>
-                  <a:lnTo>
-                    <a:pt x="273112" y="888384"/>
-                  </a:lnTo>
-                  <a:lnTo>
-                    <a:pt x="253604" y="947610"/>
-                  </a:lnTo>
-                  <a:lnTo>
-                    <a:pt x="234096" y="1006836"/>
-                  </a:lnTo>
-                  <a:lnTo>
-                    <a:pt x="214588" y="1066061"/>
-                  </a:lnTo>
-                  <a:lnTo>
-                    <a:pt x="195080" y="1125287"/>
-                  </a:lnTo>
-                  <a:lnTo>
-                    <a:pt x="175572" y="1184513"/>
-                  </a:lnTo>
-                  <a:lnTo>
-                    <a:pt x="156064" y="1243738"/>
-                  </a:lnTo>
-                  <a:lnTo>
-                    <a:pt x="136556" y="1302964"/>
-                  </a:lnTo>
-                  <a:lnTo>
-                    <a:pt x="117048" y="1362190"/>
-                  </a:lnTo>
-                  <a:lnTo>
-                    <a:pt x="97540" y="1421415"/>
-                  </a:lnTo>
-                  <a:lnTo>
-                    <a:pt x="78032" y="1480641"/>
-                  </a:lnTo>
-                  <a:lnTo>
-                    <a:pt x="58524" y="1539867"/>
-                  </a:lnTo>
-                  <a:lnTo>
-                    <a:pt x="39016" y="1599092"/>
-                  </a:lnTo>
-                  <a:lnTo>
-                    <a:pt x="19508" y="1658318"/>
-                  </a:lnTo>
-                  <a:lnTo>
-                    <a:pt x="0" y="1717544"/>
-                  </a:lnTo>
-                  <a:lnTo>
-                    <a:pt x="58816" y="1735813"/>
-                  </a:lnTo>
-                  <a:lnTo>
-                    <a:pt x="118220" y="1752068"/>
-                  </a:lnTo>
-                  <a:lnTo>
-                    <a:pt x="178144" y="1766291"/>
-                  </a:lnTo>
-                  <a:lnTo>
-                    <a:pt x="238517" y="1778466"/>
-                  </a:lnTo>
-                  <a:lnTo>
-                    <a:pt x="299270" y="1788577"/>
-                  </a:lnTo>
-                  <a:lnTo>
-                    <a:pt x="360332" y="1796614"/>
-                  </a:lnTo>
-                  <a:lnTo>
-                    <a:pt x="421632" y="1802566"/>
-                  </a:lnTo>
-                  <a:lnTo>
-                    <a:pt x="483099" y="1806428"/>
-                  </a:lnTo>
-                  <a:lnTo>
-                    <a:pt x="544662" y="1808194"/>
-                  </a:lnTo>
-                  <a:lnTo>
-                    <a:pt x="606250" y="1807863"/>
-                  </a:lnTo>
-                  <a:lnTo>
-                    <a:pt x="667790" y="1805435"/>
-                  </a:lnTo>
-                  <a:lnTo>
-                    <a:pt x="729212" y="1800912"/>
-                  </a:lnTo>
-                  <a:lnTo>
-                    <a:pt x="790445" y="1794301"/>
-                  </a:lnTo>
-                  <a:lnTo>
-                    <a:pt x="851417" y="1785608"/>
-                  </a:lnTo>
-                  <a:lnTo>
-                    <a:pt x="912057" y="1774843"/>
-                  </a:lnTo>
-                  <a:lnTo>
-                    <a:pt x="972296" y="1762021"/>
-                  </a:lnTo>
-                  <a:lnTo>
-                    <a:pt x="1032063" y="1747154"/>
-                  </a:lnTo>
-                  <a:lnTo>
-                    <a:pt x="1091289" y="1730260"/>
-                  </a:lnTo>
-                  <a:lnTo>
-                    <a:pt x="1149906" y="1711360"/>
-                  </a:lnTo>
-                  <a:lnTo>
-                    <a:pt x="1207845" y="1690474"/>
-                  </a:lnTo>
-                  <a:lnTo>
-                    <a:pt x="1265039" y="1667627"/>
-                  </a:lnTo>
-                  <a:lnTo>
-                    <a:pt x="1321422" y="1642846"/>
-                  </a:lnTo>
-                  <a:lnTo>
-                    <a:pt x="1376928" y="1616160"/>
-                  </a:lnTo>
-                  <a:lnTo>
-                    <a:pt x="1431494" y="1587598"/>
-                  </a:lnTo>
-                  <a:lnTo>
-                    <a:pt x="1485055" y="1557195"/>
-                  </a:lnTo>
-                  <a:lnTo>
-                    <a:pt x="1537550" y="1524986"/>
-                  </a:lnTo>
-                  <a:lnTo>
-                    <a:pt x="1588917" y="1491008"/>
-                  </a:lnTo>
-                  <a:lnTo>
-                    <a:pt x="1639098" y="1455300"/>
-                  </a:lnTo>
-                  <a:lnTo>
-                    <a:pt x="1688033" y="1417904"/>
-                  </a:lnTo>
-                  <a:lnTo>
-                    <a:pt x="1735667" y="1378863"/>
-                  </a:lnTo>
-                  <a:lnTo>
-                    <a:pt x="1781943" y="1338223"/>
-                  </a:lnTo>
-                  <a:lnTo>
-                    <a:pt x="1826809" y="1296031"/>
-                  </a:lnTo>
-                  <a:lnTo>
-                    <a:pt x="1870212" y="1252335"/>
-                  </a:lnTo>
-                  <a:lnTo>
-                    <a:pt x="1912102" y="1207187"/>
-                  </a:lnTo>
-                  <a:lnTo>
-                    <a:pt x="1952430" y="1160638"/>
-                  </a:lnTo>
-                  <a:lnTo>
-                    <a:pt x="1991149" y="1112743"/>
-                  </a:lnTo>
-                  <a:lnTo>
-                    <a:pt x="2028216" y="1063557"/>
-                  </a:lnTo>
-                  <a:lnTo>
-                    <a:pt x="2063585" y="1013138"/>
-                  </a:lnTo>
-                  <a:lnTo>
-                    <a:pt x="2097217" y="961543"/>
-                  </a:lnTo>
-                  <a:lnTo>
-                    <a:pt x="2129073" y="908833"/>
-                  </a:lnTo>
-                  <a:lnTo>
-                    <a:pt x="2159115" y="855069"/>
-                  </a:lnTo>
-                  <a:lnTo>
-                    <a:pt x="2187309" y="800313"/>
-                  </a:lnTo>
-                  <a:lnTo>
-                    <a:pt x="2213622" y="744628"/>
-                  </a:lnTo>
-                  <a:lnTo>
-                    <a:pt x="2238024" y="688080"/>
-                  </a:lnTo>
-                  <a:lnTo>
-                    <a:pt x="2260485" y="630734"/>
-                  </a:lnTo>
-                  <a:lnTo>
-                    <a:pt x="2202045" y="608984"/>
-                  </a:lnTo>
-                  <a:lnTo>
-                    <a:pt x="2143606" y="587235"/>
-                  </a:lnTo>
-                  <a:lnTo>
-                    <a:pt x="2085166" y="565485"/>
-                  </a:lnTo>
-                  <a:lnTo>
-                    <a:pt x="2026726" y="543736"/>
-                  </a:lnTo>
-                  <a:lnTo>
-                    <a:pt x="1968286" y="521986"/>
-                  </a:lnTo>
-                  <a:lnTo>
-                    <a:pt x="1909847" y="500237"/>
-                  </a:lnTo>
-                  <a:lnTo>
-                    <a:pt x="1851407" y="478487"/>
-                  </a:lnTo>
-                  <a:lnTo>
-                    <a:pt x="1792967" y="456738"/>
-                  </a:lnTo>
-                  <a:lnTo>
-                    <a:pt x="1734527" y="434988"/>
-                  </a:lnTo>
-                  <a:lnTo>
-                    <a:pt x="1676088" y="413239"/>
-                  </a:lnTo>
-                  <a:lnTo>
-                    <a:pt x="1617648" y="391490"/>
-                  </a:lnTo>
-                  <a:lnTo>
-                    <a:pt x="1559208" y="369740"/>
-                  </a:lnTo>
-                  <a:lnTo>
-                    <a:pt x="1500768" y="347991"/>
-                  </a:lnTo>
-                  <a:lnTo>
-                    <a:pt x="1442329" y="326241"/>
-                  </a:lnTo>
-                  <a:lnTo>
-                    <a:pt x="1383889" y="304492"/>
-                  </a:lnTo>
-                  <a:lnTo>
-                    <a:pt x="1325449" y="282742"/>
-                  </a:lnTo>
-                  <a:lnTo>
-                    <a:pt x="1267009" y="260993"/>
-                  </a:lnTo>
-                  <a:lnTo>
-                    <a:pt x="1208570" y="239243"/>
-                  </a:lnTo>
-                  <a:lnTo>
-                    <a:pt x="1150130" y="217494"/>
-                  </a:lnTo>
-                  <a:lnTo>
-                    <a:pt x="1091690" y="195745"/>
-                  </a:lnTo>
-                  <a:lnTo>
-                    <a:pt x="1033250" y="173995"/>
-                  </a:lnTo>
-                  <a:lnTo>
-                    <a:pt x="974811" y="152246"/>
-                  </a:lnTo>
-                  <a:lnTo>
-                    <a:pt x="916371" y="130496"/>
-                  </a:lnTo>
-                  <a:lnTo>
-                    <a:pt x="857931" y="108747"/>
-                  </a:lnTo>
-                  <a:lnTo>
-                    <a:pt x="799491" y="86997"/>
-                  </a:lnTo>
-                  <a:lnTo>
-                    <a:pt x="741052" y="65248"/>
-                  </a:lnTo>
-                  <a:lnTo>
-                    <a:pt x="682612" y="43498"/>
-                  </a:lnTo>
-                  <a:lnTo>
-                    <a:pt x="624172" y="21749"/>
+                    <a:pt x="699263" y="57136"/>
+                  </a:lnTo>
+                  <a:lnTo>
+                    <a:pt x="674289" y="114272"/>
+                  </a:lnTo>
+                  <a:lnTo>
+                    <a:pt x="649316" y="171408"/>
+                  </a:lnTo>
+                  <a:lnTo>
+                    <a:pt x="624342" y="228545"/>
+                  </a:lnTo>
+                  <a:lnTo>
+                    <a:pt x="599368" y="285681"/>
+                  </a:lnTo>
+                  <a:lnTo>
+                    <a:pt x="574395" y="342817"/>
+                  </a:lnTo>
+                  <a:lnTo>
+                    <a:pt x="549421" y="399954"/>
+                  </a:lnTo>
+                  <a:lnTo>
+                    <a:pt x="524447" y="457090"/>
+                  </a:lnTo>
+                  <a:lnTo>
+                    <a:pt x="499474" y="514226"/>
+                  </a:lnTo>
+                  <a:lnTo>
+                    <a:pt x="474500" y="571363"/>
+                  </a:lnTo>
+                  <a:lnTo>
+                    <a:pt x="449526" y="628499"/>
+                  </a:lnTo>
+                  <a:lnTo>
+                    <a:pt x="424552" y="685635"/>
+                  </a:lnTo>
+                  <a:lnTo>
+                    <a:pt x="399579" y="742771"/>
+                  </a:lnTo>
+                  <a:lnTo>
+                    <a:pt x="374605" y="799908"/>
+                  </a:lnTo>
+                  <a:lnTo>
+                    <a:pt x="349631" y="857044"/>
+                  </a:lnTo>
+                  <a:lnTo>
+                    <a:pt x="324658" y="914180"/>
+                  </a:lnTo>
+                  <a:lnTo>
+                    <a:pt x="299684" y="971317"/>
+                  </a:lnTo>
+                  <a:lnTo>
+                    <a:pt x="274710" y="1028453"/>
+                  </a:lnTo>
+                  <a:lnTo>
+                    <a:pt x="249737" y="1085589"/>
+                  </a:lnTo>
+                  <a:lnTo>
+                    <a:pt x="224763" y="1142726"/>
+                  </a:lnTo>
+                  <a:lnTo>
+                    <a:pt x="199789" y="1199862"/>
+                  </a:lnTo>
+                  <a:lnTo>
+                    <a:pt x="174815" y="1256998"/>
+                  </a:lnTo>
+                  <a:lnTo>
+                    <a:pt x="149842" y="1314134"/>
+                  </a:lnTo>
+                  <a:lnTo>
+                    <a:pt x="124868" y="1371271"/>
+                  </a:lnTo>
+                  <a:lnTo>
+                    <a:pt x="99894" y="1428407"/>
+                  </a:lnTo>
+                  <a:lnTo>
+                    <a:pt x="74921" y="1485543"/>
+                  </a:lnTo>
+                  <a:lnTo>
+                    <a:pt x="49947" y="1542680"/>
+                  </a:lnTo>
+                  <a:lnTo>
+                    <a:pt x="24973" y="1599816"/>
+                  </a:lnTo>
+                  <a:lnTo>
+                    <a:pt x="0" y="1656952"/>
+                  </a:lnTo>
+                  <a:lnTo>
+                    <a:pt x="57040" y="1680732"/>
+                  </a:lnTo>
+                  <a:lnTo>
+                    <a:pt x="114859" y="1702548"/>
+                  </a:lnTo>
+                  <a:lnTo>
+                    <a:pt x="173391" y="1722376"/>
+                  </a:lnTo>
+                  <a:lnTo>
+                    <a:pt x="232565" y="1740192"/>
+                  </a:lnTo>
+                  <a:lnTo>
+                    <a:pt x="292314" y="1755976"/>
+                  </a:lnTo>
+                  <a:lnTo>
+                    <a:pt x="352567" y="1769710"/>
+                  </a:lnTo>
+                  <a:lnTo>
+                    <a:pt x="413255" y="1781376"/>
+                  </a:lnTo>
+                  <a:lnTo>
+                    <a:pt x="474305" y="1790962"/>
+                  </a:lnTo>
+                  <a:lnTo>
+                    <a:pt x="535648" y="1798456"/>
+                  </a:lnTo>
+                  <a:lnTo>
+                    <a:pt x="597210" y="1803850"/>
+                  </a:lnTo>
+                  <a:lnTo>
+                    <a:pt x="658921" y="1807137"/>
+                  </a:lnTo>
+                  <a:lnTo>
+                    <a:pt x="720709" y="1808313"/>
+                  </a:lnTo>
+                  <a:lnTo>
+                    <a:pt x="782500" y="1807378"/>
+                  </a:lnTo>
+                  <a:lnTo>
+                    <a:pt x="844224" y="1804332"/>
+                  </a:lnTo>
+                  <a:lnTo>
+                    <a:pt x="905807" y="1799178"/>
+                  </a:lnTo>
+                  <a:lnTo>
+                    <a:pt x="967178" y="1791923"/>
+                  </a:lnTo>
+                  <a:lnTo>
+                    <a:pt x="1028266" y="1782576"/>
+                  </a:lnTo>
+                  <a:lnTo>
+                    <a:pt x="1088998" y="1771146"/>
+                  </a:lnTo>
+                  <a:lnTo>
+                    <a:pt x="1149304" y="1757648"/>
+                  </a:lnTo>
+                  <a:lnTo>
+                    <a:pt x="1209114" y="1742098"/>
+                  </a:lnTo>
+                  <a:lnTo>
+                    <a:pt x="1268358" y="1724512"/>
+                  </a:lnTo>
+                  <a:lnTo>
+                    <a:pt x="1326966" y="1704913"/>
+                  </a:lnTo>
+                  <a:lnTo>
+                    <a:pt x="1384870" y="1683322"/>
+                  </a:lnTo>
+                  <a:lnTo>
+                    <a:pt x="1442003" y="1659766"/>
+                  </a:lnTo>
+                  <a:lnTo>
+                    <a:pt x="1498298" y="1634271"/>
+                  </a:lnTo>
+                  <a:lnTo>
+                    <a:pt x="1553688" y="1606867"/>
+                  </a:lnTo>
+                  <a:lnTo>
+                    <a:pt x="1608110" y="1577586"/>
+                  </a:lnTo>
+                  <a:lnTo>
+                    <a:pt x="1661499" y="1546464"/>
+                  </a:lnTo>
+                  <a:lnTo>
+                    <a:pt x="1713794" y="1513535"/>
+                  </a:lnTo>
+                  <a:lnTo>
+                    <a:pt x="1764933" y="1478838"/>
+                  </a:lnTo>
+                  <a:lnTo>
+                    <a:pt x="1814857" y="1442414"/>
+                  </a:lnTo>
+                  <a:lnTo>
+                    <a:pt x="1863506" y="1404306"/>
+                  </a:lnTo>
+                  <a:lnTo>
+                    <a:pt x="1910826" y="1364558"/>
+                  </a:lnTo>
+                  <a:lnTo>
+                    <a:pt x="1956759" y="1323215"/>
+                  </a:lnTo>
+                  <a:lnTo>
+                    <a:pt x="2001253" y="1280328"/>
+                  </a:lnTo>
+                  <a:lnTo>
+                    <a:pt x="2044256" y="1235945"/>
+                  </a:lnTo>
+                  <a:lnTo>
+                    <a:pt x="2085717" y="1190119"/>
+                  </a:lnTo>
+                  <a:lnTo>
+                    <a:pt x="2125588" y="1142903"/>
+                  </a:lnTo>
+                  <a:lnTo>
+                    <a:pt x="2163822" y="1094352"/>
+                  </a:lnTo>
+                  <a:lnTo>
+                    <a:pt x="2200375" y="1044522"/>
+                  </a:lnTo>
+                  <a:lnTo>
+                    <a:pt x="2235204" y="993473"/>
+                  </a:lnTo>
+                  <a:lnTo>
+                    <a:pt x="2268268" y="941264"/>
+                  </a:lnTo>
+                  <a:lnTo>
+                    <a:pt x="2299529" y="887956"/>
+                  </a:lnTo>
+                  <a:lnTo>
+                    <a:pt x="2328950" y="833610"/>
+                  </a:lnTo>
+                  <a:lnTo>
+                    <a:pt x="2356497" y="778291"/>
+                  </a:lnTo>
+                  <a:lnTo>
+                    <a:pt x="2382138" y="722062"/>
+                  </a:lnTo>
+                  <a:lnTo>
+                    <a:pt x="2405843" y="664991"/>
+                  </a:lnTo>
+                  <a:lnTo>
+                    <a:pt x="2427583" y="607143"/>
+                  </a:lnTo>
+                  <a:lnTo>
+                    <a:pt x="2447334" y="548586"/>
+                  </a:lnTo>
+                  <a:lnTo>
+                    <a:pt x="2387917" y="529669"/>
+                  </a:lnTo>
+                  <a:lnTo>
+                    <a:pt x="2328500" y="510752"/>
+                  </a:lnTo>
+                  <a:lnTo>
+                    <a:pt x="2269083" y="491835"/>
+                  </a:lnTo>
+                  <a:lnTo>
+                    <a:pt x="2209666" y="472919"/>
+                  </a:lnTo>
+                  <a:lnTo>
+                    <a:pt x="2150249" y="454002"/>
+                  </a:lnTo>
+                  <a:lnTo>
+                    <a:pt x="2090831" y="435085"/>
+                  </a:lnTo>
+                  <a:lnTo>
+                    <a:pt x="2031414" y="416168"/>
+                  </a:lnTo>
+                  <a:lnTo>
+                    <a:pt x="1971997" y="397252"/>
+                  </a:lnTo>
+                  <a:lnTo>
+                    <a:pt x="1912580" y="378335"/>
+                  </a:lnTo>
+                  <a:lnTo>
+                    <a:pt x="1853163" y="359418"/>
+                  </a:lnTo>
+                  <a:lnTo>
+                    <a:pt x="1793746" y="340501"/>
+                  </a:lnTo>
+                  <a:lnTo>
+                    <a:pt x="1734329" y="321584"/>
+                  </a:lnTo>
+                  <a:lnTo>
+                    <a:pt x="1674911" y="302668"/>
+                  </a:lnTo>
+                  <a:lnTo>
+                    <a:pt x="1615494" y="283751"/>
+                  </a:lnTo>
+                  <a:lnTo>
+                    <a:pt x="1556077" y="264834"/>
+                  </a:lnTo>
+                  <a:lnTo>
+                    <a:pt x="1496660" y="245917"/>
+                  </a:lnTo>
+                  <a:lnTo>
+                    <a:pt x="1437243" y="227001"/>
+                  </a:lnTo>
+                  <a:lnTo>
+                    <a:pt x="1377826" y="208084"/>
+                  </a:lnTo>
+                  <a:lnTo>
+                    <a:pt x="1318408" y="189167"/>
+                  </a:lnTo>
+                  <a:lnTo>
+                    <a:pt x="1258991" y="170250"/>
+                  </a:lnTo>
+                  <a:lnTo>
+                    <a:pt x="1199574" y="151334"/>
+                  </a:lnTo>
+                  <a:lnTo>
+                    <a:pt x="1140157" y="132417"/>
+                  </a:lnTo>
+                  <a:lnTo>
+                    <a:pt x="1080740" y="113500"/>
+                  </a:lnTo>
+                  <a:lnTo>
+                    <a:pt x="1021323" y="94583"/>
+                  </a:lnTo>
+                  <a:lnTo>
+                    <a:pt x="961905" y="75667"/>
+                  </a:lnTo>
+                  <a:lnTo>
+                    <a:pt x="902488" y="56750"/>
+                  </a:lnTo>
+                  <a:lnTo>
+                    <a:pt x="843071" y="37833"/>
+                  </a:lnTo>
+                  <a:lnTo>
+                    <a:pt x="783654" y="18916"/>
                   </a:lnTo>
                   <a:close/>
                 </a:path>
@@ -4313,435 +4319,426 @@
           </p:nvSpPr>
           <p:spPr>
             <a:xfrm>
-              <a:off x="2789002" y="1973107"/>
-              <a:ext cx="1808284" cy="3525861"/>
+              <a:off x="2788971" y="1973107"/>
+              <a:ext cx="1808315" cy="3465270"/>
             </a:xfrm>
             <a:custGeom>
               <a:avLst/>
               <a:pathLst>
-                <a:path w="1808284" h="3525861">
+                <a:path w="1808315" h="3465270">
                   <a:moveTo>
-                    <a:pt x="1808284" y="1808317"/>
+                    <a:pt x="1808315" y="1808317"/>
                   </a:moveTo>
                   <a:lnTo>
-                    <a:pt x="1808284" y="1745961"/>
-                  </a:lnTo>
-                  <a:lnTo>
-                    <a:pt x="1808284" y="1683605"/>
-                  </a:lnTo>
-                  <a:lnTo>
-                    <a:pt x="1808284" y="1621250"/>
-                  </a:lnTo>
-                  <a:lnTo>
-                    <a:pt x="1808284" y="1558894"/>
-                  </a:lnTo>
-                  <a:lnTo>
-                    <a:pt x="1808284" y="1496538"/>
-                  </a:lnTo>
-                  <a:lnTo>
-                    <a:pt x="1808284" y="1434182"/>
-                  </a:lnTo>
-                  <a:lnTo>
-                    <a:pt x="1808284" y="1371827"/>
-                  </a:lnTo>
-                  <a:lnTo>
-                    <a:pt x="1808284" y="1309471"/>
-                  </a:lnTo>
-                  <a:lnTo>
-                    <a:pt x="1808284" y="1247115"/>
-                  </a:lnTo>
-                  <a:lnTo>
-                    <a:pt x="1808284" y="1184759"/>
-                  </a:lnTo>
-                  <a:lnTo>
-                    <a:pt x="1808284" y="1122403"/>
-                  </a:lnTo>
-                  <a:lnTo>
-                    <a:pt x="1808284" y="1060048"/>
-                  </a:lnTo>
-                  <a:lnTo>
-                    <a:pt x="1808284" y="997692"/>
-                  </a:lnTo>
-                  <a:lnTo>
-                    <a:pt x="1808284" y="935336"/>
-                  </a:lnTo>
-                  <a:lnTo>
-                    <a:pt x="1808284" y="872980"/>
-                  </a:lnTo>
-                  <a:lnTo>
-                    <a:pt x="1808284" y="810625"/>
-                  </a:lnTo>
-                  <a:lnTo>
-                    <a:pt x="1808284" y="748269"/>
-                  </a:lnTo>
-                  <a:lnTo>
-                    <a:pt x="1808284" y="685913"/>
-                  </a:lnTo>
-                  <a:lnTo>
-                    <a:pt x="1808284" y="623557"/>
-                  </a:lnTo>
-                  <a:lnTo>
-                    <a:pt x="1808284" y="561201"/>
-                  </a:lnTo>
-                  <a:lnTo>
-                    <a:pt x="1808284" y="498846"/>
-                  </a:lnTo>
-                  <a:lnTo>
-                    <a:pt x="1808284" y="436490"/>
-                  </a:lnTo>
-                  <a:lnTo>
-                    <a:pt x="1808284" y="374134"/>
-                  </a:lnTo>
-                  <a:lnTo>
-                    <a:pt x="1808284" y="311778"/>
-                  </a:lnTo>
-                  <a:lnTo>
-                    <a:pt x="1808284" y="249423"/>
-                  </a:lnTo>
-                  <a:lnTo>
-                    <a:pt x="1808284" y="187067"/>
-                  </a:lnTo>
-                  <a:lnTo>
-                    <a:pt x="1808284" y="124711"/>
-                  </a:lnTo>
-                  <a:lnTo>
-                    <a:pt x="1808284" y="62355"/>
-                  </a:lnTo>
-                  <a:lnTo>
-                    <a:pt x="1808284" y="0"/>
-                  </a:lnTo>
-                  <a:lnTo>
-                    <a:pt x="1746783" y="1046"/>
-                  </a:lnTo>
-                  <a:lnTo>
-                    <a:pt x="1685352" y="4183"/>
-                  </a:lnTo>
-                  <a:lnTo>
-                    <a:pt x="1624064" y="9408"/>
-                  </a:lnTo>
-                  <a:lnTo>
-                    <a:pt x="1562990" y="16714"/>
-                  </a:lnTo>
-                  <a:lnTo>
-                    <a:pt x="1502198" y="26093"/>
-                  </a:lnTo>
-                  <a:lnTo>
-                    <a:pt x="1441762" y="37534"/>
-                  </a:lnTo>
-                  <a:lnTo>
-                    <a:pt x="1381749" y="51024"/>
-                  </a:lnTo>
-                  <a:lnTo>
-                    <a:pt x="1322229" y="66547"/>
-                  </a:lnTo>
-                  <a:lnTo>
-                    <a:pt x="1263272" y="84085"/>
-                  </a:lnTo>
-                  <a:lnTo>
-                    <a:pt x="1204946" y="103619"/>
-                  </a:lnTo>
-                  <a:lnTo>
-                    <a:pt x="1147318" y="125125"/>
-                  </a:lnTo>
-                  <a:lnTo>
-                    <a:pt x="1090454" y="148578"/>
-                  </a:lnTo>
-                  <a:lnTo>
-                    <a:pt x="1034421" y="173952"/>
-                  </a:lnTo>
-                  <a:lnTo>
-                    <a:pt x="979284" y="201217"/>
-                  </a:lnTo>
-                  <a:lnTo>
-                    <a:pt x="925105" y="230341"/>
-                  </a:lnTo>
-                  <a:lnTo>
-                    <a:pt x="871949" y="261291"/>
-                  </a:lnTo>
-                  <a:lnTo>
-                    <a:pt x="819876" y="294031"/>
-                  </a:lnTo>
-                  <a:lnTo>
-                    <a:pt x="768946" y="328523"/>
-                  </a:lnTo>
-                  <a:lnTo>
-                    <a:pt x="719219" y="364728"/>
-                  </a:lnTo>
-                  <a:lnTo>
-                    <a:pt x="670753" y="402602"/>
-                  </a:lnTo>
-                  <a:lnTo>
-                    <a:pt x="623602" y="442103"/>
-                  </a:lnTo>
-                  <a:lnTo>
-                    <a:pt x="577822" y="483185"/>
-                  </a:lnTo>
-                  <a:lnTo>
-                    <a:pt x="533466" y="525800"/>
-                  </a:lnTo>
-                  <a:lnTo>
-                    <a:pt x="490584" y="569899"/>
-                  </a:lnTo>
-                  <a:lnTo>
-                    <a:pt x="449228" y="615431"/>
-                  </a:lnTo>
-                  <a:lnTo>
-                    <a:pt x="409443" y="662343"/>
-                  </a:lnTo>
-                  <a:lnTo>
-                    <a:pt x="371278" y="710581"/>
-                  </a:lnTo>
-                  <a:lnTo>
-                    <a:pt x="334775" y="760089"/>
-                  </a:lnTo>
-                  <a:lnTo>
-                    <a:pt x="299977" y="810810"/>
-                  </a:lnTo>
-                  <a:lnTo>
-                    <a:pt x="266924" y="862685"/>
-                  </a:lnTo>
-                  <a:lnTo>
-                    <a:pt x="235654" y="915654"/>
-                  </a:lnTo>
-                  <a:lnTo>
-                    <a:pt x="206204" y="969656"/>
-                  </a:lnTo>
-                  <a:lnTo>
-                    <a:pt x="178608" y="1024629"/>
-                  </a:lnTo>
-                  <a:lnTo>
-                    <a:pt x="152897" y="1080508"/>
-                  </a:lnTo>
-                  <a:lnTo>
-                    <a:pt x="129102" y="1137229"/>
-                  </a:lnTo>
-                  <a:lnTo>
-                    <a:pt x="107249" y="1194727"/>
-                  </a:lnTo>
-                  <a:lnTo>
-                    <a:pt x="87365" y="1252935"/>
-                  </a:lnTo>
-                  <a:lnTo>
-                    <a:pt x="69472" y="1311785"/>
-                  </a:lnTo>
-                  <a:lnTo>
-                    <a:pt x="53591" y="1371210"/>
-                  </a:lnTo>
-                  <a:lnTo>
-                    <a:pt x="39740" y="1431140"/>
-                  </a:lnTo>
-                  <a:lnTo>
-                    <a:pt x="27935" y="1491507"/>
-                  </a:lnTo>
-                  <a:lnTo>
-                    <a:pt x="18190" y="1552241"/>
-                  </a:lnTo>
-                  <a:lnTo>
-                    <a:pt x="10516" y="1613270"/>
-                  </a:lnTo>
-                  <a:lnTo>
-                    <a:pt x="4923" y="1674526"/>
-                  </a:lnTo>
-                  <a:lnTo>
-                    <a:pt x="1416" y="1735936"/>
-                  </a:lnTo>
-                  <a:lnTo>
-                    <a:pt x="0" y="1797430"/>
-                  </a:lnTo>
-                  <a:lnTo>
-                    <a:pt x="675" y="1858937"/>
-                  </a:lnTo>
-                  <a:lnTo>
-                    <a:pt x="3443" y="1920385"/>
-                  </a:lnTo>
-                  <a:lnTo>
-                    <a:pt x="8298" y="1981703"/>
-                  </a:lnTo>
-                  <a:lnTo>
-                    <a:pt x="15237" y="2042821"/>
-                  </a:lnTo>
-                  <a:lnTo>
-                    <a:pt x="24249" y="2103667"/>
-                  </a:lnTo>
-                  <a:lnTo>
-                    <a:pt x="35326" y="2164172"/>
-                  </a:lnTo>
-                  <a:lnTo>
-                    <a:pt x="48455" y="2224265"/>
-                  </a:lnTo>
-                  <a:lnTo>
-                    <a:pt x="63619" y="2283877"/>
-                  </a:lnTo>
-                  <a:lnTo>
-                    <a:pt x="80803" y="2342938"/>
-                  </a:lnTo>
-                  <a:lnTo>
-                    <a:pt x="99985" y="2401381"/>
-                  </a:lnTo>
-                  <a:lnTo>
-                    <a:pt x="121143" y="2459138"/>
-                  </a:lnTo>
-                  <a:lnTo>
-                    <a:pt x="144254" y="2516141"/>
-                  </a:lnTo>
-                  <a:lnTo>
-                    <a:pt x="169290" y="2572326"/>
-                  </a:lnTo>
-                  <a:lnTo>
-                    <a:pt x="196222" y="2627627"/>
-                  </a:lnTo>
-                  <a:lnTo>
-                    <a:pt x="225020" y="2681980"/>
-                  </a:lnTo>
-                  <a:lnTo>
-                    <a:pt x="255649" y="2735321"/>
-                  </a:lnTo>
-                  <a:lnTo>
-                    <a:pt x="288075" y="2787591"/>
-                  </a:lnTo>
-                  <a:lnTo>
-                    <a:pt x="322260" y="2838727"/>
-                  </a:lnTo>
-                  <a:lnTo>
-                    <a:pt x="358164" y="2888671"/>
-                  </a:lnTo>
-                  <a:lnTo>
-                    <a:pt x="395747" y="2937365"/>
-                  </a:lnTo>
-                  <a:lnTo>
-                    <a:pt x="434963" y="2984753"/>
-                  </a:lnTo>
-                  <a:lnTo>
-                    <a:pt x="475768" y="3030779"/>
-                  </a:lnTo>
-                  <a:lnTo>
-                    <a:pt x="518116" y="3075391"/>
-                  </a:lnTo>
-                  <a:lnTo>
-                    <a:pt x="561956" y="3118537"/>
-                  </a:lnTo>
-                  <a:lnTo>
-                    <a:pt x="607238" y="3160167"/>
-                  </a:lnTo>
-                  <a:lnTo>
-                    <a:pt x="653909" y="3200233"/>
-                  </a:lnTo>
-                  <a:lnTo>
-                    <a:pt x="701917" y="3238689"/>
-                  </a:lnTo>
-                  <a:lnTo>
-                    <a:pt x="751204" y="3275489"/>
-                  </a:lnTo>
-                  <a:lnTo>
-                    <a:pt x="801715" y="3310592"/>
-                  </a:lnTo>
-                  <a:lnTo>
-                    <a:pt x="853390" y="3343956"/>
-                  </a:lnTo>
-                  <a:lnTo>
-                    <a:pt x="906170" y="3375544"/>
-                  </a:lnTo>
-                  <a:lnTo>
-                    <a:pt x="959993" y="3405319"/>
-                  </a:lnTo>
-                  <a:lnTo>
-                    <a:pt x="1014799" y="3433246"/>
-                  </a:lnTo>
-                  <a:lnTo>
-                    <a:pt x="1070522" y="3459292"/>
-                  </a:lnTo>
-                  <a:lnTo>
-                    <a:pt x="1127099" y="3483429"/>
-                  </a:lnTo>
-                  <a:lnTo>
-                    <a:pt x="1184464" y="3505627"/>
-                  </a:lnTo>
-                  <a:lnTo>
-                    <a:pt x="1242551" y="3525861"/>
-                  </a:lnTo>
-                  <a:lnTo>
-                    <a:pt x="1262059" y="3466635"/>
-                  </a:lnTo>
-                  <a:lnTo>
-                    <a:pt x="1281567" y="3407410"/>
-                  </a:lnTo>
-                  <a:lnTo>
-                    <a:pt x="1301075" y="3348184"/>
-                  </a:lnTo>
-                  <a:lnTo>
-                    <a:pt x="1320583" y="3288959"/>
-                  </a:lnTo>
-                  <a:lnTo>
-                    <a:pt x="1340091" y="3229733"/>
-                  </a:lnTo>
-                  <a:lnTo>
-                    <a:pt x="1359599" y="3170507"/>
-                  </a:lnTo>
-                  <a:lnTo>
-                    <a:pt x="1379107" y="3111282"/>
-                  </a:lnTo>
-                  <a:lnTo>
-                    <a:pt x="1398615" y="3052056"/>
-                  </a:lnTo>
-                  <a:lnTo>
-                    <a:pt x="1418123" y="2992830"/>
-                  </a:lnTo>
-                  <a:lnTo>
-                    <a:pt x="1437632" y="2933605"/>
-                  </a:lnTo>
-                  <a:lnTo>
-                    <a:pt x="1457140" y="2874379"/>
-                  </a:lnTo>
-                  <a:lnTo>
-                    <a:pt x="1476648" y="2815153"/>
-                  </a:lnTo>
-                  <a:lnTo>
-                    <a:pt x="1496156" y="2755928"/>
-                  </a:lnTo>
-                  <a:lnTo>
-                    <a:pt x="1515664" y="2696702"/>
-                  </a:lnTo>
-                  <a:lnTo>
-                    <a:pt x="1535172" y="2637476"/>
-                  </a:lnTo>
-                  <a:lnTo>
-                    <a:pt x="1554680" y="2578251"/>
-                  </a:lnTo>
-                  <a:lnTo>
-                    <a:pt x="1574188" y="2519025"/>
-                  </a:lnTo>
-                  <a:lnTo>
-                    <a:pt x="1593696" y="2459799"/>
-                  </a:lnTo>
-                  <a:lnTo>
-                    <a:pt x="1613204" y="2400574"/>
-                  </a:lnTo>
-                  <a:lnTo>
-                    <a:pt x="1632712" y="2341348"/>
-                  </a:lnTo>
-                  <a:lnTo>
-                    <a:pt x="1652220" y="2282122"/>
-                  </a:lnTo>
-                  <a:lnTo>
-                    <a:pt x="1671728" y="2222897"/>
-                  </a:lnTo>
-                  <a:lnTo>
-                    <a:pt x="1691236" y="2163671"/>
-                  </a:lnTo>
-                  <a:lnTo>
-                    <a:pt x="1710744" y="2104445"/>
-                  </a:lnTo>
-                  <a:lnTo>
-                    <a:pt x="1730252" y="2045220"/>
-                  </a:lnTo>
-                  <a:lnTo>
-                    <a:pt x="1749760" y="1985994"/>
-                  </a:lnTo>
-                  <a:lnTo>
-                    <a:pt x="1769268" y="1926768"/>
-                  </a:lnTo>
-                  <a:lnTo>
-                    <a:pt x="1788776" y="1867543"/>
+                    <a:pt x="1808315" y="1745961"/>
+                  </a:lnTo>
+                  <a:lnTo>
+                    <a:pt x="1808315" y="1683605"/>
+                  </a:lnTo>
+                  <a:lnTo>
+                    <a:pt x="1808315" y="1621250"/>
+                  </a:lnTo>
+                  <a:lnTo>
+                    <a:pt x="1808315" y="1558894"/>
+                  </a:lnTo>
+                  <a:lnTo>
+                    <a:pt x="1808315" y="1496538"/>
+                  </a:lnTo>
+                  <a:lnTo>
+                    <a:pt x="1808315" y="1434182"/>
+                  </a:lnTo>
+                  <a:lnTo>
+                    <a:pt x="1808315" y="1371827"/>
+                  </a:lnTo>
+                  <a:lnTo>
+                    <a:pt x="1808315" y="1309471"/>
+                  </a:lnTo>
+                  <a:lnTo>
+                    <a:pt x="1808315" y="1247115"/>
+                  </a:lnTo>
+                  <a:lnTo>
+                    <a:pt x="1808315" y="1184759"/>
+                  </a:lnTo>
+                  <a:lnTo>
+                    <a:pt x="1808315" y="1122403"/>
+                  </a:lnTo>
+                  <a:lnTo>
+                    <a:pt x="1808315" y="1060048"/>
+                  </a:lnTo>
+                  <a:lnTo>
+                    <a:pt x="1808315" y="997692"/>
+                  </a:lnTo>
+                  <a:lnTo>
+                    <a:pt x="1808315" y="935336"/>
+                  </a:lnTo>
+                  <a:lnTo>
+                    <a:pt x="1808315" y="872980"/>
+                  </a:lnTo>
+                  <a:lnTo>
+                    <a:pt x="1808315" y="810625"/>
+                  </a:lnTo>
+                  <a:lnTo>
+                    <a:pt x="1808315" y="748269"/>
+                  </a:lnTo>
+                  <a:lnTo>
+                    <a:pt x="1808315" y="685913"/>
+                  </a:lnTo>
+                  <a:lnTo>
+                    <a:pt x="1808315" y="623557"/>
+                  </a:lnTo>
+                  <a:lnTo>
+                    <a:pt x="1808315" y="561201"/>
+                  </a:lnTo>
+                  <a:lnTo>
+                    <a:pt x="1808315" y="498846"/>
+                  </a:lnTo>
+                  <a:lnTo>
+                    <a:pt x="1808315" y="436490"/>
+                  </a:lnTo>
+                  <a:lnTo>
+                    <a:pt x="1808315" y="374134"/>
+                  </a:lnTo>
+                  <a:lnTo>
+                    <a:pt x="1808315" y="311778"/>
+                  </a:lnTo>
+                  <a:lnTo>
+                    <a:pt x="1808315" y="249423"/>
+                  </a:lnTo>
+                  <a:lnTo>
+                    <a:pt x="1808315" y="187067"/>
+                  </a:lnTo>
+                  <a:lnTo>
+                    <a:pt x="1808315" y="124711"/>
+                  </a:lnTo>
+                  <a:lnTo>
+                    <a:pt x="1808315" y="62355"/>
+                  </a:lnTo>
+                  <a:lnTo>
+                    <a:pt x="1808315" y="0"/>
+                  </a:lnTo>
+                  <a:lnTo>
+                    <a:pt x="1746629" y="1052"/>
+                  </a:lnTo>
+                  <a:lnTo>
+                    <a:pt x="1685015" y="4208"/>
+                  </a:lnTo>
+                  <a:lnTo>
+                    <a:pt x="1623544" y="9464"/>
+                  </a:lnTo>
+                  <a:lnTo>
+                    <a:pt x="1562288" y="16814"/>
+                  </a:lnTo>
+                  <a:lnTo>
+                    <a:pt x="1501319" y="26249"/>
+                  </a:lnTo>
+                  <a:lnTo>
+                    <a:pt x="1440707" y="37759"/>
+                  </a:lnTo>
+                  <a:lnTo>
+                    <a:pt x="1380523" y="51329"/>
+                  </a:lnTo>
+                  <a:lnTo>
+                    <a:pt x="1320836" y="66945"/>
+                  </a:lnTo>
+                  <a:lnTo>
+                    <a:pt x="1261718" y="84588"/>
+                  </a:lnTo>
+                  <a:lnTo>
+                    <a:pt x="1203235" y="104237"/>
+                  </a:lnTo>
+                  <a:lnTo>
+                    <a:pt x="1145457" y="125869"/>
+                  </a:lnTo>
+                  <a:lnTo>
+                    <a:pt x="1088450" y="149460"/>
+                  </a:lnTo>
+                  <a:lnTo>
+                    <a:pt x="1032282" y="174982"/>
+                  </a:lnTo>
+                  <a:lnTo>
+                    <a:pt x="977016" y="202405"/>
+                  </a:lnTo>
+                  <a:lnTo>
+                    <a:pt x="922718" y="231697"/>
+                  </a:lnTo>
+                  <a:lnTo>
+                    <a:pt x="869451" y="262825"/>
+                  </a:lnTo>
+                  <a:lnTo>
+                    <a:pt x="817277" y="295751"/>
+                  </a:lnTo>
+                  <a:lnTo>
+                    <a:pt x="766257" y="330438"/>
+                  </a:lnTo>
+                  <a:lnTo>
+                    <a:pt x="716449" y="366845"/>
+                  </a:lnTo>
+                  <a:lnTo>
+                    <a:pt x="667912" y="404931"/>
+                  </a:lnTo>
+                  <a:lnTo>
+                    <a:pt x="620703" y="444649"/>
+                  </a:lnTo>
+                  <a:lnTo>
+                    <a:pt x="574876" y="485955"/>
+                  </a:lnTo>
+                  <a:lnTo>
+                    <a:pt x="530485" y="528801"/>
+                  </a:lnTo>
+                  <a:lnTo>
+                    <a:pt x="487581" y="573135"/>
+                  </a:lnTo>
+                  <a:lnTo>
+                    <a:pt x="446215" y="618908"/>
+                  </a:lnTo>
+                  <a:lnTo>
+                    <a:pt x="406434" y="666064"/>
+                  </a:lnTo>
+                  <a:lnTo>
+                    <a:pt x="368285" y="714551"/>
+                  </a:lnTo>
+                  <a:lnTo>
+                    <a:pt x="331812" y="764310"/>
+                  </a:lnTo>
+                  <a:lnTo>
+                    <a:pt x="297058" y="815285"/>
+                  </a:lnTo>
+                  <a:lnTo>
+                    <a:pt x="264062" y="867416"/>
+                  </a:lnTo>
+                  <a:lnTo>
+                    <a:pt x="232865" y="920642"/>
+                  </a:lnTo>
+                  <a:lnTo>
+                    <a:pt x="203501" y="974901"/>
+                  </a:lnTo>
+                  <a:lnTo>
+                    <a:pt x="176005" y="1030130"/>
+                  </a:lnTo>
+                  <a:lnTo>
+                    <a:pt x="150409" y="1086265"/>
+                  </a:lnTo>
+                  <a:lnTo>
+                    <a:pt x="126743" y="1143241"/>
+                  </a:lnTo>
+                  <a:lnTo>
+                    <a:pt x="105034" y="1200990"/>
+                  </a:lnTo>
+                  <a:lnTo>
+                    <a:pt x="85308" y="1259447"/>
+                  </a:lnTo>
+                  <a:lnTo>
+                    <a:pt x="67588" y="1318542"/>
+                  </a:lnTo>
+                  <a:lnTo>
+                    <a:pt x="51893" y="1378208"/>
+                  </a:lnTo>
+                  <a:lnTo>
+                    <a:pt x="38244" y="1438374"/>
+                  </a:lnTo>
+                  <a:lnTo>
+                    <a:pt x="26654" y="1498971"/>
+                  </a:lnTo>
+                  <a:lnTo>
+                    <a:pt x="17138" y="1559928"/>
+                  </a:lnTo>
+                  <a:lnTo>
+                    <a:pt x="9708" y="1621174"/>
+                  </a:lnTo>
+                  <a:lnTo>
+                    <a:pt x="4371" y="1682638"/>
+                  </a:lnTo>
+                  <a:lnTo>
+                    <a:pt x="1133" y="1744248"/>
+                  </a:lnTo>
+                  <a:lnTo>
+                    <a:pt x="0" y="1805932"/>
+                  </a:lnTo>
+                  <a:lnTo>
+                    <a:pt x="971" y="1867620"/>
+                  </a:lnTo>
+                  <a:lnTo>
+                    <a:pt x="4045" y="1929238"/>
+                  </a:lnTo>
+                  <a:lnTo>
+                    <a:pt x="9220" y="1990716"/>
+                  </a:lnTo>
+                  <a:lnTo>
+                    <a:pt x="16490" y="2051982"/>
+                  </a:lnTo>
+                  <a:lnTo>
+                    <a:pt x="25844" y="2112963"/>
+                  </a:lnTo>
+                  <a:lnTo>
+                    <a:pt x="37274" y="2173590"/>
+                  </a:lnTo>
+                  <a:lnTo>
+                    <a:pt x="50765" y="2233792"/>
+                  </a:lnTo>
+                  <a:lnTo>
+                    <a:pt x="66302" y="2293499"/>
+                  </a:lnTo>
+                  <a:lnTo>
+                    <a:pt x="83867" y="2352641"/>
+                  </a:lnTo>
+                  <a:lnTo>
+                    <a:pt x="103439" y="2411150"/>
+                  </a:lnTo>
+                  <a:lnTo>
+                    <a:pt x="124995" y="2468956"/>
+                  </a:lnTo>
+                  <a:lnTo>
+                    <a:pt x="148511" y="2525994"/>
+                  </a:lnTo>
+                  <a:lnTo>
+                    <a:pt x="173958" y="2582196"/>
+                  </a:lnTo>
+                  <a:lnTo>
+                    <a:pt x="201309" y="2637498"/>
+                  </a:lnTo>
+                  <a:lnTo>
+                    <a:pt x="230529" y="2691834"/>
+                  </a:lnTo>
+                  <a:lnTo>
+                    <a:pt x="261586" y="2745142"/>
+                  </a:lnTo>
+                  <a:lnTo>
+                    <a:pt x="294444" y="2797360"/>
+                  </a:lnTo>
+                  <a:lnTo>
+                    <a:pt x="329064" y="2848426"/>
+                  </a:lnTo>
+                  <a:lnTo>
+                    <a:pt x="365405" y="2898282"/>
+                  </a:lnTo>
+                  <a:lnTo>
+                    <a:pt x="403427" y="2946868"/>
+                  </a:lnTo>
+                  <a:lnTo>
+                    <a:pt x="443083" y="2994130"/>
+                  </a:lnTo>
+                  <a:lnTo>
+                    <a:pt x="484329" y="3040011"/>
+                  </a:lnTo>
+                  <a:lnTo>
+                    <a:pt x="527115" y="3084459"/>
+                  </a:lnTo>
+                  <a:lnTo>
+                    <a:pt x="571393" y="3127421"/>
+                  </a:lnTo>
+                  <a:lnTo>
+                    <a:pt x="617111" y="3168848"/>
+                  </a:lnTo>
+                  <a:lnTo>
+                    <a:pt x="664215" y="3208691"/>
+                  </a:lnTo>
+                  <a:lnTo>
+                    <a:pt x="712651" y="3246904"/>
+                  </a:lnTo>
+                  <a:lnTo>
+                    <a:pt x="762363" y="3283442"/>
+                  </a:lnTo>
+                  <a:lnTo>
+                    <a:pt x="813292" y="3318264"/>
+                  </a:lnTo>
+                  <a:lnTo>
+                    <a:pt x="865379" y="3351328"/>
+                  </a:lnTo>
+                  <a:lnTo>
+                    <a:pt x="918564" y="3382596"/>
+                  </a:lnTo>
+                  <a:lnTo>
+                    <a:pt x="972784" y="3412031"/>
+                  </a:lnTo>
+                  <a:lnTo>
+                    <a:pt x="1027977" y="3439600"/>
+                  </a:lnTo>
+                  <a:lnTo>
+                    <a:pt x="1084078" y="3465270"/>
+                  </a:lnTo>
+                  <a:lnTo>
+                    <a:pt x="1109052" y="3408133"/>
+                  </a:lnTo>
+                  <a:lnTo>
+                    <a:pt x="1134025" y="3350997"/>
+                  </a:lnTo>
+                  <a:lnTo>
+                    <a:pt x="1158999" y="3293861"/>
+                  </a:lnTo>
+                  <a:lnTo>
+                    <a:pt x="1183973" y="3236724"/>
+                  </a:lnTo>
+                  <a:lnTo>
+                    <a:pt x="1208947" y="3179588"/>
+                  </a:lnTo>
+                  <a:lnTo>
+                    <a:pt x="1233920" y="3122452"/>
+                  </a:lnTo>
+                  <a:lnTo>
+                    <a:pt x="1258894" y="3065316"/>
+                  </a:lnTo>
+                  <a:lnTo>
+                    <a:pt x="1283868" y="3008179"/>
+                  </a:lnTo>
+                  <a:lnTo>
+                    <a:pt x="1308841" y="2951043"/>
+                  </a:lnTo>
+                  <a:lnTo>
+                    <a:pt x="1333815" y="2893907"/>
+                  </a:lnTo>
+                  <a:lnTo>
+                    <a:pt x="1358789" y="2836770"/>
+                  </a:lnTo>
+                  <a:lnTo>
+                    <a:pt x="1383762" y="2779634"/>
+                  </a:lnTo>
+                  <a:lnTo>
+                    <a:pt x="1408736" y="2722498"/>
+                  </a:lnTo>
+                  <a:lnTo>
+                    <a:pt x="1433710" y="2665361"/>
+                  </a:lnTo>
+                  <a:lnTo>
+                    <a:pt x="1458684" y="2608225"/>
+                  </a:lnTo>
+                  <a:lnTo>
+                    <a:pt x="1483657" y="2551089"/>
+                  </a:lnTo>
+                  <a:lnTo>
+                    <a:pt x="1508631" y="2493953"/>
+                  </a:lnTo>
+                  <a:lnTo>
+                    <a:pt x="1533605" y="2436816"/>
+                  </a:lnTo>
+                  <a:lnTo>
+                    <a:pt x="1558578" y="2379680"/>
+                  </a:lnTo>
+                  <a:lnTo>
+                    <a:pt x="1583552" y="2322544"/>
+                  </a:lnTo>
+                  <a:lnTo>
+                    <a:pt x="1608526" y="2265407"/>
+                  </a:lnTo>
+                  <a:lnTo>
+                    <a:pt x="1633499" y="2208271"/>
+                  </a:lnTo>
+                  <a:lnTo>
+                    <a:pt x="1658473" y="2151135"/>
+                  </a:lnTo>
+                  <a:lnTo>
+                    <a:pt x="1683447" y="2093998"/>
+                  </a:lnTo>
+                  <a:lnTo>
+                    <a:pt x="1708421" y="2036862"/>
+                  </a:lnTo>
+                  <a:lnTo>
+                    <a:pt x="1733394" y="1979726"/>
+                  </a:lnTo>
+                  <a:lnTo>
+                    <a:pt x="1758368" y="1922590"/>
+                  </a:lnTo>
+                  <a:lnTo>
+                    <a:pt x="1783342" y="1865453"/>
                   </a:lnTo>
                   <a:close/>
                 </a:path>
@@ -4776,8 +4773,8 @@
           </p:nvSpPr>
           <p:spPr>
             <a:xfrm>
-              <a:off x="4466431" y="2816325"/>
-              <a:ext cx="329449" cy="109040"/>
+              <a:off x="4532194" y="2816490"/>
+              <a:ext cx="208905" cy="109040"/>
             </a:xfrm>
             <a:prstGeom prst="rect">
               <a:avLst/>
@@ -4809,7 +4806,7 @@
                   <a:latin typeface="Arial"/>
                   <a:cs typeface="Arial"/>
                 </a:rPr>
-                <a:t>0.9%</a:t>
+                <a:t>1%</a:t>
               </a:r>
             </a:p>
           </p:txBody>
@@ -4822,8 +4819,8 @@
           </p:nvSpPr>
           <p:spPr>
             <a:xfrm>
-              <a:off x="4756806" y="2888554"/>
-              <a:ext cx="409835" cy="109040"/>
+              <a:off x="4768414" y="2876928"/>
+              <a:ext cx="329449" cy="109040"/>
             </a:xfrm>
             <a:prstGeom prst="rect">
               <a:avLst/>
@@ -4855,7 +4852,7 @@
                   <a:latin typeface="Arial"/>
                   <a:cs typeface="Arial"/>
                 </a:rPr>
-                <a:t>11.1%</a:t>
+                <a:t>9.7%</a:t>
               </a:r>
             </a:p>
           </p:txBody>
@@ -4868,7 +4865,7 @@
           </p:nvSpPr>
           <p:spPr>
             <a:xfrm>
-              <a:off x="5282111" y="3513324"/>
+              <a:off x="5267019" y="3457248"/>
               <a:ext cx="409835" cy="109040"/>
             </a:xfrm>
             <a:prstGeom prst="rect">
@@ -4901,7 +4898,7 @@
                   <a:latin typeface="Arial"/>
                   <a:cs typeface="Arial"/>
                 </a:rPr>
-                <a:t>18.7%</a:t>
+                <a:t>19.2%</a:t>
               </a:r>
             </a:p>
           </p:txBody>
@@ -4914,7 +4911,7 @@
           </p:nvSpPr>
           <p:spPr>
             <a:xfrm>
-              <a:off x="4793706" y="4535027"/>
+              <a:off x="4774939" y="4543787"/>
               <a:ext cx="409835" cy="109040"/>
             </a:xfrm>
             <a:prstGeom prst="rect">
@@ -4947,7 +4944,7 @@
                   <a:latin typeface="Arial"/>
                   <a:cs typeface="Arial"/>
                 </a:rPr>
-                <a:t>24.4%</a:t>
+                <a:t>26.7%</a:t>
               </a:r>
             </a:p>
           </p:txBody>
@@ -4960,7 +4957,7 @@
           </p:nvSpPr>
           <p:spPr>
             <a:xfrm>
-              <a:off x="3509188" y="3576915"/>
+              <a:off x="3516892" y="3535186"/>
               <a:ext cx="409835" cy="109040"/>
             </a:xfrm>
             <a:prstGeom prst="rect">
@@ -4993,7 +4990,7 @@
                   <a:latin typeface="Arial"/>
                   <a:cs typeface="Arial"/>
                 </a:rPr>
-                <a:t>44.9%</a:t>
+                <a:t>43.4%</a:t>
               </a:r>
             </a:p>
           </p:txBody>
@@ -5006,8 +5003,8 @@
           </p:nvSpPr>
           <p:spPr>
             <a:xfrm>
-              <a:off x="4464188" y="2812969"/>
-              <a:ext cx="329449" cy="109040"/>
+              <a:off x="4529951" y="2813133"/>
+              <a:ext cx="208905" cy="109040"/>
             </a:xfrm>
             <a:prstGeom prst="rect">
               <a:avLst/>
@@ -5039,7 +5036,7 @@
                   <a:latin typeface="Arial"/>
                   <a:cs typeface="Arial"/>
                 </a:rPr>
-                <a:t>0.9%</a:t>
+                <a:t>1%</a:t>
               </a:r>
             </a:p>
           </p:txBody>
@@ -5052,8 +5049,8 @@
           </p:nvSpPr>
           <p:spPr>
             <a:xfrm>
-              <a:off x="4754563" y="2885197"/>
-              <a:ext cx="409835" cy="109040"/>
+              <a:off x="4766171" y="2873571"/>
+              <a:ext cx="329449" cy="109040"/>
             </a:xfrm>
             <a:prstGeom prst="rect">
               <a:avLst/>
@@ -5085,7 +5082,7 @@
                   <a:latin typeface="Arial"/>
                   <a:cs typeface="Arial"/>
                 </a:rPr>
-                <a:t>11.1%</a:t>
+                <a:t>9.7%</a:t>
               </a:r>
             </a:p>
           </p:txBody>
@@ -5098,7 +5095,7 @@
           </p:nvSpPr>
           <p:spPr>
             <a:xfrm>
-              <a:off x="5279869" y="3509967"/>
+              <a:off x="5264776" y="3453892"/>
               <a:ext cx="409835" cy="109040"/>
             </a:xfrm>
             <a:prstGeom prst="rect">
@@ -5131,7 +5128,7 @@
                   <a:latin typeface="Arial"/>
                   <a:cs typeface="Arial"/>
                 </a:rPr>
-                <a:t>18.7%</a:t>
+                <a:t>19.2%</a:t>
               </a:r>
             </a:p>
           </p:txBody>
@@ -5144,7 +5141,7 @@
           </p:nvSpPr>
           <p:spPr>
             <a:xfrm>
-              <a:off x="4791463" y="4531670"/>
+              <a:off x="4772696" y="4540430"/>
               <a:ext cx="409835" cy="109040"/>
             </a:xfrm>
             <a:prstGeom prst="rect">
@@ -5177,7 +5174,7 @@
                   <a:latin typeface="Arial"/>
                   <a:cs typeface="Arial"/>
                 </a:rPr>
-                <a:t>24.4%</a:t>
+                <a:t>26.7%</a:t>
               </a:r>
             </a:p>
           </p:txBody>
@@ -5190,7 +5187,7 @@
           </p:nvSpPr>
           <p:spPr>
             <a:xfrm>
-              <a:off x="3506945" y="3573558"/>
+              <a:off x="3514649" y="3531829"/>
               <a:ext cx="409835" cy="109040"/>
             </a:xfrm>
             <a:prstGeom prst="rect">
@@ -5223,7 +5220,7 @@
                   <a:latin typeface="Arial"/>
                   <a:cs typeface="Arial"/>
                 </a:rPr>
-                <a:t>44.9%</a:t>
+                <a:t>43.4%</a:t>
               </a:r>
             </a:p>
           </p:txBody>
@@ -5236,8 +5233,8 @@
           </p:nvSpPr>
           <p:spPr>
             <a:xfrm>
-              <a:off x="4460831" y="2810726"/>
-              <a:ext cx="329449" cy="109040"/>
+              <a:off x="4526594" y="2810890"/>
+              <a:ext cx="208905" cy="109040"/>
             </a:xfrm>
             <a:prstGeom prst="rect">
               <a:avLst/>
@@ -5269,7 +5266,7 @@
                   <a:latin typeface="Arial"/>
                   <a:cs typeface="Arial"/>
                 </a:rPr>
-                <a:t>0.9%</a:t>
+                <a:t>1%</a:t>
               </a:r>
             </a:p>
           </p:txBody>
@@ -5282,8 +5279,8 @@
           </p:nvSpPr>
           <p:spPr>
             <a:xfrm>
-              <a:off x="4751206" y="2882954"/>
-              <a:ext cx="409835" cy="109040"/>
+              <a:off x="4762815" y="2871328"/>
+              <a:ext cx="329449" cy="109040"/>
             </a:xfrm>
             <a:prstGeom prst="rect">
               <a:avLst/>
@@ -5315,7 +5312,7 @@
                   <a:latin typeface="Arial"/>
                   <a:cs typeface="Arial"/>
                 </a:rPr>
-                <a:t>11.1%</a:t>
+                <a:t>9.7%</a:t>
               </a:r>
             </a:p>
           </p:txBody>
@@ -5328,7 +5325,7 @@
           </p:nvSpPr>
           <p:spPr>
             <a:xfrm>
-              <a:off x="5276512" y="3507724"/>
+              <a:off x="5261419" y="3451649"/>
               <a:ext cx="409835" cy="109040"/>
             </a:xfrm>
             <a:prstGeom prst="rect">
@@ -5361,7 +5358,7 @@
                   <a:latin typeface="Arial"/>
                   <a:cs typeface="Arial"/>
                 </a:rPr>
-                <a:t>18.7%</a:t>
+                <a:t>19.2%</a:t>
               </a:r>
             </a:p>
           </p:txBody>
@@ -5374,7 +5371,7 @@
           </p:nvSpPr>
           <p:spPr>
             <a:xfrm>
-              <a:off x="4788107" y="4529428"/>
+              <a:off x="4769340" y="4538187"/>
               <a:ext cx="409835" cy="109040"/>
             </a:xfrm>
             <a:prstGeom prst="rect">
@@ -5407,7 +5404,7 @@
                   <a:latin typeface="Arial"/>
                   <a:cs typeface="Arial"/>
                 </a:rPr>
-                <a:t>24.4%</a:t>
+                <a:t>26.7%</a:t>
               </a:r>
             </a:p>
           </p:txBody>
@@ -5420,7 +5417,7 @@
           </p:nvSpPr>
           <p:spPr>
             <a:xfrm>
-              <a:off x="3503589" y="3571315"/>
+              <a:off x="3511293" y="3529586"/>
               <a:ext cx="409835" cy="109040"/>
             </a:xfrm>
             <a:prstGeom prst="rect">
@@ -5453,7 +5450,7 @@
                   <a:latin typeface="Arial"/>
                   <a:cs typeface="Arial"/>
                 </a:rPr>
-                <a:t>44.9%</a:t>
+                <a:t>43.4%</a:t>
               </a:r>
             </a:p>
           </p:txBody>
@@ -5466,8 +5463,8 @@
           </p:nvSpPr>
           <p:spPr>
             <a:xfrm>
-              <a:off x="4456872" y="2809938"/>
-              <a:ext cx="329449" cy="109040"/>
+              <a:off x="4522635" y="2810103"/>
+              <a:ext cx="208905" cy="109040"/>
             </a:xfrm>
             <a:prstGeom prst="rect">
               <a:avLst/>
@@ -5499,7 +5496,7 @@
                   <a:latin typeface="Arial"/>
                   <a:cs typeface="Arial"/>
                 </a:rPr>
-                <a:t>0.9%</a:t>
+                <a:t>1%</a:t>
               </a:r>
             </a:p>
           </p:txBody>
@@ -5512,8 +5509,8 @@
           </p:nvSpPr>
           <p:spPr>
             <a:xfrm>
-              <a:off x="4747247" y="2882167"/>
-              <a:ext cx="409835" cy="109040"/>
+              <a:off x="4758855" y="2870541"/>
+              <a:ext cx="329449" cy="109040"/>
             </a:xfrm>
             <a:prstGeom prst="rect">
               <a:avLst/>
@@ -5545,7 +5542,7 @@
                   <a:latin typeface="Arial"/>
                   <a:cs typeface="Arial"/>
                 </a:rPr>
-                <a:t>11.1%</a:t>
+                <a:t>9.7%</a:t>
               </a:r>
             </a:p>
           </p:txBody>
@@ -5558,7 +5555,7 @@
           </p:nvSpPr>
           <p:spPr>
             <a:xfrm>
-              <a:off x="5272553" y="3506937"/>
+              <a:off x="5257460" y="3450861"/>
               <a:ext cx="409835" cy="109040"/>
             </a:xfrm>
             <a:prstGeom prst="rect">
@@ -5591,7 +5588,7 @@
                   <a:latin typeface="Arial"/>
                   <a:cs typeface="Arial"/>
                 </a:rPr>
-                <a:t>18.7%</a:t>
+                <a:t>19.2%</a:t>
               </a:r>
             </a:p>
           </p:txBody>
@@ -5604,7 +5601,7 @@
           </p:nvSpPr>
           <p:spPr>
             <a:xfrm>
-              <a:off x="4784147" y="4528640"/>
+              <a:off x="4765380" y="4537400"/>
               <a:ext cx="409835" cy="109040"/>
             </a:xfrm>
             <a:prstGeom prst="rect">
@@ -5637,7 +5634,7 @@
                   <a:latin typeface="Arial"/>
                   <a:cs typeface="Arial"/>
                 </a:rPr>
-                <a:t>24.4%</a:t>
+                <a:t>26.7%</a:t>
               </a:r>
             </a:p>
           </p:txBody>
@@ -5650,7 +5647,7 @@
           </p:nvSpPr>
           <p:spPr>
             <a:xfrm>
-              <a:off x="3499629" y="3570528"/>
+              <a:off x="3507333" y="3528799"/>
               <a:ext cx="409835" cy="109040"/>
             </a:xfrm>
             <a:prstGeom prst="rect">
@@ -5683,7 +5680,7 @@
                   <a:latin typeface="Arial"/>
                   <a:cs typeface="Arial"/>
                 </a:rPr>
-                <a:t>44.9%</a:t>
+                <a:t>43.4%</a:t>
               </a:r>
             </a:p>
           </p:txBody>
@@ -5696,8 +5693,8 @@
           </p:nvSpPr>
           <p:spPr>
             <a:xfrm>
-              <a:off x="4452912" y="2810726"/>
-              <a:ext cx="329449" cy="109040"/>
+              <a:off x="4518675" y="2810890"/>
+              <a:ext cx="208905" cy="109040"/>
             </a:xfrm>
             <a:prstGeom prst="rect">
               <a:avLst/>
@@ -5729,7 +5726,7 @@
                   <a:latin typeface="Arial"/>
                   <a:cs typeface="Arial"/>
                 </a:rPr>
-                <a:t>0.9%</a:t>
+                <a:t>1%</a:t>
               </a:r>
             </a:p>
           </p:txBody>
@@ -5742,8 +5739,8 @@
           </p:nvSpPr>
           <p:spPr>
             <a:xfrm>
-              <a:off x="4743288" y="2882954"/>
-              <a:ext cx="409835" cy="109040"/>
+              <a:off x="4754896" y="2871328"/>
+              <a:ext cx="329449" cy="109040"/>
             </a:xfrm>
             <a:prstGeom prst="rect">
               <a:avLst/>
@@ -5775,7 +5772,7 @@
                   <a:latin typeface="Arial"/>
                   <a:cs typeface="Arial"/>
                 </a:rPr>
-                <a:t>11.1%</a:t>
+                <a:t>9.7%</a:t>
               </a:r>
             </a:p>
           </p:txBody>
@@ -5788,7 +5785,7 @@
           </p:nvSpPr>
           <p:spPr>
             <a:xfrm>
-              <a:off x="5268593" y="3507724"/>
+              <a:off x="5253500" y="3451649"/>
               <a:ext cx="409835" cy="109040"/>
             </a:xfrm>
             <a:prstGeom prst="rect">
@@ -5821,7 +5818,7 @@
                   <a:latin typeface="Arial"/>
                   <a:cs typeface="Arial"/>
                 </a:rPr>
-                <a:t>18.7%</a:t>
+                <a:t>19.2%</a:t>
               </a:r>
             </a:p>
           </p:txBody>
@@ -5834,7 +5831,7 @@
           </p:nvSpPr>
           <p:spPr>
             <a:xfrm>
-              <a:off x="4780188" y="4529428"/>
+              <a:off x="4761421" y="4538187"/>
               <a:ext cx="409835" cy="109040"/>
             </a:xfrm>
             <a:prstGeom prst="rect">
@@ -5867,7 +5864,7 @@
                   <a:latin typeface="Arial"/>
                   <a:cs typeface="Arial"/>
                 </a:rPr>
-                <a:t>24.4%</a:t>
+                <a:t>26.7%</a:t>
               </a:r>
             </a:p>
           </p:txBody>
@@ -5880,7 +5877,7 @@
           </p:nvSpPr>
           <p:spPr>
             <a:xfrm>
-              <a:off x="3495670" y="3571315"/>
+              <a:off x="3503374" y="3529586"/>
               <a:ext cx="409835" cy="109040"/>
             </a:xfrm>
             <a:prstGeom prst="rect">
@@ -5913,7 +5910,7 @@
                   <a:latin typeface="Arial"/>
                   <a:cs typeface="Arial"/>
                 </a:rPr>
-                <a:t>44.9%</a:t>
+                <a:t>43.4%</a:t>
               </a:r>
             </a:p>
           </p:txBody>
@@ -5926,8 +5923,8 @@
           </p:nvSpPr>
           <p:spPr>
             <a:xfrm>
-              <a:off x="4449556" y="2812969"/>
-              <a:ext cx="329449" cy="109040"/>
+              <a:off x="4515319" y="2813133"/>
+              <a:ext cx="208905" cy="109040"/>
             </a:xfrm>
             <a:prstGeom prst="rect">
               <a:avLst/>
@@ -5959,7 +5956,7 @@
                   <a:latin typeface="Arial"/>
                   <a:cs typeface="Arial"/>
                 </a:rPr>
-                <a:t>0.9%</a:t>
+                <a:t>1%</a:t>
               </a:r>
             </a:p>
           </p:txBody>
@@ -5972,8 +5969,8 @@
           </p:nvSpPr>
           <p:spPr>
             <a:xfrm>
-              <a:off x="4739931" y="2885197"/>
-              <a:ext cx="409835" cy="109040"/>
+              <a:off x="4751539" y="2873571"/>
+              <a:ext cx="329449" cy="109040"/>
             </a:xfrm>
             <a:prstGeom prst="rect">
               <a:avLst/>
@@ -6005,7 +6002,7 @@
                   <a:latin typeface="Arial"/>
                   <a:cs typeface="Arial"/>
                 </a:rPr>
-                <a:t>11.1%</a:t>
+                <a:t>9.7%</a:t>
               </a:r>
             </a:p>
           </p:txBody>
@@ -6018,7 +6015,7 @@
           </p:nvSpPr>
           <p:spPr>
             <a:xfrm>
-              <a:off x="5265237" y="3509967"/>
+              <a:off x="5250144" y="3453892"/>
               <a:ext cx="409835" cy="109040"/>
             </a:xfrm>
             <a:prstGeom prst="rect">
@@ -6051,7 +6048,7 @@
                   <a:latin typeface="Arial"/>
                   <a:cs typeface="Arial"/>
                 </a:rPr>
-                <a:t>18.7%</a:t>
+                <a:t>19.2%</a:t>
               </a:r>
             </a:p>
           </p:txBody>
@@ -6064,7 +6061,7 @@
           </p:nvSpPr>
           <p:spPr>
             <a:xfrm>
-              <a:off x="4776831" y="4531670"/>
+              <a:off x="4758064" y="4540430"/>
               <a:ext cx="409835" cy="109040"/>
             </a:xfrm>
             <a:prstGeom prst="rect">
@@ -6097,7 +6094,7 @@
                   <a:latin typeface="Arial"/>
                   <a:cs typeface="Arial"/>
                 </a:rPr>
-                <a:t>24.4%</a:t>
+                <a:t>26.7%</a:t>
               </a:r>
             </a:p>
           </p:txBody>
@@ -6110,7 +6107,7 @@
           </p:nvSpPr>
           <p:spPr>
             <a:xfrm>
-              <a:off x="3492313" y="3573558"/>
+              <a:off x="3500017" y="3531829"/>
               <a:ext cx="409835" cy="109040"/>
             </a:xfrm>
             <a:prstGeom prst="rect">
@@ -6143,7 +6140,7 @@
                   <a:latin typeface="Arial"/>
                   <a:cs typeface="Arial"/>
                 </a:rPr>
-                <a:t>44.9%</a:t>
+                <a:t>43.4%</a:t>
               </a:r>
             </a:p>
           </p:txBody>
@@ -6156,8 +6153,8 @@
           </p:nvSpPr>
           <p:spPr>
             <a:xfrm>
-              <a:off x="4447313" y="2816325"/>
-              <a:ext cx="329449" cy="109040"/>
+              <a:off x="4513076" y="2816490"/>
+              <a:ext cx="208905" cy="109040"/>
             </a:xfrm>
             <a:prstGeom prst="rect">
               <a:avLst/>
@@ -6189,7 +6186,7 @@
                   <a:latin typeface="Arial"/>
                   <a:cs typeface="Arial"/>
                 </a:rPr>
-                <a:t>0.9%</a:t>
+                <a:t>1%</a:t>
               </a:r>
             </a:p>
           </p:txBody>
@@ -6202,8 +6199,8 @@
           </p:nvSpPr>
           <p:spPr>
             <a:xfrm>
-              <a:off x="4737688" y="2888554"/>
-              <a:ext cx="409835" cy="109040"/>
+              <a:off x="4749296" y="2876928"/>
+              <a:ext cx="329449" cy="109040"/>
             </a:xfrm>
             <a:prstGeom prst="rect">
               <a:avLst/>
@@ -6235,7 +6232,7 @@
                   <a:latin typeface="Arial"/>
                   <a:cs typeface="Arial"/>
                 </a:rPr>
-                <a:t>11.1%</a:t>
+                <a:t>9.7%</a:t>
               </a:r>
             </a:p>
           </p:txBody>
@@ -6248,7 +6245,7 @@
           </p:nvSpPr>
           <p:spPr>
             <a:xfrm>
-              <a:off x="5262994" y="3513324"/>
+              <a:off x="5247901" y="3457248"/>
               <a:ext cx="409835" cy="109040"/>
             </a:xfrm>
             <a:prstGeom prst="rect">
@@ -6281,7 +6278,7 @@
                   <a:latin typeface="Arial"/>
                   <a:cs typeface="Arial"/>
                 </a:rPr>
-                <a:t>18.7%</a:t>
+                <a:t>19.2%</a:t>
               </a:r>
             </a:p>
           </p:txBody>
@@ -6294,7 +6291,7 @@
           </p:nvSpPr>
           <p:spPr>
             <a:xfrm>
-              <a:off x="4774588" y="4535027"/>
+              <a:off x="4755822" y="4543787"/>
               <a:ext cx="409835" cy="109040"/>
             </a:xfrm>
             <a:prstGeom prst="rect">
@@ -6327,7 +6324,7 @@
                   <a:latin typeface="Arial"/>
                   <a:cs typeface="Arial"/>
                 </a:rPr>
-                <a:t>24.4%</a:t>
+                <a:t>26.7%</a:t>
               </a:r>
             </a:p>
           </p:txBody>
@@ -6340,7 +6337,7 @@
           </p:nvSpPr>
           <p:spPr>
             <a:xfrm>
-              <a:off x="3490070" y="3576915"/>
+              <a:off x="3497774" y="3535186"/>
               <a:ext cx="409835" cy="109040"/>
             </a:xfrm>
             <a:prstGeom prst="rect">
@@ -6373,7 +6370,7 @@
                   <a:latin typeface="Arial"/>
                   <a:cs typeface="Arial"/>
                 </a:rPr>
-                <a:t>44.9%</a:t>
+                <a:t>43.4%</a:t>
               </a:r>
             </a:p>
           </p:txBody>
@@ -6386,8 +6383,8 @@
           </p:nvSpPr>
           <p:spPr>
             <a:xfrm>
-              <a:off x="4446525" y="2820285"/>
-              <a:ext cx="329449" cy="109040"/>
+              <a:off x="4512288" y="2820449"/>
+              <a:ext cx="208905" cy="109040"/>
             </a:xfrm>
             <a:prstGeom prst="rect">
               <a:avLst/>
@@ -6419,7 +6416,7 @@
                   <a:latin typeface="Arial"/>
                   <a:cs typeface="Arial"/>
                 </a:rPr>
-                <a:t>0.9%</a:t>
+                <a:t>1%</a:t>
               </a:r>
             </a:p>
           </p:txBody>
@@ -6432,8 +6429,8 @@
           </p:nvSpPr>
           <p:spPr>
             <a:xfrm>
-              <a:off x="4736901" y="2892513"/>
-              <a:ext cx="409835" cy="109040"/>
+              <a:off x="4748509" y="2880887"/>
+              <a:ext cx="329449" cy="109040"/>
             </a:xfrm>
             <a:prstGeom prst="rect">
               <a:avLst/>
@@ -6465,7 +6462,7 @@
                   <a:latin typeface="Arial"/>
                   <a:cs typeface="Arial"/>
                 </a:rPr>
-                <a:t>11.1%</a:t>
+                <a:t>9.7%</a:t>
               </a:r>
             </a:p>
           </p:txBody>
@@ -6478,7 +6475,7 @@
           </p:nvSpPr>
           <p:spPr>
             <a:xfrm>
-              <a:off x="5262206" y="3517283"/>
+              <a:off x="5247113" y="3461208"/>
               <a:ext cx="409835" cy="109040"/>
             </a:xfrm>
             <a:prstGeom prst="rect">
@@ -6511,7 +6508,7 @@
                   <a:latin typeface="Arial"/>
                   <a:cs typeface="Arial"/>
                 </a:rPr>
-                <a:t>18.7%</a:t>
+                <a:t>19.2%</a:t>
               </a:r>
             </a:p>
           </p:txBody>
@@ -6524,7 +6521,7 @@
           </p:nvSpPr>
           <p:spPr>
             <a:xfrm>
-              <a:off x="4773801" y="4538987"/>
+              <a:off x="4755034" y="4547746"/>
               <a:ext cx="409835" cy="109040"/>
             </a:xfrm>
             <a:prstGeom prst="rect">
@@ -6557,7 +6554,7 @@
                   <a:latin typeface="Arial"/>
                   <a:cs typeface="Arial"/>
                 </a:rPr>
-                <a:t>24.4%</a:t>
+                <a:t>26.7%</a:t>
               </a:r>
             </a:p>
           </p:txBody>
@@ -6570,7 +6567,7 @@
           </p:nvSpPr>
           <p:spPr>
             <a:xfrm>
-              <a:off x="3489283" y="3580874"/>
+              <a:off x="3496987" y="3539145"/>
               <a:ext cx="409835" cy="109040"/>
             </a:xfrm>
             <a:prstGeom prst="rect">
@@ -6603,7 +6600,7 @@
                   <a:latin typeface="Arial"/>
                   <a:cs typeface="Arial"/>
                 </a:rPr>
-                <a:t>44.9%</a:t>
+                <a:t>43.4%</a:t>
               </a:r>
             </a:p>
           </p:txBody>
@@ -6616,8 +6613,8 @@
           </p:nvSpPr>
           <p:spPr>
             <a:xfrm>
-              <a:off x="4447313" y="2824244"/>
-              <a:ext cx="329449" cy="109040"/>
+              <a:off x="4513076" y="2824409"/>
+              <a:ext cx="208905" cy="109040"/>
             </a:xfrm>
             <a:prstGeom prst="rect">
               <a:avLst/>
@@ -6649,7 +6646,7 @@
                   <a:latin typeface="Arial"/>
                   <a:cs typeface="Arial"/>
                 </a:rPr>
-                <a:t>0.9%</a:t>
+                <a:t>1%</a:t>
               </a:r>
             </a:p>
           </p:txBody>
@@ -6662,8 +6659,8 @@
           </p:nvSpPr>
           <p:spPr>
             <a:xfrm>
-              <a:off x="4737688" y="2896472"/>
-              <a:ext cx="409835" cy="109040"/>
+              <a:off x="4749296" y="2884847"/>
+              <a:ext cx="329449" cy="109040"/>
             </a:xfrm>
             <a:prstGeom prst="rect">
               <a:avLst/>
@@ -6695,7 +6692,7 @@
                   <a:latin typeface="Arial"/>
                   <a:cs typeface="Arial"/>
                 </a:rPr>
-                <a:t>11.1%</a:t>
+                <a:t>9.7%</a:t>
               </a:r>
             </a:p>
           </p:txBody>
@@ -6708,7 +6705,7 @@
           </p:nvSpPr>
           <p:spPr>
             <a:xfrm>
-              <a:off x="5262994" y="3521242"/>
+              <a:off x="5247901" y="3465167"/>
               <a:ext cx="409835" cy="109040"/>
             </a:xfrm>
             <a:prstGeom prst="rect">
@@ -6741,7 +6738,7 @@
                   <a:latin typeface="Arial"/>
                   <a:cs typeface="Arial"/>
                 </a:rPr>
-                <a:t>18.7%</a:t>
+                <a:t>19.2%</a:t>
               </a:r>
             </a:p>
           </p:txBody>
@@ -6754,7 +6751,7 @@
           </p:nvSpPr>
           <p:spPr>
             <a:xfrm>
-              <a:off x="4774588" y="4542946"/>
+              <a:off x="4755822" y="4551706"/>
               <a:ext cx="409835" cy="109040"/>
             </a:xfrm>
             <a:prstGeom prst="rect">
@@ -6787,7 +6784,7 @@
                   <a:latin typeface="Arial"/>
                   <a:cs typeface="Arial"/>
                 </a:rPr>
-                <a:t>24.4%</a:t>
+                <a:t>26.7%</a:t>
               </a:r>
             </a:p>
           </p:txBody>
@@ -6800,7 +6797,7 @@
           </p:nvSpPr>
           <p:spPr>
             <a:xfrm>
-              <a:off x="3490070" y="3584834"/>
+              <a:off x="3497774" y="3543105"/>
               <a:ext cx="409835" cy="109040"/>
             </a:xfrm>
             <a:prstGeom prst="rect">
@@ -6833,7 +6830,7 @@
                   <a:latin typeface="Arial"/>
                   <a:cs typeface="Arial"/>
                 </a:rPr>
-                <a:t>44.9%</a:t>
+                <a:t>43.4%</a:t>
               </a:r>
             </a:p>
           </p:txBody>
@@ -6846,8 +6843,8 @@
           </p:nvSpPr>
           <p:spPr>
             <a:xfrm>
-              <a:off x="4449556" y="2827601"/>
-              <a:ext cx="329449" cy="109040"/>
+              <a:off x="4515319" y="2827765"/>
+              <a:ext cx="208905" cy="109040"/>
             </a:xfrm>
             <a:prstGeom prst="rect">
               <a:avLst/>
@@ -6879,7 +6876,7 @@
                   <a:latin typeface="Arial"/>
                   <a:cs typeface="Arial"/>
                 </a:rPr>
-                <a:t>0.9%</a:t>
+                <a:t>1%</a:t>
               </a:r>
             </a:p>
           </p:txBody>
@@ -6892,8 +6889,8 @@
           </p:nvSpPr>
           <p:spPr>
             <a:xfrm>
-              <a:off x="4739931" y="2899829"/>
-              <a:ext cx="409835" cy="109040"/>
+              <a:off x="4751539" y="2888203"/>
+              <a:ext cx="329449" cy="109040"/>
             </a:xfrm>
             <a:prstGeom prst="rect">
               <a:avLst/>
@@ -6925,7 +6922,7 @@
                   <a:latin typeface="Arial"/>
                   <a:cs typeface="Arial"/>
                 </a:rPr>
-                <a:t>11.1%</a:t>
+                <a:t>9.7%</a:t>
               </a:r>
             </a:p>
           </p:txBody>
@@ -6938,7 +6935,7 @@
           </p:nvSpPr>
           <p:spPr>
             <a:xfrm>
-              <a:off x="5265237" y="3524599"/>
+              <a:off x="5250144" y="3468524"/>
               <a:ext cx="409835" cy="109040"/>
             </a:xfrm>
             <a:prstGeom prst="rect">
@@ -6971,7 +6968,7 @@
                   <a:latin typeface="Arial"/>
                   <a:cs typeface="Arial"/>
                 </a:rPr>
-                <a:t>18.7%</a:t>
+                <a:t>19.2%</a:t>
               </a:r>
             </a:p>
           </p:txBody>
@@ -6984,7 +6981,7 @@
           </p:nvSpPr>
           <p:spPr>
             <a:xfrm>
-              <a:off x="4776831" y="4546303"/>
+              <a:off x="4758064" y="4555062"/>
               <a:ext cx="409835" cy="109040"/>
             </a:xfrm>
             <a:prstGeom prst="rect">
@@ -7017,7 +7014,7 @@
                   <a:latin typeface="Arial"/>
                   <a:cs typeface="Arial"/>
                 </a:rPr>
-                <a:t>24.4%</a:t>
+                <a:t>26.7%</a:t>
               </a:r>
             </a:p>
           </p:txBody>
@@ -7030,7 +7027,7 @@
           </p:nvSpPr>
           <p:spPr>
             <a:xfrm>
-              <a:off x="3492313" y="3588190"/>
+              <a:off x="3500017" y="3546461"/>
               <a:ext cx="409835" cy="109040"/>
             </a:xfrm>
             <a:prstGeom prst="rect">
@@ -7063,7 +7060,7 @@
                   <a:latin typeface="Arial"/>
                   <a:cs typeface="Arial"/>
                 </a:rPr>
-                <a:t>44.9%</a:t>
+                <a:t>43.4%</a:t>
               </a:r>
             </a:p>
           </p:txBody>
@@ -7076,8 +7073,8 @@
           </p:nvSpPr>
           <p:spPr>
             <a:xfrm>
-              <a:off x="4452912" y="2829844"/>
-              <a:ext cx="329449" cy="109040"/>
+              <a:off x="4518675" y="2830008"/>
+              <a:ext cx="208905" cy="109040"/>
             </a:xfrm>
             <a:prstGeom prst="rect">
               <a:avLst/>
@@ -7109,7 +7106,7 @@
                   <a:latin typeface="Arial"/>
                   <a:cs typeface="Arial"/>
                 </a:rPr>
-                <a:t>0.9%</a:t>
+                <a:t>1%</a:t>
               </a:r>
             </a:p>
           </p:txBody>
@@ -7122,8 +7119,8 @@
           </p:nvSpPr>
           <p:spPr>
             <a:xfrm>
-              <a:off x="4743288" y="2902072"/>
-              <a:ext cx="409835" cy="109040"/>
+              <a:off x="4754896" y="2890446"/>
+              <a:ext cx="329449" cy="109040"/>
             </a:xfrm>
             <a:prstGeom prst="rect">
               <a:avLst/>
@@ -7155,7 +7152,7 @@
                   <a:latin typeface="Arial"/>
                   <a:cs typeface="Arial"/>
                 </a:rPr>
-                <a:t>11.1%</a:t>
+                <a:t>9.7%</a:t>
               </a:r>
             </a:p>
           </p:txBody>
@@ -7168,7 +7165,7 @@
           </p:nvSpPr>
           <p:spPr>
             <a:xfrm>
-              <a:off x="5268593" y="3526842"/>
+              <a:off x="5253500" y="3470766"/>
               <a:ext cx="409835" cy="109040"/>
             </a:xfrm>
             <a:prstGeom prst="rect">
@@ -7201,7 +7198,7 @@
                   <a:latin typeface="Arial"/>
                   <a:cs typeface="Arial"/>
                 </a:rPr>
-                <a:t>18.7%</a:t>
+                <a:t>19.2%</a:t>
               </a:r>
             </a:p>
           </p:txBody>
@@ -7214,7 +7211,7 @@
           </p:nvSpPr>
           <p:spPr>
             <a:xfrm>
-              <a:off x="4780188" y="4548545"/>
+              <a:off x="4761421" y="4557305"/>
               <a:ext cx="409835" cy="109040"/>
             </a:xfrm>
             <a:prstGeom prst="rect">
@@ -7247,7 +7244,7 @@
                   <a:latin typeface="Arial"/>
                   <a:cs typeface="Arial"/>
                 </a:rPr>
-                <a:t>24.4%</a:t>
+                <a:t>26.7%</a:t>
               </a:r>
             </a:p>
           </p:txBody>
@@ -7260,7 +7257,7 @@
           </p:nvSpPr>
           <p:spPr>
             <a:xfrm>
-              <a:off x="3495670" y="3590433"/>
+              <a:off x="3503374" y="3548704"/>
               <a:ext cx="409835" cy="109040"/>
             </a:xfrm>
             <a:prstGeom prst="rect">
@@ -7293,7 +7290,7 @@
                   <a:latin typeface="Arial"/>
                   <a:cs typeface="Arial"/>
                 </a:rPr>
-                <a:t>44.9%</a:t>
+                <a:t>43.4%</a:t>
               </a:r>
             </a:p>
           </p:txBody>
@@ -7306,8 +7303,8 @@
           </p:nvSpPr>
           <p:spPr>
             <a:xfrm>
-              <a:off x="4456872" y="2830631"/>
-              <a:ext cx="329449" cy="109040"/>
+              <a:off x="4522635" y="2830796"/>
+              <a:ext cx="208905" cy="109040"/>
             </a:xfrm>
             <a:prstGeom prst="rect">
               <a:avLst/>
@@ -7339,7 +7336,7 @@
                   <a:latin typeface="Arial"/>
                   <a:cs typeface="Arial"/>
                 </a:rPr>
-                <a:t>0.9%</a:t>
+                <a:t>1%</a:t>
               </a:r>
             </a:p>
           </p:txBody>
@@ -7352,8 +7349,8 @@
           </p:nvSpPr>
           <p:spPr>
             <a:xfrm>
-              <a:off x="4747247" y="2902859"/>
-              <a:ext cx="409835" cy="109040"/>
+              <a:off x="4758855" y="2891234"/>
+              <a:ext cx="329449" cy="109040"/>
             </a:xfrm>
             <a:prstGeom prst="rect">
               <a:avLst/>
@@ -7385,7 +7382,7 @@
                   <a:latin typeface="Arial"/>
                   <a:cs typeface="Arial"/>
                 </a:rPr>
-                <a:t>11.1%</a:t>
+                <a:t>9.7%</a:t>
               </a:r>
             </a:p>
           </p:txBody>
@@ -7398,7 +7395,7 @@
           </p:nvSpPr>
           <p:spPr>
             <a:xfrm>
-              <a:off x="5272553" y="3527630"/>
+              <a:off x="5257460" y="3471554"/>
               <a:ext cx="409835" cy="109040"/>
             </a:xfrm>
             <a:prstGeom prst="rect">
@@ -7431,7 +7428,7 @@
                   <a:latin typeface="Arial"/>
                   <a:cs typeface="Arial"/>
                 </a:rPr>
-                <a:t>18.7%</a:t>
+                <a:t>19.2%</a:t>
               </a:r>
             </a:p>
           </p:txBody>
@@ -7444,7 +7441,7 @@
           </p:nvSpPr>
           <p:spPr>
             <a:xfrm>
-              <a:off x="4784147" y="4549333"/>
+              <a:off x="4765380" y="4558093"/>
               <a:ext cx="409835" cy="109040"/>
             </a:xfrm>
             <a:prstGeom prst="rect">
@@ -7477,7 +7474,7 @@
                   <a:latin typeface="Arial"/>
                   <a:cs typeface="Arial"/>
                 </a:rPr>
-                <a:t>24.4%</a:t>
+                <a:t>26.7%</a:t>
               </a:r>
             </a:p>
           </p:txBody>
@@ -7490,7 +7487,7 @@
           </p:nvSpPr>
           <p:spPr>
             <a:xfrm>
-              <a:off x="3499629" y="3591221"/>
+              <a:off x="3507333" y="3549492"/>
               <a:ext cx="409835" cy="109040"/>
             </a:xfrm>
             <a:prstGeom prst="rect">
@@ -7523,7 +7520,7 @@
                   <a:latin typeface="Arial"/>
                   <a:cs typeface="Arial"/>
                 </a:rPr>
-                <a:t>44.9%</a:t>
+                <a:t>43.4%</a:t>
               </a:r>
             </a:p>
           </p:txBody>
@@ -7536,8 +7533,8 @@
           </p:nvSpPr>
           <p:spPr>
             <a:xfrm>
-              <a:off x="4460831" y="2829844"/>
-              <a:ext cx="329449" cy="109040"/>
+              <a:off x="4526594" y="2830008"/>
+              <a:ext cx="208905" cy="109040"/>
             </a:xfrm>
             <a:prstGeom prst="rect">
               <a:avLst/>
@@ -7569,7 +7566,7 @@
                   <a:latin typeface="Arial"/>
                   <a:cs typeface="Arial"/>
                 </a:rPr>
-                <a:t>0.9%</a:t>
+                <a:t>1%</a:t>
               </a:r>
             </a:p>
           </p:txBody>
@@ -7582,8 +7579,8 @@
           </p:nvSpPr>
           <p:spPr>
             <a:xfrm>
-              <a:off x="4751206" y="2902072"/>
-              <a:ext cx="409835" cy="109040"/>
+              <a:off x="4762815" y="2890446"/>
+              <a:ext cx="329449" cy="109040"/>
             </a:xfrm>
             <a:prstGeom prst="rect">
               <a:avLst/>
@@ -7615,7 +7612,7 @@
                   <a:latin typeface="Arial"/>
                   <a:cs typeface="Arial"/>
                 </a:rPr>
-                <a:t>11.1%</a:t>
+                <a:t>9.7%</a:t>
               </a:r>
             </a:p>
           </p:txBody>
@@ -7628,7 +7625,7 @@
           </p:nvSpPr>
           <p:spPr>
             <a:xfrm>
-              <a:off x="5276512" y="3526842"/>
+              <a:off x="5261419" y="3470766"/>
               <a:ext cx="409835" cy="109040"/>
             </a:xfrm>
             <a:prstGeom prst="rect">
@@ -7661,7 +7658,7 @@
                   <a:latin typeface="Arial"/>
                   <a:cs typeface="Arial"/>
                 </a:rPr>
-                <a:t>18.7%</a:t>
+                <a:t>19.2%</a:t>
               </a:r>
             </a:p>
           </p:txBody>
@@ -7674,7 +7671,7 @@
           </p:nvSpPr>
           <p:spPr>
             <a:xfrm>
-              <a:off x="4788107" y="4548545"/>
+              <a:off x="4769340" y="4557305"/>
               <a:ext cx="409835" cy="109040"/>
             </a:xfrm>
             <a:prstGeom prst="rect">
@@ -7707,7 +7704,7 @@
                   <a:latin typeface="Arial"/>
                   <a:cs typeface="Arial"/>
                 </a:rPr>
-                <a:t>24.4%</a:t>
+                <a:t>26.7%</a:t>
               </a:r>
             </a:p>
           </p:txBody>
@@ -7720,7 +7717,7 @@
           </p:nvSpPr>
           <p:spPr>
             <a:xfrm>
-              <a:off x="3503589" y="3590433"/>
+              <a:off x="3511293" y="3548704"/>
               <a:ext cx="409835" cy="109040"/>
             </a:xfrm>
             <a:prstGeom prst="rect">
@@ -7753,7 +7750,7 @@
                   <a:latin typeface="Arial"/>
                   <a:cs typeface="Arial"/>
                 </a:rPr>
-                <a:t>44.9%</a:t>
+                <a:t>43.4%</a:t>
               </a:r>
             </a:p>
           </p:txBody>
@@ -7766,8 +7763,8 @@
           </p:nvSpPr>
           <p:spPr>
             <a:xfrm>
-              <a:off x="4464188" y="2827601"/>
-              <a:ext cx="329449" cy="109040"/>
+              <a:off x="4529951" y="2827765"/>
+              <a:ext cx="208905" cy="109040"/>
             </a:xfrm>
             <a:prstGeom prst="rect">
               <a:avLst/>
@@ -7799,7 +7796,7 @@
                   <a:latin typeface="Arial"/>
                   <a:cs typeface="Arial"/>
                 </a:rPr>
-                <a:t>0.9%</a:t>
+                <a:t>1%</a:t>
               </a:r>
             </a:p>
           </p:txBody>
@@ -7812,8 +7809,8 @@
           </p:nvSpPr>
           <p:spPr>
             <a:xfrm>
-              <a:off x="4754563" y="2899829"/>
-              <a:ext cx="409835" cy="109040"/>
+              <a:off x="4766171" y="2888203"/>
+              <a:ext cx="329449" cy="109040"/>
             </a:xfrm>
             <a:prstGeom prst="rect">
               <a:avLst/>
@@ -7845,7 +7842,7 @@
                   <a:latin typeface="Arial"/>
                   <a:cs typeface="Arial"/>
                 </a:rPr>
-                <a:t>11.1%</a:t>
+                <a:t>9.7%</a:t>
               </a:r>
             </a:p>
           </p:txBody>
@@ -7858,7 +7855,7 @@
           </p:nvSpPr>
           <p:spPr>
             <a:xfrm>
-              <a:off x="5279869" y="3524599"/>
+              <a:off x="5264776" y="3468524"/>
               <a:ext cx="409835" cy="109040"/>
             </a:xfrm>
             <a:prstGeom prst="rect">
@@ -7891,7 +7888,7 @@
                   <a:latin typeface="Arial"/>
                   <a:cs typeface="Arial"/>
                 </a:rPr>
-                <a:t>18.7%</a:t>
+                <a:t>19.2%</a:t>
               </a:r>
             </a:p>
           </p:txBody>
@@ -7904,7 +7901,7 @@
           </p:nvSpPr>
           <p:spPr>
             <a:xfrm>
-              <a:off x="4791463" y="4546303"/>
+              <a:off x="4772696" y="4555062"/>
               <a:ext cx="409835" cy="109040"/>
             </a:xfrm>
             <a:prstGeom prst="rect">
@@ -7937,7 +7934,7 @@
                   <a:latin typeface="Arial"/>
                   <a:cs typeface="Arial"/>
                 </a:rPr>
-                <a:t>24.4%</a:t>
+                <a:t>26.7%</a:t>
               </a:r>
             </a:p>
           </p:txBody>
@@ -7950,7 +7947,7 @@
           </p:nvSpPr>
           <p:spPr>
             <a:xfrm>
-              <a:off x="3506945" y="3588190"/>
+              <a:off x="3514649" y="3546461"/>
               <a:ext cx="409835" cy="109040"/>
             </a:xfrm>
             <a:prstGeom prst="rect">
@@ -7983,7 +7980,7 @@
                   <a:latin typeface="Arial"/>
                   <a:cs typeface="Arial"/>
                 </a:rPr>
-                <a:t>44.9%</a:t>
+                <a:t>43.4%</a:t>
               </a:r>
             </a:p>
           </p:txBody>
@@ -7996,8 +7993,8 @@
           </p:nvSpPr>
           <p:spPr>
             <a:xfrm>
-              <a:off x="4466431" y="2824244"/>
-              <a:ext cx="329449" cy="109040"/>
+              <a:off x="4532194" y="2824409"/>
+              <a:ext cx="208905" cy="109040"/>
             </a:xfrm>
             <a:prstGeom prst="rect">
               <a:avLst/>
@@ -8029,7 +8026,7 @@
                   <a:latin typeface="Arial"/>
                   <a:cs typeface="Arial"/>
                 </a:rPr>
-                <a:t>0.9%</a:t>
+                <a:t>1%</a:t>
               </a:r>
             </a:p>
           </p:txBody>
@@ -8042,8 +8039,8 @@
           </p:nvSpPr>
           <p:spPr>
             <a:xfrm>
-              <a:off x="4756806" y="2896472"/>
-              <a:ext cx="409835" cy="109040"/>
+              <a:off x="4768414" y="2884847"/>
+              <a:ext cx="329449" cy="109040"/>
             </a:xfrm>
             <a:prstGeom prst="rect">
               <a:avLst/>
@@ -8075,7 +8072,7 @@
                   <a:latin typeface="Arial"/>
                   <a:cs typeface="Arial"/>
                 </a:rPr>
-                <a:t>11.1%</a:t>
+                <a:t>9.7%</a:t>
               </a:r>
             </a:p>
           </p:txBody>
@@ -8088,7 +8085,7 @@
           </p:nvSpPr>
           <p:spPr>
             <a:xfrm>
-              <a:off x="5282111" y="3521242"/>
+              <a:off x="5267019" y="3465167"/>
               <a:ext cx="409835" cy="109040"/>
             </a:xfrm>
             <a:prstGeom prst="rect">
@@ -8121,7 +8118,7 @@
                   <a:latin typeface="Arial"/>
                   <a:cs typeface="Arial"/>
                 </a:rPr>
-                <a:t>18.7%</a:t>
+                <a:t>19.2%</a:t>
               </a:r>
             </a:p>
           </p:txBody>
@@ -8134,7 +8131,7 @@
           </p:nvSpPr>
           <p:spPr>
             <a:xfrm>
-              <a:off x="4793706" y="4542946"/>
+              <a:off x="4774939" y="4551706"/>
               <a:ext cx="409835" cy="109040"/>
             </a:xfrm>
             <a:prstGeom prst="rect">
@@ -8167,7 +8164,7 @@
                   <a:latin typeface="Arial"/>
                   <a:cs typeface="Arial"/>
                 </a:rPr>
-                <a:t>24.4%</a:t>
+                <a:t>26.7%</a:t>
               </a:r>
             </a:p>
           </p:txBody>
@@ -8180,7 +8177,7 @@
           </p:nvSpPr>
           <p:spPr>
             <a:xfrm>
-              <a:off x="3509188" y="3584834"/>
+              <a:off x="3516892" y="3543105"/>
               <a:ext cx="409835" cy="109040"/>
             </a:xfrm>
             <a:prstGeom prst="rect">
@@ -8213,7 +8210,7 @@
                   <a:latin typeface="Arial"/>
                   <a:cs typeface="Arial"/>
                 </a:rPr>
-                <a:t>44.9%</a:t>
+                <a:t>43.4%</a:t>
               </a:r>
             </a:p>
           </p:txBody>
@@ -8226,8 +8223,8 @@
           </p:nvSpPr>
           <p:spPr>
             <a:xfrm>
-              <a:off x="4467218" y="2820285"/>
-              <a:ext cx="329449" cy="109040"/>
+              <a:off x="4532981" y="2820449"/>
+              <a:ext cx="208905" cy="109040"/>
             </a:xfrm>
             <a:prstGeom prst="rect">
               <a:avLst/>
@@ -8259,7 +8256,7 @@
                   <a:latin typeface="Arial"/>
                   <a:cs typeface="Arial"/>
                 </a:rPr>
-                <a:t>0.9%</a:t>
+                <a:t>1%</a:t>
               </a:r>
             </a:p>
           </p:txBody>
@@ -8272,8 +8269,8 @@
           </p:nvSpPr>
           <p:spPr>
             <a:xfrm>
-              <a:off x="4757594" y="2892513"/>
-              <a:ext cx="409835" cy="109040"/>
+              <a:off x="4769202" y="2880887"/>
+              <a:ext cx="329449" cy="109040"/>
             </a:xfrm>
             <a:prstGeom prst="rect">
               <a:avLst/>
@@ -8305,7 +8302,7 @@
                   <a:latin typeface="Arial"/>
                   <a:cs typeface="Arial"/>
                 </a:rPr>
-                <a:t>11.1%</a:t>
+                <a:t>9.7%</a:t>
               </a:r>
             </a:p>
           </p:txBody>
@@ -8318,7 +8315,7 @@
           </p:nvSpPr>
           <p:spPr>
             <a:xfrm>
-              <a:off x="5282899" y="3517283"/>
+              <a:off x="5267806" y="3461208"/>
               <a:ext cx="409835" cy="109040"/>
             </a:xfrm>
             <a:prstGeom prst="rect">
@@ -8351,7 +8348,7 @@
                   <a:latin typeface="Arial"/>
                   <a:cs typeface="Arial"/>
                 </a:rPr>
-                <a:t>18.7%</a:t>
+                <a:t>19.2%</a:t>
               </a:r>
             </a:p>
           </p:txBody>
@@ -8364,7 +8361,7 @@
           </p:nvSpPr>
           <p:spPr>
             <a:xfrm>
-              <a:off x="4794494" y="4538987"/>
+              <a:off x="4775727" y="4547746"/>
               <a:ext cx="409835" cy="109040"/>
             </a:xfrm>
             <a:prstGeom prst="rect">
@@ -8397,7 +8394,7 @@
                   <a:latin typeface="Arial"/>
                   <a:cs typeface="Arial"/>
                 </a:rPr>
-                <a:t>24.4%</a:t>
+                <a:t>26.7%</a:t>
               </a:r>
             </a:p>
           </p:txBody>
@@ -8410,7 +8407,7 @@
           </p:nvSpPr>
           <p:spPr>
             <a:xfrm>
-              <a:off x="3509976" y="3580874"/>
+              <a:off x="3517680" y="3539145"/>
               <a:ext cx="409835" cy="109040"/>
             </a:xfrm>
             <a:prstGeom prst="rect">
@@ -8443,7 +8440,7 @@
                   <a:latin typeface="Arial"/>
                   <a:cs typeface="Arial"/>
                 </a:rPr>
-                <a:t>44.9%</a:t>
+                <a:t>43.4%</a:t>
               </a:r>
             </a:p>
           </p:txBody>
@@ -8456,8 +8453,8 @@
           </p:nvSpPr>
           <p:spPr>
             <a:xfrm>
-              <a:off x="4456872" y="2820285"/>
-              <a:ext cx="329449" cy="109040"/>
+              <a:off x="4522635" y="2820449"/>
+              <a:ext cx="208905" cy="109040"/>
             </a:xfrm>
             <a:prstGeom prst="rect">
               <a:avLst/>
@@ -8489,7 +8486,7 @@
                   <a:latin typeface="Arial"/>
                   <a:cs typeface="Arial"/>
                 </a:rPr>
-                <a:t>0.9%</a:t>
+                <a:t>1%</a:t>
               </a:r>
             </a:p>
           </p:txBody>
@@ -8502,8 +8499,8 @@
           </p:nvSpPr>
           <p:spPr>
             <a:xfrm>
-              <a:off x="4747247" y="2892513"/>
-              <a:ext cx="409835" cy="109040"/>
+              <a:off x="4758855" y="2880887"/>
+              <a:ext cx="329449" cy="109040"/>
             </a:xfrm>
             <a:prstGeom prst="rect">
               <a:avLst/>
@@ -8535,7 +8532,7 @@
                   <a:latin typeface="Arial"/>
                   <a:cs typeface="Arial"/>
                 </a:rPr>
-                <a:t>11.1%</a:t>
+                <a:t>9.7%</a:t>
               </a:r>
             </a:p>
           </p:txBody>
@@ -8548,7 +8545,7 @@
           </p:nvSpPr>
           <p:spPr>
             <a:xfrm>
-              <a:off x="5272553" y="3517283"/>
+              <a:off x="5257460" y="3461208"/>
               <a:ext cx="409835" cy="109040"/>
             </a:xfrm>
             <a:prstGeom prst="rect">
@@ -8581,7 +8578,7 @@
                   <a:latin typeface="Arial"/>
                   <a:cs typeface="Arial"/>
                 </a:rPr>
-                <a:t>18.7%</a:t>
+                <a:t>19.2%</a:t>
               </a:r>
             </a:p>
           </p:txBody>
@@ -8594,7 +8591,7 @@
           </p:nvSpPr>
           <p:spPr>
             <a:xfrm>
-              <a:off x="4784147" y="4538987"/>
+              <a:off x="4765380" y="4547746"/>
               <a:ext cx="409835" cy="109040"/>
             </a:xfrm>
             <a:prstGeom prst="rect">
@@ -8627,7 +8624,7 @@
                   <a:latin typeface="Arial"/>
                   <a:cs typeface="Arial"/>
                 </a:rPr>
-                <a:t>24.4%</a:t>
+                <a:t>26.7%</a:t>
               </a:r>
             </a:p>
           </p:txBody>
@@ -8640,7 +8637,7 @@
           </p:nvSpPr>
           <p:spPr>
             <a:xfrm>
-              <a:off x="3499629" y="3580874"/>
+              <a:off x="3507333" y="3539145"/>
               <a:ext cx="409835" cy="109040"/>
             </a:xfrm>
             <a:prstGeom prst="rect">
@@ -8673,7 +8670,7 @@
                   <a:latin typeface="Arial"/>
                   <a:cs typeface="Arial"/>
                 </a:rPr>
-                <a:t>44.9%</a:t>
+                <a:t>43.4%</a:t>
               </a:r>
             </a:p>
           </p:txBody>

--- a/_book/plot/pro-survey-q15-pie-1.pptx
+++ b/_book/plot/pro-survey-q15-pie-1.pptx
@@ -3192,8 +3192,8 @@
           </p:nvSpPr>
           <p:spPr>
             <a:xfrm>
-              <a:off x="2019661" y="1590617"/>
-              <a:ext cx="6917431" cy="4055309"/>
+              <a:off x="2017917" y="1590617"/>
+              <a:ext cx="6919174" cy="4059006"/>
             </a:xfrm>
             <a:prstGeom prst="rect">
               <a:avLst/>
@@ -3218,15 +3218,15 @@
           </p:nvSpPr>
           <p:spPr>
             <a:xfrm>
-              <a:off x="2799177" y="1590617"/>
-              <a:ext cx="0" cy="4055309"/>
+              <a:off x="2797630" y="1590617"/>
+              <a:ext cx="0" cy="4059006"/>
             </a:xfrm>
             <a:custGeom>
               <a:avLst/>
               <a:pathLst>
-                <a:path w="0" h="4055309">
+                <a:path w="0" h="4059006">
                   <a:moveTo>
-                    <a:pt x="0" y="4055309"/>
+                    <a:pt x="0" y="4059006"/>
                   </a:moveTo>
                   <a:lnTo>
                     <a:pt x="0" y="0"/>
@@ -3261,15 +3261,15 @@
           </p:nvSpPr>
           <p:spPr>
             <a:xfrm>
-              <a:off x="4358211" y="1590617"/>
-              <a:ext cx="0" cy="4055309"/>
+              <a:off x="4357057" y="1590617"/>
+              <a:ext cx="0" cy="4059006"/>
             </a:xfrm>
             <a:custGeom>
               <a:avLst/>
               <a:pathLst>
-                <a:path w="0" h="4055309">
+                <a:path w="0" h="4059006">
                   <a:moveTo>
-                    <a:pt x="0" y="4055309"/>
+                    <a:pt x="0" y="4059006"/>
                   </a:moveTo>
                   <a:lnTo>
                     <a:pt x="0" y="0"/>
@@ -3304,15 +3304,15 @@
           </p:nvSpPr>
           <p:spPr>
             <a:xfrm>
-              <a:off x="5917244" y="1590617"/>
-              <a:ext cx="0" cy="4055309"/>
+              <a:off x="5916483" y="1590617"/>
+              <a:ext cx="0" cy="4059006"/>
             </a:xfrm>
             <a:custGeom>
               <a:avLst/>
               <a:pathLst>
-                <a:path w="0" h="4055309">
+                <a:path w="0" h="4059006">
                   <a:moveTo>
-                    <a:pt x="0" y="4055309"/>
+                    <a:pt x="0" y="4059006"/>
                   </a:moveTo>
                   <a:lnTo>
                     <a:pt x="0" y="0"/>
@@ -3347,15 +3347,15 @@
           </p:nvSpPr>
           <p:spPr>
             <a:xfrm>
-              <a:off x="7476278" y="1590617"/>
-              <a:ext cx="0" cy="4055309"/>
+              <a:off x="7475909" y="1590617"/>
+              <a:ext cx="0" cy="4059006"/>
             </a:xfrm>
             <a:custGeom>
               <a:avLst/>
               <a:pathLst>
-                <a:path w="0" h="4055309">
+                <a:path w="0" h="4059006">
                   <a:moveTo>
-                    <a:pt x="0" y="4055309"/>
+                    <a:pt x="0" y="4059006"/>
                   </a:moveTo>
                   <a:lnTo>
                     <a:pt x="0" y="0"/>
@@ -3390,21 +3390,21 @@
           </p:nvSpPr>
           <p:spPr>
             <a:xfrm>
-              <a:off x="2019661" y="5178006"/>
-              <a:ext cx="6917431" cy="0"/>
+              <a:off x="2017917" y="5181276"/>
+              <a:ext cx="6919174" cy="0"/>
             </a:xfrm>
             <a:custGeom>
               <a:avLst/>
               <a:pathLst>
-                <a:path w="6917431" h="0">
+                <a:path w="6919174" h="0">
                   <a:moveTo>
                     <a:pt x="0" y="0"/>
                   </a:moveTo>
                   <a:lnTo>
-                    <a:pt x="6917431" y="0"/>
-                  </a:lnTo>
-                  <a:lnTo>
-                    <a:pt x="6917431" y="0"/>
+                    <a:pt x="6919174" y="0"/>
+                  </a:lnTo>
+                  <a:lnTo>
+                    <a:pt x="6919174" y="0"/>
                   </a:lnTo>
                 </a:path>
               </a:pathLst>
@@ -3433,21 +3433,21 @@
           </p:nvSpPr>
           <p:spPr>
             <a:xfrm>
-              <a:off x="2019661" y="4398139"/>
-              <a:ext cx="6917431" cy="0"/>
+              <a:off x="2017917" y="4400698"/>
+              <a:ext cx="6919174" cy="0"/>
             </a:xfrm>
             <a:custGeom>
               <a:avLst/>
               <a:pathLst>
-                <a:path w="6917431" h="0">
+                <a:path w="6919174" h="0">
                   <a:moveTo>
                     <a:pt x="0" y="0"/>
                   </a:moveTo>
                   <a:lnTo>
-                    <a:pt x="6917431" y="0"/>
-                  </a:lnTo>
-                  <a:lnTo>
-                    <a:pt x="6917431" y="0"/>
+                    <a:pt x="6919174" y="0"/>
+                  </a:lnTo>
+                  <a:lnTo>
+                    <a:pt x="6919174" y="0"/>
                   </a:lnTo>
                 </a:path>
               </a:pathLst>
@@ -3476,21 +3476,21 @@
           </p:nvSpPr>
           <p:spPr>
             <a:xfrm>
-              <a:off x="2019661" y="3618271"/>
-              <a:ext cx="6917431" cy="0"/>
+              <a:off x="2017917" y="3620120"/>
+              <a:ext cx="6919174" cy="0"/>
             </a:xfrm>
             <a:custGeom>
               <a:avLst/>
               <a:pathLst>
-                <a:path w="6917431" h="0">
+                <a:path w="6919174" h="0">
                   <a:moveTo>
                     <a:pt x="0" y="0"/>
                   </a:moveTo>
                   <a:lnTo>
-                    <a:pt x="6917431" y="0"/>
-                  </a:lnTo>
-                  <a:lnTo>
-                    <a:pt x="6917431" y="0"/>
+                    <a:pt x="6919174" y="0"/>
+                  </a:lnTo>
+                  <a:lnTo>
+                    <a:pt x="6919174" y="0"/>
                   </a:lnTo>
                 </a:path>
               </a:pathLst>
@@ -3519,21 +3519,21 @@
           </p:nvSpPr>
           <p:spPr>
             <a:xfrm>
-              <a:off x="2019661" y="2838404"/>
-              <a:ext cx="6917431" cy="0"/>
+              <a:off x="2017917" y="2839542"/>
+              <a:ext cx="6919174" cy="0"/>
             </a:xfrm>
             <a:custGeom>
               <a:avLst/>
               <a:pathLst>
-                <a:path w="6917431" h="0">
+                <a:path w="6919174" h="0">
                   <a:moveTo>
                     <a:pt x="0" y="0"/>
                   </a:moveTo>
                   <a:lnTo>
-                    <a:pt x="6917431" y="0"/>
-                  </a:lnTo>
-                  <a:lnTo>
-                    <a:pt x="6917431" y="0"/>
+                    <a:pt x="6919174" y="0"/>
+                  </a:lnTo>
+                  <a:lnTo>
+                    <a:pt x="6919174" y="0"/>
                   </a:lnTo>
                 </a:path>
               </a:pathLst>
@@ -3562,21 +3562,21 @@
           </p:nvSpPr>
           <p:spPr>
             <a:xfrm>
-              <a:off x="2019661" y="2058537"/>
-              <a:ext cx="6917431" cy="0"/>
+              <a:off x="2017917" y="2058964"/>
+              <a:ext cx="6919174" cy="0"/>
             </a:xfrm>
             <a:custGeom>
               <a:avLst/>
               <a:pathLst>
-                <a:path w="6917431" h="0">
+                <a:path w="6919174" h="0">
                   <a:moveTo>
                     <a:pt x="0" y="0"/>
                   </a:moveTo>
                   <a:lnTo>
-                    <a:pt x="6917431" y="0"/>
-                  </a:lnTo>
-                  <a:lnTo>
-                    <a:pt x="6917431" y="0"/>
+                    <a:pt x="6919174" y="0"/>
+                  </a:lnTo>
+                  <a:lnTo>
+                    <a:pt x="6919174" y="0"/>
                   </a:lnTo>
                 </a:path>
               </a:pathLst>
@@ -3605,15 +3605,15 @@
           </p:nvSpPr>
           <p:spPr>
             <a:xfrm>
-              <a:off x="2019661" y="1590617"/>
-              <a:ext cx="0" cy="4055309"/>
+              <a:off x="2017917" y="1590617"/>
+              <a:ext cx="0" cy="4059006"/>
             </a:xfrm>
             <a:custGeom>
               <a:avLst/>
               <a:pathLst>
-                <a:path w="0" h="4055309">
+                <a:path w="0" h="4059006">
                   <a:moveTo>
-                    <a:pt x="0" y="4055309"/>
+                    <a:pt x="0" y="4059006"/>
                   </a:moveTo>
                   <a:lnTo>
                     <a:pt x="0" y="0"/>
@@ -3648,15 +3648,15 @@
           </p:nvSpPr>
           <p:spPr>
             <a:xfrm>
-              <a:off x="3578694" y="1590617"/>
-              <a:ext cx="0" cy="4055309"/>
+              <a:off x="3577343" y="1590617"/>
+              <a:ext cx="0" cy="4059006"/>
             </a:xfrm>
             <a:custGeom>
               <a:avLst/>
               <a:pathLst>
-                <a:path w="0" h="4055309">
+                <a:path w="0" h="4059006">
                   <a:moveTo>
-                    <a:pt x="0" y="4055309"/>
+                    <a:pt x="0" y="4059006"/>
                   </a:moveTo>
                   <a:lnTo>
                     <a:pt x="0" y="0"/>
@@ -3691,15 +3691,15 @@
           </p:nvSpPr>
           <p:spPr>
             <a:xfrm>
-              <a:off x="5137727" y="1590617"/>
-              <a:ext cx="0" cy="4055309"/>
+              <a:off x="5136770" y="1590617"/>
+              <a:ext cx="0" cy="4059006"/>
             </a:xfrm>
             <a:custGeom>
               <a:avLst/>
               <a:pathLst>
-                <a:path w="0" h="4055309">
+                <a:path w="0" h="4059006">
                   <a:moveTo>
-                    <a:pt x="0" y="4055309"/>
+                    <a:pt x="0" y="4059006"/>
                   </a:moveTo>
                   <a:lnTo>
                     <a:pt x="0" y="0"/>
@@ -3734,15 +3734,15 @@
           </p:nvSpPr>
           <p:spPr>
             <a:xfrm>
-              <a:off x="6696761" y="1590617"/>
-              <a:ext cx="0" cy="4055309"/>
+              <a:off x="6696196" y="1590617"/>
+              <a:ext cx="0" cy="4059006"/>
             </a:xfrm>
             <a:custGeom>
               <a:avLst/>
               <a:pathLst>
-                <a:path w="0" h="4055309">
+                <a:path w="0" h="4059006">
                   <a:moveTo>
-                    <a:pt x="0" y="4055309"/>
+                    <a:pt x="0" y="4059006"/>
                   </a:moveTo>
                   <a:lnTo>
                     <a:pt x="0" y="0"/>
@@ -3777,15 +3777,15 @@
           </p:nvSpPr>
           <p:spPr>
             <a:xfrm>
-              <a:off x="8255794" y="1590617"/>
-              <a:ext cx="0" cy="4055309"/>
+              <a:off x="8255623" y="1590617"/>
+              <a:ext cx="0" cy="4059006"/>
             </a:xfrm>
             <a:custGeom>
               <a:avLst/>
               <a:pathLst>
-                <a:path w="0" h="4055309">
+                <a:path w="0" h="4059006">
                   <a:moveTo>
-                    <a:pt x="0" y="4055309"/>
+                    <a:pt x="0" y="4059006"/>
                   </a:moveTo>
                   <a:lnTo>
                     <a:pt x="0" y="0"/>
@@ -3820,8 +3820,8 @@
           </p:nvSpPr>
           <p:spPr>
             <a:xfrm>
-              <a:off x="2019661" y="1707597"/>
-              <a:ext cx="6781795" cy="701880"/>
+              <a:off x="2017917" y="1707703"/>
+              <a:ext cx="6783504" cy="702520"/>
             </a:xfrm>
             <a:prstGeom prst="rect">
               <a:avLst/>
@@ -3846,8 +3846,8 @@
           </p:nvSpPr>
           <p:spPr>
             <a:xfrm>
-              <a:off x="2019661" y="2487464"/>
-              <a:ext cx="4443245" cy="701880"/>
+              <a:off x="2017917" y="2488282"/>
+              <a:ext cx="4444365" cy="702520"/>
             </a:xfrm>
             <a:prstGeom prst="rect">
               <a:avLst/>
@@ -3872,8 +3872,8 @@
           </p:nvSpPr>
           <p:spPr>
             <a:xfrm>
-              <a:off x="2019661" y="3267331"/>
-              <a:ext cx="2962163" cy="701880"/>
+              <a:off x="2017917" y="3268860"/>
+              <a:ext cx="2962910" cy="702520"/>
             </a:xfrm>
             <a:prstGeom prst="rect">
               <a:avLst/>
@@ -3898,8 +3898,8 @@
           </p:nvSpPr>
           <p:spPr>
             <a:xfrm>
-              <a:off x="2019661" y="4047198"/>
-              <a:ext cx="1496672" cy="701880"/>
+              <a:off x="2017917" y="4049438"/>
+              <a:ext cx="1497049" cy="702520"/>
             </a:xfrm>
             <a:prstGeom prst="rect">
               <a:avLst/>
@@ -3924,8 +3924,8 @@
           </p:nvSpPr>
           <p:spPr>
             <a:xfrm>
-              <a:off x="2019661" y="4827066"/>
-              <a:ext cx="171493" cy="701880"/>
+              <a:off x="2017917" y="4830016"/>
+              <a:ext cx="171536" cy="702520"/>
             </a:xfrm>
             <a:prstGeom prst="rect">
               <a:avLst/>
@@ -3950,7 +3950,7 @@
           </p:nvSpPr>
           <p:spPr>
             <a:xfrm>
-              <a:off x="7773617" y="1995373"/>
+              <a:off x="7773541" y="1995800"/>
               <a:ext cx="99088" cy="95277"/>
             </a:xfrm>
             <a:custGeom>
@@ -4146,7 +4146,7 @@
           </p:nvSpPr>
           <p:spPr>
             <a:xfrm>
-              <a:off x="7881598" y="1993256"/>
+              <a:off x="7881522" y="1993682"/>
               <a:ext cx="30912" cy="97395"/>
             </a:xfrm>
             <a:custGeom>
@@ -4282,7 +4282,7 @@
           </p:nvSpPr>
           <p:spPr>
             <a:xfrm>
-              <a:off x="7906582" y="1993256"/>
+              <a:off x="7906506" y="1993682"/>
               <a:ext cx="74528" cy="97818"/>
             </a:xfrm>
             <a:custGeom>
@@ -4499,7 +4499,7 @@
           </p:nvSpPr>
           <p:spPr>
             <a:xfrm>
-              <a:off x="7992967" y="1997067"/>
+              <a:off x="7992891" y="1997494"/>
               <a:ext cx="27948" cy="94007"/>
             </a:xfrm>
             <a:custGeom>
@@ -4797,7 +4797,7 @@
           </p:nvSpPr>
           <p:spPr>
             <a:xfrm>
-              <a:off x="8025150" y="1997914"/>
+              <a:off x="8025074" y="1998340"/>
               <a:ext cx="13550" cy="19055"/>
             </a:xfrm>
             <a:custGeom>
@@ -4894,7 +4894,7 @@
           </p:nvSpPr>
           <p:spPr>
             <a:xfrm>
-              <a:off x="8021339" y="2030520"/>
+              <a:off x="8021263" y="2030947"/>
               <a:ext cx="66906" cy="59283"/>
             </a:xfrm>
             <a:custGeom>
@@ -5105,7 +5105,7 @@
           </p:nvSpPr>
           <p:spPr>
             <a:xfrm>
-              <a:off x="8038701" y="1993679"/>
+              <a:off x="8038625" y="1994106"/>
               <a:ext cx="47850" cy="82574"/>
             </a:xfrm>
             <a:custGeom>
@@ -5457,7 +5457,7 @@
           </p:nvSpPr>
           <p:spPr>
             <a:xfrm>
-              <a:off x="8057333" y="2029250"/>
+              <a:off x="8057257" y="2029676"/>
               <a:ext cx="20325" cy="8045"/>
             </a:xfrm>
             <a:custGeom>
@@ -5500,7 +5500,7 @@
           </p:nvSpPr>
           <p:spPr>
             <a:xfrm>
-              <a:off x="8057333" y="2044071"/>
+              <a:off x="8057257" y="2044497"/>
               <a:ext cx="20325" cy="7198"/>
             </a:xfrm>
             <a:custGeom>
@@ -5543,7 +5543,7 @@
           </p:nvSpPr>
           <p:spPr>
             <a:xfrm>
-              <a:off x="8096714" y="1993256"/>
+              <a:off x="8096638" y="1993682"/>
               <a:ext cx="44462" cy="97395"/>
             </a:xfrm>
             <a:custGeom>
@@ -5739,7 +5739,7 @@
           </p:nvSpPr>
           <p:spPr>
             <a:xfrm>
-              <a:off x="8128050" y="1998761"/>
+              <a:off x="8127974" y="1999187"/>
               <a:ext cx="69870" cy="91466"/>
             </a:xfrm>
             <a:custGeom>
@@ -6094,7 +6094,7 @@
           </p:nvSpPr>
           <p:spPr>
             <a:xfrm>
-              <a:off x="8208083" y="1998337"/>
+              <a:off x="8208008" y="1998764"/>
               <a:ext cx="39804" cy="89772"/>
             </a:xfrm>
             <a:custGeom>
@@ -6383,7 +6383,7 @@
           </p:nvSpPr>
           <p:spPr>
             <a:xfrm>
-              <a:off x="8249159" y="1993256"/>
+              <a:off x="8249083" y="1993682"/>
               <a:ext cx="55896" cy="96971"/>
             </a:xfrm>
             <a:custGeom>
@@ -6630,7 +6630,7 @@
           </p:nvSpPr>
           <p:spPr>
             <a:xfrm>
-              <a:off x="8253817" y="2030520"/>
+              <a:off x="8253741" y="2030947"/>
               <a:ext cx="21172" cy="32182"/>
             </a:xfrm>
             <a:custGeom>
@@ -6727,7 +6727,7 @@
           </p:nvSpPr>
           <p:spPr>
             <a:xfrm>
-              <a:off x="8321993" y="1999184"/>
+              <a:off x="8321918" y="1999611"/>
               <a:ext cx="30065" cy="59707"/>
             </a:xfrm>
             <a:custGeom>
@@ -6770,7 +6770,7 @@
           </p:nvSpPr>
           <p:spPr>
             <a:xfrm>
-              <a:off x="8330039" y="2006383"/>
+              <a:off x="8329963" y="2006810"/>
               <a:ext cx="13974" cy="19055"/>
             </a:xfrm>
             <a:custGeom>
@@ -6813,7 +6813,7 @@
           </p:nvSpPr>
           <p:spPr>
             <a:xfrm>
-              <a:off x="8330039" y="2032637"/>
+              <a:off x="8329963" y="2033064"/>
               <a:ext cx="13974" cy="19055"/>
             </a:xfrm>
             <a:custGeom>
@@ -6856,7 +6856,7 @@
           </p:nvSpPr>
           <p:spPr>
             <a:xfrm>
-              <a:off x="8355446" y="1997067"/>
+              <a:off x="8355371" y="1997494"/>
               <a:ext cx="54202" cy="33029"/>
             </a:xfrm>
             <a:custGeom>
@@ -7145,7 +7145,7 @@
           </p:nvSpPr>
           <p:spPr>
             <a:xfrm>
-              <a:off x="8361375" y="2033061"/>
+              <a:off x="8361299" y="2033487"/>
               <a:ext cx="45309" cy="29218"/>
             </a:xfrm>
             <a:custGeom>
@@ -7188,7 +7188,7 @@
           </p:nvSpPr>
           <p:spPr>
             <a:xfrm>
-              <a:off x="8369844" y="2040260"/>
+              <a:off x="8369768" y="2040686"/>
               <a:ext cx="28795" cy="14820"/>
             </a:xfrm>
             <a:custGeom>
@@ -7231,7 +7231,7 @@
           </p:nvSpPr>
           <p:spPr>
             <a:xfrm>
-              <a:off x="8316488" y="2068631"/>
+              <a:off x="8316413" y="2069058"/>
               <a:ext cx="19902" cy="22443"/>
             </a:xfrm>
             <a:custGeom>
@@ -7328,7 +7328,7 @@
           </p:nvSpPr>
           <p:spPr>
             <a:xfrm>
-              <a:off x="8370267" y="2069055"/>
+              <a:off x="8370192" y="2069481"/>
               <a:ext cx="16514" cy="21596"/>
             </a:xfrm>
             <a:custGeom>
@@ -7425,7 +7425,7 @@
           </p:nvSpPr>
           <p:spPr>
             <a:xfrm>
-              <a:off x="8394828" y="2069478"/>
+              <a:off x="8394752" y="2069905"/>
               <a:ext cx="19902" cy="21596"/>
             </a:xfrm>
             <a:custGeom>
@@ -7522,7 +7522,7 @@
           </p:nvSpPr>
           <p:spPr>
             <a:xfrm>
-              <a:off x="8346130" y="2070325"/>
+              <a:off x="8346055" y="2070752"/>
               <a:ext cx="15667" cy="20325"/>
             </a:xfrm>
             <a:custGeom>
@@ -7619,7 +7619,7 @@
           </p:nvSpPr>
           <p:spPr>
             <a:xfrm>
-              <a:off x="8432939" y="1993256"/>
+              <a:off x="8432863" y="1993682"/>
               <a:ext cx="18632" cy="22443"/>
             </a:xfrm>
             <a:custGeom>
@@ -7716,7 +7716,7 @@
           </p:nvSpPr>
           <p:spPr>
             <a:xfrm>
-              <a:off x="8424893" y="2024592"/>
+              <a:off x="8424818" y="2025018"/>
               <a:ext cx="32606" cy="60554"/>
             </a:xfrm>
             <a:custGeom>
@@ -7801,7 +7801,7 @@
           </p:nvSpPr>
           <p:spPr>
             <a:xfrm>
-              <a:off x="8461311" y="1993256"/>
+              <a:off x="8461235" y="1993682"/>
               <a:ext cx="61824" cy="97395"/>
             </a:xfrm>
             <a:custGeom>
@@ -8156,7 +8156,7 @@
           </p:nvSpPr>
           <p:spPr>
             <a:xfrm>
-              <a:off x="8503233" y="1993679"/>
+              <a:off x="8503157" y="1994106"/>
               <a:ext cx="14397" cy="15667"/>
             </a:xfrm>
             <a:custGeom>
@@ -8253,7 +8253,7 @@
           </p:nvSpPr>
           <p:spPr>
             <a:xfrm>
-              <a:off x="8457923" y="2035602"/>
+              <a:off x="8457847" y="2036028"/>
               <a:ext cx="35570" cy="48274"/>
             </a:xfrm>
             <a:custGeom>
@@ -8401,7 +8401,7 @@
           </p:nvSpPr>
           <p:spPr>
             <a:xfrm>
-              <a:off x="8535839" y="1996644"/>
+              <a:off x="8535763" y="1997070"/>
               <a:ext cx="36417" cy="93584"/>
             </a:xfrm>
             <a:custGeom>
@@ -8621,7 +8621,7 @@
           </p:nvSpPr>
           <p:spPr>
             <a:xfrm>
-              <a:off x="8534569" y="2056774"/>
+              <a:off x="8534493" y="2057201"/>
               <a:ext cx="22019" cy="18632"/>
             </a:xfrm>
             <a:custGeom>
@@ -8718,7 +8718,7 @@
           </p:nvSpPr>
           <p:spPr>
             <a:xfrm>
-              <a:off x="8570139" y="1994526"/>
+              <a:off x="8570063" y="1994953"/>
               <a:ext cx="60130" cy="41922"/>
             </a:xfrm>
             <a:custGeom>
@@ -8917,7 +8917,7 @@
           </p:nvSpPr>
           <p:spPr>
             <a:xfrm>
-              <a:off x="8583690" y="2008500"/>
+              <a:off x="8583614" y="2008927"/>
               <a:ext cx="33453" cy="20325"/>
             </a:xfrm>
             <a:custGeom>
@@ -9011,7 +9011,7 @@
           </p:nvSpPr>
           <p:spPr>
             <a:xfrm>
-              <a:off x="8573950" y="2041530"/>
+              <a:off x="8573874" y="2041957"/>
               <a:ext cx="54202" cy="45309"/>
             </a:xfrm>
             <a:custGeom>
@@ -9120,7 +9120,7 @@
           </p:nvSpPr>
           <p:spPr>
             <a:xfrm>
-              <a:off x="8591736" y="2042800"/>
+              <a:off x="8591660" y="2043227"/>
               <a:ext cx="12703" cy="26254"/>
             </a:xfrm>
             <a:custGeom>
@@ -9217,7 +9217,7 @@
           </p:nvSpPr>
           <p:spPr>
             <a:xfrm>
-              <a:off x="8575644" y="2045341"/>
+              <a:off x="8575568" y="2045768"/>
               <a:ext cx="13974" cy="29218"/>
             </a:xfrm>
             <a:custGeom>
@@ -9314,7 +9314,7 @@
           </p:nvSpPr>
           <p:spPr>
             <a:xfrm>
-              <a:off x="5108052" y="2773123"/>
+              <a:off x="5107386" y="2774261"/>
               <a:ext cx="99935" cy="80456"/>
             </a:xfrm>
             <a:custGeom>
@@ -9537,7 +9537,7 @@
           </p:nvSpPr>
           <p:spPr>
             <a:xfrm>
-              <a:off x="5137694" y="2787944"/>
+              <a:off x="5137028" y="2789082"/>
               <a:ext cx="40228" cy="6351"/>
             </a:xfrm>
             <a:custGeom>
@@ -9580,7 +9580,7 @@
           </p:nvSpPr>
           <p:spPr>
             <a:xfrm>
-              <a:off x="5137694" y="2801495"/>
+              <a:off x="5137028" y="2802632"/>
               <a:ext cx="40228" cy="7198"/>
             </a:xfrm>
             <a:custGeom>
@@ -9623,7 +9623,7 @@
           </p:nvSpPr>
           <p:spPr>
             <a:xfrm>
-              <a:off x="5137694" y="2815892"/>
+              <a:off x="5137028" y="2817030"/>
               <a:ext cx="40228" cy="7622"/>
             </a:xfrm>
             <a:custGeom>
@@ -9666,7 +9666,7 @@
           </p:nvSpPr>
           <p:spPr>
             <a:xfrm>
-              <a:off x="5117791" y="2834101"/>
+              <a:off x="5117126" y="2835238"/>
               <a:ext cx="81303" cy="33453"/>
             </a:xfrm>
             <a:custGeom>
@@ -9745,7 +9745,7 @@
           </p:nvSpPr>
           <p:spPr>
             <a:xfrm>
-              <a:off x="5218997" y="2779475"/>
+              <a:off x="5218332" y="2780612"/>
               <a:ext cx="94854" cy="91043"/>
             </a:xfrm>
             <a:custGeom>
@@ -10004,7 +10004,7 @@
           </p:nvSpPr>
           <p:spPr>
             <a:xfrm>
-              <a:off x="5332060" y="2772276"/>
+              <a:off x="5331395" y="2773414"/>
               <a:ext cx="79186" cy="51238"/>
             </a:xfrm>
             <a:custGeom>
@@ -10305,7 +10305,7 @@
           </p:nvSpPr>
           <p:spPr>
             <a:xfrm>
-              <a:off x="5327402" y="2815045"/>
+              <a:off x="5326737" y="2816183"/>
               <a:ext cx="87655" cy="55896"/>
             </a:xfrm>
             <a:custGeom>
@@ -10597,7 +10597,7 @@
           </p:nvSpPr>
           <p:spPr>
             <a:xfrm>
-              <a:off x="5470954" y="2776511"/>
+              <a:off x="5470289" y="2777648"/>
               <a:ext cx="58860" cy="71564"/>
             </a:xfrm>
             <a:custGeom>
@@ -10730,7 +10730,7 @@
           </p:nvSpPr>
           <p:spPr>
             <a:xfrm>
-              <a:off x="5465026" y="2809117"/>
+              <a:off x="5464361" y="2810254"/>
               <a:ext cx="39804" cy="61401"/>
             </a:xfrm>
             <a:custGeom>
@@ -10947,7 +10947,7 @@
           </p:nvSpPr>
           <p:spPr>
             <a:xfrm>
-              <a:off x="5501867" y="2846805"/>
+              <a:off x="5501201" y="2847942"/>
               <a:ext cx="30065" cy="23713"/>
             </a:xfrm>
             <a:custGeom>
@@ -11044,7 +11044,7 @@
           </p:nvSpPr>
           <p:spPr>
             <a:xfrm>
-              <a:off x="5434537" y="2782439"/>
+              <a:off x="5433872" y="2783577"/>
               <a:ext cx="33453" cy="74951"/>
             </a:xfrm>
             <a:custGeom>
@@ -11165,7 +11165,7 @@
           </p:nvSpPr>
           <p:spPr>
             <a:xfrm>
-              <a:off x="5547971" y="2783392"/>
+              <a:off x="5547305" y="2784529"/>
               <a:ext cx="52138" cy="77386"/>
             </a:xfrm>
             <a:custGeom>
@@ -11400,7 +11400,7 @@
           </p:nvSpPr>
           <p:spPr>
             <a:xfrm>
-              <a:off x="5557816" y="2791808"/>
+              <a:off x="5557151" y="2792946"/>
               <a:ext cx="26360" cy="28636"/>
             </a:xfrm>
             <a:custGeom>
@@ -11680,7 +11680,7 @@
           </p:nvSpPr>
           <p:spPr>
             <a:xfrm>
-              <a:off x="5607996" y="2782280"/>
+              <a:off x="5607330" y="2783418"/>
               <a:ext cx="55631" cy="79556"/>
             </a:xfrm>
             <a:custGeom>
@@ -12497,7 +12497,7 @@
           </p:nvSpPr>
           <p:spPr>
             <a:xfrm>
-              <a:off x="5667809" y="2783392"/>
+              <a:off x="5667144" y="2784529"/>
               <a:ext cx="54096" cy="77386"/>
             </a:xfrm>
             <a:custGeom>
@@ -12552,7 +12552,7 @@
           </p:nvSpPr>
           <p:spPr>
             <a:xfrm>
-              <a:off x="5768327" y="2773546"/>
+              <a:off x="5767662" y="2774684"/>
               <a:ext cx="54625" cy="96971"/>
             </a:xfrm>
             <a:custGeom>
@@ -12868,7 +12868,7 @@
           </p:nvSpPr>
           <p:spPr>
             <a:xfrm>
-              <a:off x="5782301" y="2815469"/>
+              <a:off x="5781636" y="2816606"/>
               <a:ext cx="18632" cy="24560"/>
             </a:xfrm>
             <a:custGeom>
@@ -12965,7 +12965,7 @@
           </p:nvSpPr>
           <p:spPr>
             <a:xfrm>
-              <a:off x="5731910" y="2773123"/>
+              <a:off x="5731245" y="2774261"/>
               <a:ext cx="34723" cy="93584"/>
             </a:xfrm>
             <a:custGeom>
@@ -13086,7 +13086,7 @@
           </p:nvSpPr>
           <p:spPr>
             <a:xfrm>
-              <a:off x="5739532" y="2795143"/>
+              <a:off x="5738867" y="2796280"/>
               <a:ext cx="19479" cy="24560"/>
             </a:xfrm>
             <a:custGeom>
@@ -13129,7 +13129,7 @@
           </p:nvSpPr>
           <p:spPr>
             <a:xfrm>
-              <a:off x="5739532" y="2827749"/>
+              <a:off x="5738867" y="2828887"/>
               <a:ext cx="19479" cy="24560"/>
             </a:xfrm>
             <a:custGeom>
@@ -13172,7 +13172,7 @@
           </p:nvSpPr>
           <p:spPr>
             <a:xfrm>
-              <a:off x="5840632" y="2801601"/>
+              <a:off x="5839967" y="2802738"/>
               <a:ext cx="79239" cy="59178"/>
             </a:xfrm>
             <a:custGeom>
@@ -13962,7 +13962,7 @@
           </p:nvSpPr>
           <p:spPr>
             <a:xfrm>
-              <a:off x="5934534" y="2801601"/>
+              <a:off x="5933869" y="2802738"/>
               <a:ext cx="46580" cy="60236"/>
             </a:xfrm>
             <a:custGeom>
@@ -14662,7 +14662,7 @@
           </p:nvSpPr>
           <p:spPr>
             <a:xfrm>
-              <a:off x="5944697" y="2809593"/>
+              <a:off x="5944032" y="2810731"/>
               <a:ext cx="26042" cy="16144"/>
             </a:xfrm>
             <a:custGeom>
@@ -14876,7 +14876,7 @@
           </p:nvSpPr>
           <p:spPr>
             <a:xfrm>
-              <a:off x="5988313" y="2789320"/>
+              <a:off x="5987648" y="2790458"/>
               <a:ext cx="32923" cy="72517"/>
             </a:xfrm>
             <a:custGeom>
@@ -15354,7 +15354,7 @@
           </p:nvSpPr>
           <p:spPr>
             <a:xfrm>
-              <a:off x="6028277" y="2801601"/>
+              <a:off x="6027611" y="2802738"/>
               <a:ext cx="43933" cy="60236"/>
             </a:xfrm>
             <a:custGeom>
@@ -16066,7 +16066,7 @@
           </p:nvSpPr>
           <p:spPr>
             <a:xfrm>
-              <a:off x="6038281" y="2832354"/>
+              <a:off x="6037616" y="2833492"/>
               <a:ext cx="24348" cy="21702"/>
             </a:xfrm>
             <a:custGeom>
@@ -16403,7 +16403,7 @@
           </p:nvSpPr>
           <p:spPr>
             <a:xfrm>
-              <a:off x="6144357" y="2773546"/>
+              <a:off x="6143692" y="2774684"/>
               <a:ext cx="39804" cy="46580"/>
             </a:xfrm>
             <a:custGeom>
@@ -16500,7 +16500,7 @@
           </p:nvSpPr>
           <p:spPr>
             <a:xfrm>
-              <a:off x="6086767" y="2773970"/>
+              <a:off x="6086101" y="2775108"/>
               <a:ext cx="39381" cy="47003"/>
             </a:xfrm>
             <a:custGeom>
@@ -16597,7 +16597,7 @@
           </p:nvSpPr>
           <p:spPr>
             <a:xfrm>
-              <a:off x="6089308" y="2815045"/>
+              <a:off x="6088642" y="2816183"/>
               <a:ext cx="77069" cy="55472"/>
             </a:xfrm>
             <a:custGeom>
@@ -16946,7 +16946,7 @@
           </p:nvSpPr>
           <p:spPr>
             <a:xfrm>
-              <a:off x="6191784" y="2773123"/>
+              <a:off x="6191119" y="2774261"/>
               <a:ext cx="44462" cy="97395"/>
             </a:xfrm>
             <a:custGeom>
@@ -17142,7 +17142,7 @@
           </p:nvSpPr>
           <p:spPr>
             <a:xfrm>
-              <a:off x="6231166" y="2775240"/>
+              <a:off x="6230500" y="2776378"/>
               <a:ext cx="60977" cy="94854"/>
             </a:xfrm>
             <a:custGeom>
@@ -17386,7 +17386,7 @@
           </p:nvSpPr>
           <p:spPr>
             <a:xfrm>
-              <a:off x="5151740" y="3570024"/>
+              <a:off x="5150784" y="3571872"/>
               <a:ext cx="99088" cy="95277"/>
             </a:xfrm>
             <a:custGeom>
@@ -17582,7 +17582,7 @@
           </p:nvSpPr>
           <p:spPr>
             <a:xfrm>
-              <a:off x="5259721" y="3567906"/>
+              <a:off x="5258766" y="3569755"/>
               <a:ext cx="30912" cy="97395"/>
             </a:xfrm>
             <a:custGeom>
@@ -17718,7 +17718,7 @@
           </p:nvSpPr>
           <p:spPr>
             <a:xfrm>
-              <a:off x="5284705" y="3567906"/>
+              <a:off x="5283750" y="3569755"/>
               <a:ext cx="74528" cy="97818"/>
             </a:xfrm>
             <a:custGeom>
@@ -17935,7 +17935,7 @@
           </p:nvSpPr>
           <p:spPr>
             <a:xfrm>
-              <a:off x="5377442" y="3567906"/>
+              <a:off x="5376487" y="3569755"/>
               <a:ext cx="18632" cy="22443"/>
             </a:xfrm>
             <a:custGeom>
@@ -18032,7 +18032,7 @@
           </p:nvSpPr>
           <p:spPr>
             <a:xfrm>
-              <a:off x="5369397" y="3599242"/>
+              <a:off x="5368441" y="3601091"/>
               <a:ext cx="32606" cy="60554"/>
             </a:xfrm>
             <a:custGeom>
@@ -18117,7 +18117,7 @@
           </p:nvSpPr>
           <p:spPr>
             <a:xfrm>
-              <a:off x="5405814" y="3567906"/>
+              <a:off x="5404859" y="3569755"/>
               <a:ext cx="61824" cy="97395"/>
             </a:xfrm>
             <a:custGeom>
@@ -18472,7 +18472,7 @@
           </p:nvSpPr>
           <p:spPr>
             <a:xfrm>
-              <a:off x="5447736" y="3568330"/>
+              <a:off x="5446781" y="3570179"/>
               <a:ext cx="14397" cy="15667"/>
             </a:xfrm>
             <a:custGeom>
@@ -18569,7 +18569,7 @@
           </p:nvSpPr>
           <p:spPr>
             <a:xfrm>
-              <a:off x="5402426" y="3610252"/>
+              <a:off x="5401471" y="3612101"/>
               <a:ext cx="35570" cy="48274"/>
             </a:xfrm>
             <a:custGeom>
@@ -18717,7 +18717,7 @@
           </p:nvSpPr>
           <p:spPr>
             <a:xfrm>
-              <a:off x="5511678" y="3567483"/>
+              <a:off x="5510723" y="3569332"/>
               <a:ext cx="63095" cy="41498"/>
             </a:xfrm>
             <a:custGeom>
@@ -18856,7 +18856,7 @@
           </p:nvSpPr>
           <p:spPr>
             <a:xfrm>
-              <a:off x="5518877" y="3603053"/>
+              <a:off x="5517922" y="3604902"/>
               <a:ext cx="57166" cy="60130"/>
             </a:xfrm>
             <a:custGeom>
@@ -19214,7 +19214,7 @@
           </p:nvSpPr>
           <p:spPr>
             <a:xfrm>
-              <a:off x="5480766" y="3577223"/>
+              <a:off x="5479811" y="3579071"/>
               <a:ext cx="30488" cy="70717"/>
             </a:xfrm>
             <a:custGeom>
@@ -19269,7 +19269,7 @@
           </p:nvSpPr>
           <p:spPr>
             <a:xfrm>
-              <a:off x="5488812" y="3585268"/>
+              <a:off x="5487856" y="3587117"/>
               <a:ext cx="14397" cy="44039"/>
             </a:xfrm>
             <a:custGeom>
@@ -19312,7 +19312,7 @@
           </p:nvSpPr>
           <p:spPr>
             <a:xfrm>
-              <a:off x="5588747" y="3567060"/>
+              <a:off x="5587792" y="3568908"/>
               <a:ext cx="92313" cy="29641"/>
             </a:xfrm>
             <a:custGeom>
@@ -19433,7 +19433,7 @@
           </p:nvSpPr>
           <p:spPr>
             <a:xfrm>
-              <a:off x="5587900" y="3590350"/>
+              <a:off x="5586945" y="3592198"/>
               <a:ext cx="93584" cy="74951"/>
             </a:xfrm>
             <a:custGeom>
@@ -19668,7 +19668,7 @@
           </p:nvSpPr>
           <p:spPr>
             <a:xfrm>
-              <a:off x="5606956" y="3594161"/>
+              <a:off x="5606001" y="3596009"/>
               <a:ext cx="27101" cy="19055"/>
             </a:xfrm>
             <a:custGeom>
@@ -19765,7 +19765,7 @@
           </p:nvSpPr>
           <p:spPr>
             <a:xfrm>
-              <a:off x="5596793" y="3608558"/>
+              <a:off x="5595838" y="3610407"/>
               <a:ext cx="26677" cy="19055"/>
             </a:xfrm>
             <a:custGeom>
@@ -19862,7 +19862,7 @@
           </p:nvSpPr>
           <p:spPr>
             <a:xfrm>
-              <a:off x="5648878" y="3641588"/>
+              <a:off x="5647923" y="3643437"/>
               <a:ext cx="33876" cy="22866"/>
             </a:xfrm>
             <a:custGeom>
@@ -19932,7 +19932,7 @@
           </p:nvSpPr>
           <p:spPr>
             <a:xfrm>
-              <a:off x="5697152" y="3571294"/>
+              <a:off x="5696197" y="3573143"/>
               <a:ext cx="36417" cy="93584"/>
             </a:xfrm>
             <a:custGeom>
@@ -20152,7 +20152,7 @@
           </p:nvSpPr>
           <p:spPr>
             <a:xfrm>
-              <a:off x="5695882" y="3631425"/>
+              <a:off x="5694927" y="3633274"/>
               <a:ext cx="22019" cy="18632"/>
             </a:xfrm>
             <a:custGeom>
@@ -20249,7 +20249,7 @@
           </p:nvSpPr>
           <p:spPr>
             <a:xfrm>
-              <a:off x="5731452" y="3569177"/>
+              <a:off x="5730497" y="3571025"/>
               <a:ext cx="60130" cy="41922"/>
             </a:xfrm>
             <a:custGeom>
@@ -20448,7 +20448,7 @@
           </p:nvSpPr>
           <p:spPr>
             <a:xfrm>
-              <a:off x="5745003" y="3583151"/>
+              <a:off x="5744048" y="3585000"/>
               <a:ext cx="33453" cy="20325"/>
             </a:xfrm>
             <a:custGeom>
@@ -20542,7 +20542,7 @@
           </p:nvSpPr>
           <p:spPr>
             <a:xfrm>
-              <a:off x="5735264" y="3616181"/>
+              <a:off x="5734308" y="3618029"/>
               <a:ext cx="54202" cy="45309"/>
             </a:xfrm>
             <a:custGeom>
@@ -20651,7 +20651,7 @@
           </p:nvSpPr>
           <p:spPr>
             <a:xfrm>
-              <a:off x="5753049" y="3617451"/>
+              <a:off x="5752093" y="3619300"/>
               <a:ext cx="12703" cy="26254"/>
             </a:xfrm>
             <a:custGeom>
@@ -20748,7 +20748,7 @@
           </p:nvSpPr>
           <p:spPr>
             <a:xfrm>
-              <a:off x="5736957" y="3619992"/>
+              <a:off x="5736002" y="3621840"/>
               <a:ext cx="13974" cy="29218"/>
             </a:xfrm>
             <a:custGeom>
@@ -20845,7 +20845,7 @@
           </p:nvSpPr>
           <p:spPr>
             <a:xfrm>
-              <a:off x="5798570" y="3578175"/>
+              <a:off x="5797615" y="3580024"/>
               <a:ext cx="38269" cy="77386"/>
             </a:xfrm>
             <a:custGeom>
@@ -20888,7 +20888,7 @@
           </p:nvSpPr>
           <p:spPr>
             <a:xfrm>
-              <a:off x="5843457" y="3572988"/>
+              <a:off x="5842502" y="3574837"/>
               <a:ext cx="39804" cy="89772"/>
             </a:xfrm>
             <a:custGeom>
@@ -21177,7 +21177,7 @@
           </p:nvSpPr>
           <p:spPr>
             <a:xfrm>
-              <a:off x="5890037" y="3571718"/>
+              <a:off x="5889082" y="3573566"/>
               <a:ext cx="44039" cy="58860"/>
             </a:xfrm>
             <a:custGeom>
@@ -21232,7 +21232,7 @@
           </p:nvSpPr>
           <p:spPr>
             <a:xfrm>
-              <a:off x="5886226" y="3588656"/>
+              <a:off x="5885271" y="3590504"/>
               <a:ext cx="28371" cy="77069"/>
             </a:xfrm>
             <a:custGeom>
@@ -21449,7 +21449,7 @@
           </p:nvSpPr>
           <p:spPr>
             <a:xfrm>
-              <a:off x="5915021" y="3629308"/>
+              <a:off x="5914066" y="3631156"/>
               <a:ext cx="26254" cy="34723"/>
             </a:xfrm>
             <a:custGeom>
@@ -21732,7 +21732,7 @@
           </p:nvSpPr>
           <p:spPr>
             <a:xfrm>
-              <a:off x="5954826" y="3567060"/>
+              <a:off x="5953871" y="3568908"/>
               <a:ext cx="91466" cy="26254"/>
             </a:xfrm>
             <a:custGeom>
@@ -21853,7 +21853,7 @@
           </p:nvSpPr>
           <p:spPr>
             <a:xfrm>
-              <a:off x="5999712" y="3585268"/>
+              <a:off x="5998757" y="3587117"/>
               <a:ext cx="49121" cy="43616"/>
             </a:xfrm>
             <a:custGeom>
@@ -21989,7 +21989,7 @@
           </p:nvSpPr>
           <p:spPr>
             <a:xfrm>
-              <a:off x="6014110" y="3597548"/>
+              <a:off x="6013155" y="3599397"/>
               <a:ext cx="13127" cy="7622"/>
             </a:xfrm>
             <a:custGeom>
@@ -22083,7 +22083,7 @@
           </p:nvSpPr>
           <p:spPr>
             <a:xfrm>
-              <a:off x="5951015" y="3585268"/>
+              <a:off x="5950060" y="3587117"/>
               <a:ext cx="47427" cy="46156"/>
             </a:xfrm>
             <a:custGeom>
@@ -22441,7 +22441,7 @@
           </p:nvSpPr>
           <p:spPr>
             <a:xfrm>
-              <a:off x="5984045" y="3615757"/>
+              <a:off x="5983089" y="3617606"/>
               <a:ext cx="33876" cy="7198"/>
             </a:xfrm>
             <a:custGeom>
@@ -22484,7 +22484,7 @@
           </p:nvSpPr>
           <p:spPr>
             <a:xfrm>
-              <a:off x="5961178" y="3631002"/>
+              <a:off x="5960223" y="3632850"/>
               <a:ext cx="80456" cy="33876"/>
             </a:xfrm>
             <a:custGeom>
@@ -22689,7 +22689,7 @@
           </p:nvSpPr>
           <p:spPr>
             <a:xfrm>
-              <a:off x="5954403" y="3641588"/>
+              <a:off x="5953447" y="3643437"/>
               <a:ext cx="32182" cy="20749"/>
             </a:xfrm>
             <a:custGeom>
@@ -22786,7 +22786,7 @@
           </p:nvSpPr>
           <p:spPr>
             <a:xfrm>
-              <a:off x="6011993" y="3642011"/>
+              <a:off x="6011037" y="3643860"/>
               <a:ext cx="32182" cy="21172"/>
             </a:xfrm>
             <a:custGeom>
@@ -22883,7 +22883,7 @@
           </p:nvSpPr>
           <p:spPr>
             <a:xfrm>
-              <a:off x="6074241" y="3567906"/>
+              <a:off x="6073286" y="3569755"/>
               <a:ext cx="19479" cy="97395"/>
             </a:xfrm>
             <a:custGeom>
@@ -22992,7 +22992,7 @@
           </p:nvSpPr>
           <p:spPr>
             <a:xfrm>
-              <a:off x="6059420" y="3589079"/>
+              <a:off x="6058465" y="3590928"/>
               <a:ext cx="11009" cy="31759"/>
             </a:xfrm>
             <a:custGeom>
@@ -23089,7 +23089,7 @@
           </p:nvSpPr>
           <p:spPr>
             <a:xfrm>
-              <a:off x="6090332" y="3568330"/>
+              <a:off x="6089377" y="3570179"/>
               <a:ext cx="67753" cy="93160"/>
             </a:xfrm>
             <a:custGeom>
@@ -23285,7 +23285,7 @@
           </p:nvSpPr>
           <p:spPr>
             <a:xfrm>
-              <a:off x="6167401" y="3574682"/>
+              <a:off x="6166446" y="3576530"/>
               <a:ext cx="41498" cy="87232"/>
             </a:xfrm>
             <a:custGeom>
@@ -23448,7 +23448,7 @@
           </p:nvSpPr>
           <p:spPr>
             <a:xfrm>
-              <a:off x="6186880" y="3615757"/>
+              <a:off x="6185925" y="3617606"/>
               <a:ext cx="9739" cy="28795"/>
             </a:xfrm>
             <a:custGeom>
@@ -23491,7 +23491,7 @@
           </p:nvSpPr>
           <p:spPr>
             <a:xfrm>
-              <a:off x="6204666" y="3572141"/>
+              <a:off x="6203710" y="3573990"/>
               <a:ext cx="61824" cy="93160"/>
             </a:xfrm>
             <a:custGeom>
@@ -23636,7 +23636,7 @@
           </p:nvSpPr>
           <p:spPr>
             <a:xfrm>
-              <a:off x="6230497" y="3580187"/>
+              <a:off x="6229541" y="3582035"/>
               <a:ext cx="13974" cy="32182"/>
             </a:xfrm>
             <a:custGeom>
@@ -23679,7 +23679,7 @@
           </p:nvSpPr>
           <p:spPr>
             <a:xfrm>
-              <a:off x="6279618" y="3566636"/>
+              <a:off x="6278662" y="3568485"/>
               <a:ext cx="92737" cy="28795"/>
             </a:xfrm>
             <a:custGeom>
@@ -23800,7 +23800,7 @@
           </p:nvSpPr>
           <p:spPr>
             <a:xfrm>
-              <a:off x="6334243" y="3587386"/>
+              <a:off x="6333288" y="3589234"/>
               <a:ext cx="35146" cy="23713"/>
             </a:xfrm>
             <a:custGeom>
@@ -23897,7 +23897,7 @@
           </p:nvSpPr>
           <p:spPr>
             <a:xfrm>
-              <a:off x="6283005" y="3587386"/>
+              <a:off x="6282050" y="3589234"/>
               <a:ext cx="37264" cy="21596"/>
             </a:xfrm>
             <a:custGeom>
@@ -23994,7 +23994,7 @@
           </p:nvSpPr>
           <p:spPr>
             <a:xfrm>
-              <a:off x="6278347" y="3603053"/>
+              <a:off x="6277392" y="3604902"/>
               <a:ext cx="97395" cy="62671"/>
             </a:xfrm>
             <a:custGeom>
@@ -24445,7 +24445,7 @@
           </p:nvSpPr>
           <p:spPr>
             <a:xfrm>
-              <a:off x="3726477" y="4347774"/>
+              <a:off x="3725152" y="4350333"/>
               <a:ext cx="55472" cy="97395"/>
             </a:xfrm>
             <a:custGeom>
@@ -24746,7 +24746,7 @@
           </p:nvSpPr>
           <p:spPr>
             <a:xfrm>
-              <a:off x="3691330" y="4355396"/>
+              <a:off x="3690005" y="4357955"/>
               <a:ext cx="35993" cy="7622"/>
             </a:xfrm>
             <a:custGeom>
@@ -24789,7 +24789,7 @@
           </p:nvSpPr>
           <p:spPr>
             <a:xfrm>
-              <a:off x="3687095" y="4379956"/>
+              <a:off x="3685771" y="4382516"/>
               <a:ext cx="47427" cy="52085"/>
             </a:xfrm>
             <a:custGeom>
@@ -25054,7 +25054,7 @@
           </p:nvSpPr>
           <p:spPr>
             <a:xfrm>
-              <a:off x="3828530" y="4347774"/>
+              <a:off x="3827205" y="4350333"/>
               <a:ext cx="63095" cy="96124"/>
             </a:xfrm>
             <a:custGeom>
@@ -25502,7 +25502,7 @@
           </p:nvSpPr>
           <p:spPr>
             <a:xfrm>
-              <a:off x="3793806" y="4347774"/>
+              <a:off x="3792482" y="4350333"/>
               <a:ext cx="37264" cy="97395"/>
             </a:xfrm>
             <a:custGeom>
@@ -25794,7 +25794,7 @@
           </p:nvSpPr>
           <p:spPr>
             <a:xfrm>
-              <a:off x="3906446" y="4346927"/>
+              <a:off x="3905121" y="4349486"/>
               <a:ext cx="92313" cy="29641"/>
             </a:xfrm>
             <a:custGeom>
@@ -25915,7 +25915,7 @@
           </p:nvSpPr>
           <p:spPr>
             <a:xfrm>
-              <a:off x="3905599" y="4370217"/>
+              <a:off x="3904274" y="4372776"/>
               <a:ext cx="93584" cy="74951"/>
             </a:xfrm>
             <a:custGeom>
@@ -26150,7 +26150,7 @@
           </p:nvSpPr>
           <p:spPr>
             <a:xfrm>
-              <a:off x="3924655" y="4374028"/>
+              <a:off x="3923330" y="4376588"/>
               <a:ext cx="27101" cy="19055"/>
             </a:xfrm>
             <a:custGeom>
@@ -26247,7 +26247,7 @@
           </p:nvSpPr>
           <p:spPr>
             <a:xfrm>
-              <a:off x="3914492" y="4388426"/>
+              <a:off x="3913167" y="4390985"/>
               <a:ext cx="26677" cy="19055"/>
             </a:xfrm>
             <a:custGeom>
@@ -26344,7 +26344,7 @@
           </p:nvSpPr>
           <p:spPr>
             <a:xfrm>
-              <a:off x="3966577" y="4421455"/>
+              <a:off x="3965252" y="4424015"/>
               <a:ext cx="33876" cy="22866"/>
             </a:xfrm>
             <a:custGeom>
@@ -26414,7 +26414,7 @@
           </p:nvSpPr>
           <p:spPr>
             <a:xfrm>
-              <a:off x="4014851" y="4351161"/>
+              <a:off x="4013526" y="4353721"/>
               <a:ext cx="36417" cy="93584"/>
             </a:xfrm>
             <a:custGeom>
@@ -26634,7 +26634,7 @@
           </p:nvSpPr>
           <p:spPr>
             <a:xfrm>
-              <a:off x="4013581" y="4411292"/>
+              <a:off x="4012256" y="4413852"/>
               <a:ext cx="22019" cy="18632"/>
             </a:xfrm>
             <a:custGeom>
@@ -26731,7 +26731,7 @@
           </p:nvSpPr>
           <p:spPr>
             <a:xfrm>
-              <a:off x="4049151" y="4349044"/>
+              <a:off x="4047826" y="4351604"/>
               <a:ext cx="60130" cy="41922"/>
             </a:xfrm>
             <a:custGeom>
@@ -26930,7 +26930,7 @@
           </p:nvSpPr>
           <p:spPr>
             <a:xfrm>
-              <a:off x="4062702" y="4363018"/>
+              <a:off x="4061377" y="4365578"/>
               <a:ext cx="33453" cy="20325"/>
             </a:xfrm>
             <a:custGeom>
@@ -27024,7 +27024,7 @@
           </p:nvSpPr>
           <p:spPr>
             <a:xfrm>
-              <a:off x="4052962" y="4396048"/>
+              <a:off x="4051637" y="4398607"/>
               <a:ext cx="54202" cy="45309"/>
             </a:xfrm>
             <a:custGeom>
@@ -27133,7 +27133,7 @@
           </p:nvSpPr>
           <p:spPr>
             <a:xfrm>
-              <a:off x="4070747" y="4397318"/>
+              <a:off x="4069423" y="4399878"/>
               <a:ext cx="12703" cy="26254"/>
             </a:xfrm>
             <a:custGeom>
@@ -27230,7 +27230,7 @@
           </p:nvSpPr>
           <p:spPr>
             <a:xfrm>
-              <a:off x="4054656" y="4399859"/>
+              <a:off x="4053331" y="4402418"/>
               <a:ext cx="13974" cy="29218"/>
             </a:xfrm>
             <a:custGeom>
@@ -27327,7 +27327,7 @@
           </p:nvSpPr>
           <p:spPr>
             <a:xfrm>
-              <a:off x="2405109" y="5135687"/>
+              <a:off x="2403451" y="5138957"/>
               <a:ext cx="49544" cy="88502"/>
             </a:xfrm>
             <a:custGeom>
@@ -27382,7 +27382,7 @@
           </p:nvSpPr>
           <p:spPr>
             <a:xfrm>
-              <a:off x="2433481" y="5143732"/>
+              <a:off x="2431822" y="5147003"/>
               <a:ext cx="12703" cy="28371"/>
             </a:xfrm>
             <a:custGeom>
@@ -27425,7 +27425,7 @@
           </p:nvSpPr>
           <p:spPr>
             <a:xfrm>
-              <a:off x="2413579" y="5143732"/>
+              <a:off x="2411920" y="5147003"/>
               <a:ext cx="12280" cy="28371"/>
             </a:xfrm>
             <a:custGeom>
@@ -27468,7 +27468,7 @@
           </p:nvSpPr>
           <p:spPr>
             <a:xfrm>
-              <a:off x="2433481" y="5179303"/>
+              <a:off x="2431822" y="5182573"/>
               <a:ext cx="12703" cy="28795"/>
             </a:xfrm>
             <a:custGeom>
@@ -27511,7 +27511,7 @@
           </p:nvSpPr>
           <p:spPr>
             <a:xfrm>
-              <a:off x="2413579" y="5179303"/>
+              <a:off x="2411920" y="5182573"/>
               <a:ext cx="12280" cy="28795"/>
             </a:xfrm>
             <a:custGeom>
@@ -27554,7 +27554,7 @@
           </p:nvSpPr>
           <p:spPr>
             <a:xfrm>
-              <a:off x="2362764" y="5127641"/>
+              <a:off x="2361105" y="5130911"/>
               <a:ext cx="37264" cy="67329"/>
             </a:xfrm>
             <a:custGeom>
@@ -27843,7 +27843,7 @@
           </p:nvSpPr>
           <p:spPr>
             <a:xfrm>
-              <a:off x="2361917" y="5198782"/>
+              <a:off x="2360258" y="5202052"/>
               <a:ext cx="37264" cy="17361"/>
             </a:xfrm>
             <a:custGeom>
@@ -27940,7 +27940,7 @@
           </p:nvSpPr>
           <p:spPr>
             <a:xfrm>
-              <a:off x="2469051" y="5130182"/>
+              <a:off x="2467393" y="5133452"/>
               <a:ext cx="35146" cy="94854"/>
             </a:xfrm>
             <a:custGeom>
@@ -28202,7 +28202,7 @@
           </p:nvSpPr>
           <p:spPr>
             <a:xfrm>
-              <a:off x="2483872" y="5137804"/>
+              <a:off x="2482214" y="5141074"/>
               <a:ext cx="11856" cy="16938"/>
             </a:xfrm>
             <a:custGeom>
@@ -28245,7 +28245,7 @@
           </p:nvSpPr>
           <p:spPr>
             <a:xfrm>
-              <a:off x="2483449" y="5161941"/>
+              <a:off x="2481790" y="5165211"/>
               <a:ext cx="12280" cy="16938"/>
             </a:xfrm>
             <a:custGeom>
@@ -28318,7 +28318,7 @@
           </p:nvSpPr>
           <p:spPr>
             <a:xfrm>
-              <a:off x="2502928" y="5127217"/>
+              <a:off x="2501269" y="5130488"/>
               <a:ext cx="58860" cy="74104"/>
             </a:xfrm>
             <a:custGeom>
@@ -28634,7 +28634,7 @@
           </p:nvSpPr>
           <p:spPr>
             <a:xfrm>
-              <a:off x="2514785" y="5160247"/>
+              <a:off x="2513126" y="5163518"/>
               <a:ext cx="53355" cy="63095"/>
             </a:xfrm>
             <a:custGeom>
@@ -28923,7 +28923,7 @@
           </p:nvSpPr>
           <p:spPr>
             <a:xfrm>
-              <a:off x="2523254" y="5168293"/>
+              <a:off x="2521595" y="5171563"/>
               <a:ext cx="11856" cy="15667"/>
             </a:xfrm>
             <a:custGeom>
@@ -28966,7 +28966,7 @@
           </p:nvSpPr>
           <p:spPr>
             <a:xfrm>
-              <a:off x="2581268" y="5126794"/>
+              <a:off x="2579609" y="5130064"/>
               <a:ext cx="92313" cy="29641"/>
             </a:xfrm>
             <a:custGeom>
@@ -29087,7 +29087,7 @@
           </p:nvSpPr>
           <p:spPr>
             <a:xfrm>
-              <a:off x="2580421" y="5150084"/>
+              <a:off x="2578762" y="5153355"/>
               <a:ext cx="93584" cy="74951"/>
             </a:xfrm>
             <a:custGeom>
@@ -29322,7 +29322,7 @@
           </p:nvSpPr>
           <p:spPr>
             <a:xfrm>
-              <a:off x="2599476" y="5153895"/>
+              <a:off x="2597818" y="5157166"/>
               <a:ext cx="27101" cy="19055"/>
             </a:xfrm>
             <a:custGeom>
@@ -29419,7 +29419,7 @@
           </p:nvSpPr>
           <p:spPr>
             <a:xfrm>
-              <a:off x="2589313" y="5168293"/>
+              <a:off x="2587655" y="5171563"/>
               <a:ext cx="26677" cy="19055"/>
             </a:xfrm>
             <a:custGeom>
@@ -29516,7 +29516,7 @@
           </p:nvSpPr>
           <p:spPr>
             <a:xfrm>
-              <a:off x="2641398" y="5201322"/>
+              <a:off x="2639740" y="5204593"/>
               <a:ext cx="33876" cy="22866"/>
             </a:xfrm>
             <a:custGeom>
@@ -29586,7 +29586,7 @@
           </p:nvSpPr>
           <p:spPr>
             <a:xfrm>
-              <a:off x="2689673" y="5131028"/>
+              <a:off x="2688014" y="5134299"/>
               <a:ext cx="36417" cy="93584"/>
             </a:xfrm>
             <a:custGeom>
@@ -29806,7 +29806,7 @@
           </p:nvSpPr>
           <p:spPr>
             <a:xfrm>
-              <a:off x="2688402" y="5191159"/>
+              <a:off x="2686744" y="5194430"/>
               <a:ext cx="22019" cy="18632"/>
             </a:xfrm>
             <a:custGeom>
@@ -29903,7 +29903,7 @@
           </p:nvSpPr>
           <p:spPr>
             <a:xfrm>
-              <a:off x="2723973" y="5128911"/>
+              <a:off x="2722314" y="5132182"/>
               <a:ext cx="60130" cy="41922"/>
             </a:xfrm>
             <a:custGeom>
@@ -30102,7 +30102,7 @@
           </p:nvSpPr>
           <p:spPr>
             <a:xfrm>
-              <a:off x="2737523" y="5142885"/>
+              <a:off x="2735865" y="5146156"/>
               <a:ext cx="33453" cy="20325"/>
             </a:xfrm>
             <a:custGeom>
@@ -30196,7 +30196,7 @@
           </p:nvSpPr>
           <p:spPr>
             <a:xfrm>
-              <a:off x="2727784" y="5175915"/>
+              <a:off x="2726125" y="5179185"/>
               <a:ext cx="54202" cy="45309"/>
             </a:xfrm>
             <a:custGeom>
@@ -30305,7 +30305,7 @@
           </p:nvSpPr>
           <p:spPr>
             <a:xfrm>
-              <a:off x="2745569" y="5177185"/>
+              <a:off x="2743910" y="5180456"/>
               <a:ext cx="12703" cy="26254"/>
             </a:xfrm>
             <a:custGeom>
@@ -30402,7 +30402,7 @@
           </p:nvSpPr>
           <p:spPr>
             <a:xfrm>
-              <a:off x="2729477" y="5179726"/>
+              <a:off x="2727819" y="5182997"/>
               <a:ext cx="13974" cy="29218"/>
             </a:xfrm>
             <a:custGeom>
@@ -30499,8 +30499,8 @@
           </p:nvSpPr>
           <p:spPr>
             <a:xfrm>
-              <a:off x="2019661" y="1590617"/>
-              <a:ext cx="6917431" cy="4055309"/>
+              <a:off x="2017917" y="1590617"/>
+              <a:ext cx="6919174" cy="4059006"/>
             </a:xfrm>
             <a:prstGeom prst="rect">
               <a:avLst/>
@@ -30529,7 +30529,7 @@
           </p:nvSpPr>
           <p:spPr>
             <a:xfrm>
-              <a:off x="1926148" y="5139561"/>
+              <a:off x="1924405" y="5142832"/>
               <a:ext cx="55607" cy="77980"/>
             </a:xfrm>
             <a:custGeom>
@@ -31361,7 +31361,7 @@
           </p:nvSpPr>
           <p:spPr>
             <a:xfrm>
-              <a:off x="1924402" y="4359694"/>
+              <a:off x="1922659" y="4362253"/>
               <a:ext cx="59863" cy="76889"/>
             </a:xfrm>
             <a:custGeom>
@@ -31425,7 +31425,7 @@
           </p:nvSpPr>
           <p:spPr>
             <a:xfrm>
-              <a:off x="1936899" y="4373680"/>
+              <a:off x="1935155" y="4376240"/>
               <a:ext cx="22952" cy="35836"/>
             </a:xfrm>
             <a:custGeom>
@@ -31702,7 +31702,7 @@
           </p:nvSpPr>
           <p:spPr>
             <a:xfrm>
-              <a:off x="1925275" y="3578681"/>
+              <a:off x="1923532" y="3580529"/>
               <a:ext cx="55552" cy="79290"/>
             </a:xfrm>
             <a:custGeom>
@@ -32571,7 +32571,7 @@
                     <a:pt x="10815" y="4673"/>
                   </a:lnTo>
                   <a:lnTo>
-                    <a:pt x="11555" y="4191"/>
+                    <a:pt x="11555" y="4190"/>
                   </a:lnTo>
                   <a:lnTo>
                     <a:pt x="12317" y="3735"/>
@@ -32625,7 +32625,7 @@
                     <a:pt x="26919" y="13"/>
                   </a:lnTo>
                   <a:lnTo>
-                    <a:pt x="27939" y="0"/>
+                    <a:pt x="27940" y="0"/>
                   </a:lnTo>
                   <a:lnTo>
                     <a:pt x="29274" y="16"/>
@@ -33011,7 +33011,7 @@
           </p:nvSpPr>
           <p:spPr>
             <a:xfrm>
-              <a:off x="1926585" y="2798813"/>
+              <a:off x="1924841" y="2799951"/>
               <a:ext cx="53806" cy="78035"/>
             </a:xfrm>
             <a:custGeom>
@@ -33777,7 +33777,7 @@
           </p:nvSpPr>
           <p:spPr>
             <a:xfrm>
-              <a:off x="1929750" y="2020092"/>
+              <a:off x="1928007" y="2020519"/>
               <a:ext cx="52005" cy="76889"/>
             </a:xfrm>
             <a:custGeom>
@@ -33841,7 +33841,7 @@
           </p:nvSpPr>
           <p:spPr>
             <a:xfrm>
-              <a:off x="1984866" y="5178006"/>
+              <a:off x="1983123" y="5181276"/>
               <a:ext cx="34794" cy="0"/>
             </a:xfrm>
             <a:custGeom>
@@ -33881,7 +33881,7 @@
           </p:nvSpPr>
           <p:spPr>
             <a:xfrm>
-              <a:off x="1984866" y="4398139"/>
+              <a:off x="1983123" y="4400698"/>
               <a:ext cx="34794" cy="0"/>
             </a:xfrm>
             <a:custGeom>
@@ -33921,7 +33921,7 @@
           </p:nvSpPr>
           <p:spPr>
             <a:xfrm>
-              <a:off x="1984866" y="3618271"/>
+              <a:off x="1983123" y="3620120"/>
               <a:ext cx="34794" cy="0"/>
             </a:xfrm>
             <a:custGeom>
@@ -33961,7 +33961,7 @@
           </p:nvSpPr>
           <p:spPr>
             <a:xfrm>
-              <a:off x="1984866" y="2838404"/>
+              <a:off x="1983123" y="2839542"/>
               <a:ext cx="34794" cy="0"/>
             </a:xfrm>
             <a:custGeom>
@@ -34001,7 +34001,7 @@
           </p:nvSpPr>
           <p:spPr>
             <a:xfrm>
-              <a:off x="1984866" y="2058537"/>
+              <a:off x="1983123" y="2058964"/>
               <a:ext cx="34794" cy="0"/>
             </a:xfrm>
             <a:custGeom>
@@ -34041,7 +34041,7 @@
           </p:nvSpPr>
           <p:spPr>
             <a:xfrm>
-              <a:off x="2019661" y="5645926"/>
+              <a:off x="2017917" y="5649623"/>
               <a:ext cx="0" cy="34794"/>
             </a:xfrm>
             <a:custGeom>
@@ -34081,7 +34081,7 @@
           </p:nvSpPr>
           <p:spPr>
             <a:xfrm>
-              <a:off x="3578694" y="5645926"/>
+              <a:off x="3577343" y="5649623"/>
               <a:ext cx="0" cy="34794"/>
             </a:xfrm>
             <a:custGeom>
@@ -34121,7 +34121,7 @@
           </p:nvSpPr>
           <p:spPr>
             <a:xfrm>
-              <a:off x="5137727" y="5645926"/>
+              <a:off x="5136770" y="5649623"/>
               <a:ext cx="0" cy="34794"/>
             </a:xfrm>
             <a:custGeom>
@@ -34161,7 +34161,7 @@
           </p:nvSpPr>
           <p:spPr>
             <a:xfrm>
-              <a:off x="6696761" y="5645926"/>
+              <a:off x="6696196" y="5649623"/>
               <a:ext cx="0" cy="34794"/>
             </a:xfrm>
             <a:custGeom>
@@ -34201,7 +34201,7 @@
           </p:nvSpPr>
           <p:spPr>
             <a:xfrm>
-              <a:off x="8255794" y="5645926"/>
+              <a:off x="8255623" y="5649623"/>
               <a:ext cx="0" cy="34794"/>
             </a:xfrm>
             <a:custGeom>
@@ -34241,7 +34241,7 @@
           </p:nvSpPr>
           <p:spPr>
             <a:xfrm>
-              <a:off x="1992948" y="5707410"/>
+              <a:off x="1991205" y="5711107"/>
               <a:ext cx="53424" cy="79126"/>
             </a:xfrm>
             <a:custGeom>
@@ -34684,7 +34684,7 @@
                     <a:pt x="48312" y="12306"/>
                   </a:lnTo>
                   <a:lnTo>
-                    <a:pt x="48894" y="13492"/>
+                    <a:pt x="48895" y="13492"/>
                   </a:lnTo>
                   <a:lnTo>
                     <a:pt x="49447" y="14740"/>
@@ -34752,7 +34752,7 @@
           </p:nvSpPr>
           <p:spPr>
             <a:xfrm>
-              <a:off x="2002880" y="5715377"/>
+              <a:off x="2001137" y="5719075"/>
               <a:ext cx="33506" cy="63137"/>
             </a:xfrm>
             <a:custGeom>
@@ -35263,7 +35263,7 @@
           </p:nvSpPr>
           <p:spPr>
             <a:xfrm>
-              <a:off x="3493974" y="5708556"/>
+              <a:off x="3492623" y="5712253"/>
               <a:ext cx="48185" cy="76889"/>
             </a:xfrm>
             <a:custGeom>
@@ -35327,7 +35327,7 @@
           </p:nvSpPr>
           <p:spPr>
             <a:xfrm>
-              <a:off x="3551982" y="5707410"/>
+              <a:off x="3550631" y="5711107"/>
               <a:ext cx="53424" cy="79126"/>
             </a:xfrm>
             <a:custGeom>
@@ -35838,7 +35838,7 @@
           </p:nvSpPr>
           <p:spPr>
             <a:xfrm>
-              <a:off x="3561914" y="5715377"/>
+              <a:off x="3560563" y="5719075"/>
               <a:ext cx="33506" cy="63137"/>
             </a:xfrm>
             <a:custGeom>
@@ -36349,7 +36349,7 @@
           </p:nvSpPr>
           <p:spPr>
             <a:xfrm>
-              <a:off x="3614137" y="5707410"/>
+              <a:off x="3612787" y="5711107"/>
               <a:ext cx="53424" cy="79126"/>
             </a:xfrm>
             <a:custGeom>
@@ -36860,7 +36860,7 @@
           </p:nvSpPr>
           <p:spPr>
             <a:xfrm>
-              <a:off x="3624069" y="5715377"/>
+              <a:off x="3622719" y="5719075"/>
               <a:ext cx="33506" cy="63137"/>
             </a:xfrm>
             <a:custGeom>
@@ -37371,7 +37371,7 @@
           </p:nvSpPr>
           <p:spPr>
             <a:xfrm>
-              <a:off x="5050115" y="5707410"/>
+              <a:off x="5049157" y="5711107"/>
               <a:ext cx="50914" cy="78035"/>
             </a:xfrm>
             <a:custGeom>
@@ -38317,7 +38317,7 @@
           </p:nvSpPr>
           <p:spPr>
             <a:xfrm>
-              <a:off x="5111015" y="5707410"/>
+              <a:off x="5110058" y="5711107"/>
               <a:ext cx="53424" cy="79126"/>
             </a:xfrm>
             <a:custGeom>
@@ -38828,7 +38828,7 @@
           </p:nvSpPr>
           <p:spPr>
             <a:xfrm>
-              <a:off x="5120947" y="5715377"/>
+              <a:off x="5119989" y="5719075"/>
               <a:ext cx="33506" cy="63137"/>
             </a:xfrm>
             <a:custGeom>
@@ -39339,7 +39339,7 @@
           </p:nvSpPr>
           <p:spPr>
             <a:xfrm>
-              <a:off x="5173171" y="5707410"/>
+              <a:off x="5172213" y="5711107"/>
               <a:ext cx="53424" cy="79126"/>
             </a:xfrm>
             <a:custGeom>
@@ -39850,7 +39850,7 @@
           </p:nvSpPr>
           <p:spPr>
             <a:xfrm>
-              <a:off x="5183103" y="5715377"/>
+              <a:off x="5182145" y="5719075"/>
               <a:ext cx="33506" cy="63137"/>
             </a:xfrm>
             <a:custGeom>
@@ -40361,7 +40361,7 @@
           </p:nvSpPr>
           <p:spPr>
             <a:xfrm>
-              <a:off x="6607784" y="5707410"/>
+              <a:off x="6607219" y="5711107"/>
               <a:ext cx="52987" cy="79126"/>
             </a:xfrm>
             <a:custGeom>
@@ -41670,7 +41670,7 @@
           </p:nvSpPr>
           <p:spPr>
             <a:xfrm>
-              <a:off x="6670049" y="5707410"/>
+              <a:off x="6669484" y="5711107"/>
               <a:ext cx="53424" cy="79126"/>
             </a:xfrm>
             <a:custGeom>
@@ -42181,7 +42181,7 @@
           </p:nvSpPr>
           <p:spPr>
             <a:xfrm>
-              <a:off x="6679981" y="5715377"/>
+              <a:off x="6679416" y="5719075"/>
               <a:ext cx="33506" cy="63137"/>
             </a:xfrm>
             <a:custGeom>
@@ -42692,7 +42692,7 @@
           </p:nvSpPr>
           <p:spPr>
             <a:xfrm>
-              <a:off x="6732204" y="5707410"/>
+              <a:off x="6731640" y="5711107"/>
               <a:ext cx="53424" cy="79126"/>
             </a:xfrm>
             <a:custGeom>
@@ -43203,7 +43203,7 @@
           </p:nvSpPr>
           <p:spPr>
             <a:xfrm>
-              <a:off x="6742136" y="5715377"/>
+              <a:off x="6741571" y="5719075"/>
               <a:ext cx="33506" cy="63137"/>
             </a:xfrm>
             <a:custGeom>
@@ -43714,7 +43714,7 @@
           </p:nvSpPr>
           <p:spPr>
             <a:xfrm>
-              <a:off x="8165126" y="5708556"/>
+              <a:off x="8164954" y="5712253"/>
               <a:ext cx="56316" cy="76889"/>
             </a:xfrm>
             <a:custGeom>
@@ -43778,7 +43778,7 @@
           </p:nvSpPr>
           <p:spPr>
             <a:xfrm>
-              <a:off x="8174184" y="5720283"/>
+              <a:off x="8174013" y="5723981"/>
               <a:ext cx="27176" cy="40005"/>
             </a:xfrm>
             <a:custGeom>
@@ -43992,7 +43992,7 @@
           </p:nvSpPr>
           <p:spPr>
             <a:xfrm>
-              <a:off x="8229082" y="5707410"/>
+              <a:off x="8228910" y="5711107"/>
               <a:ext cx="53424" cy="79126"/>
             </a:xfrm>
             <a:custGeom>
@@ -44503,7 +44503,7 @@
           </p:nvSpPr>
           <p:spPr>
             <a:xfrm>
-              <a:off x="8239014" y="5715377"/>
+              <a:off x="8238842" y="5719075"/>
               <a:ext cx="33506" cy="63137"/>
             </a:xfrm>
             <a:custGeom>
@@ -45014,7 +45014,7 @@
           </p:nvSpPr>
           <p:spPr>
             <a:xfrm>
-              <a:off x="8291238" y="5707410"/>
+              <a:off x="8291066" y="5711107"/>
               <a:ext cx="53424" cy="79126"/>
             </a:xfrm>
             <a:custGeom>
@@ -45525,7 +45525,7 @@
           </p:nvSpPr>
           <p:spPr>
             <a:xfrm>
-              <a:off x="8301170" y="5715377"/>
+              <a:off x="8300998" y="5719075"/>
               <a:ext cx="33506" cy="63137"/>
             </a:xfrm>
             <a:custGeom>
